--- a/PräsentationIntro.pptx
+++ b/PräsentationIntro.pptx
@@ -8,7 +8,11 @@
     <p:sldId id="256" r:id="rId2"/>
     <p:sldId id="257" r:id="rId3"/>
     <p:sldId id="258" r:id="rId4"/>
-    <p:sldId id="259" r:id="rId5"/>
+    <p:sldId id="263" r:id="rId5"/>
+    <p:sldId id="260" r:id="rId6"/>
+    <p:sldId id="262" r:id="rId7"/>
+    <p:sldId id="261" r:id="rId8"/>
+    <p:sldId id="259" r:id="rId9"/>
   </p:sldIdLst>
   <p:sldSz cx="12192000" cy="6858000"/>
   <p:notesSz cx="6858000" cy="9144000"/>
@@ -107,6 +111,11 @@
       </a:defRPr>
     </a:lvl9pPr>
   </p:defaultTextStyle>
+  <p:extLst>
+    <p:ext uri="{EFAFB233-063F-42B5-8137-9DF3F51BA10A}">
+      <p15:sldGuideLst xmlns:p15="http://schemas.microsoft.com/office/powerpoint/2012/main"/>
+    </p:ext>
+  </p:extLst>
 </p:presentation>
 </file>
 
@@ -4372,10 +4381,130 @@
           <a:bodyPr/>
           <a:lstStyle/>
           <a:p>
-            <a:endParaRPr lang="de-DE"/>
-          </a:p>
-        </p:txBody>
-      </p:sp>
+            <a:r>
+              <a:rPr lang="de-DE" dirty="0" err="1" smtClean="0"/>
+              <a:t>Synchronous</a:t>
+            </a:r>
+            <a:r>
+              <a:rPr lang="de-DE" dirty="0" smtClean="0"/>
+              <a:t> Events ( </a:t>
+            </a:r>
+            <a:r>
+              <a:rPr lang="de-DE" dirty="0" err="1" smtClean="0"/>
+              <a:t>Timer</a:t>
+            </a:r>
+            <a:r>
+              <a:rPr lang="de-DE" dirty="0" smtClean="0"/>
+              <a:t> </a:t>
+            </a:r>
+            <a:r>
+              <a:rPr lang="de-DE" dirty="0" err="1" smtClean="0"/>
+              <a:t>interrupt</a:t>
+            </a:r>
+            <a:r>
+              <a:rPr lang="de-DE" dirty="0" smtClean="0"/>
+              <a:t>)</a:t>
+            </a:r>
+          </a:p>
+          <a:p>
+            <a:endParaRPr lang="de-DE" dirty="0" smtClean="0"/>
+          </a:p>
+          <a:p>
+            <a:endParaRPr lang="de-DE" dirty="0"/>
+          </a:p>
+          <a:p>
+            <a:endParaRPr lang="de-DE" dirty="0" smtClean="0"/>
+          </a:p>
+          <a:p>
+            <a:endParaRPr lang="de-DE" dirty="0"/>
+          </a:p>
+          <a:p>
+            <a:pPr marL="0" indent="0">
+              <a:buNone/>
+            </a:pPr>
+            <a:endParaRPr lang="de-DE" dirty="0" smtClean="0"/>
+          </a:p>
+          <a:p>
+            <a:r>
+              <a:rPr lang="de-DE" dirty="0" err="1" smtClean="0"/>
+              <a:t>Asynchronous</a:t>
+            </a:r>
+            <a:r>
+              <a:rPr lang="de-DE" dirty="0" smtClean="0"/>
+              <a:t> Events ( Button </a:t>
+            </a:r>
+            <a:r>
+              <a:rPr lang="de-DE" dirty="0" err="1" smtClean="0"/>
+              <a:t>pressed</a:t>
+            </a:r>
+            <a:r>
+              <a:rPr lang="de-DE" dirty="0" smtClean="0"/>
+              <a:t>)</a:t>
+            </a:r>
+            <a:endParaRPr lang="de-DE" dirty="0"/>
+          </a:p>
+        </p:txBody>
+      </p:sp>
+      <p:pic>
+        <p:nvPicPr>
+          <p:cNvPr id="4" name="Bild 3"/>
+          <p:cNvPicPr>
+            <a:picLocks noChangeAspect="1"/>
+          </p:cNvPicPr>
+          <p:nvPr/>
+        </p:nvPicPr>
+        <p:blipFill>
+          <a:blip r:embed="rId2">
+            <a:extLst>
+              <a:ext uri="{28A0092B-C50C-407E-A947-70E740481C1C}">
+                <a14:useLocalDpi xmlns:a14="http://schemas.microsoft.com/office/drawing/2010/main" val="0"/>
+              </a:ext>
+            </a:extLst>
+          </a:blip>
+          <a:stretch>
+            <a:fillRect/>
+          </a:stretch>
+        </p:blipFill>
+        <p:spPr>
+          <a:xfrm>
+            <a:off x="5181600" y="1272438"/>
+            <a:ext cx="5791200" cy="1943100"/>
+          </a:xfrm>
+          <a:prstGeom prst="rect">
+            <a:avLst/>
+          </a:prstGeom>
+        </p:spPr>
+      </p:pic>
+      <p:pic>
+        <p:nvPicPr>
+          <p:cNvPr id="5" name="Bild 4"/>
+          <p:cNvPicPr>
+            <a:picLocks noChangeAspect="1"/>
+          </p:cNvPicPr>
+          <p:nvPr/>
+        </p:nvPicPr>
+        <p:blipFill>
+          <a:blip r:embed="rId3">
+            <a:extLst>
+              <a:ext uri="{28A0092B-C50C-407E-A947-70E740481C1C}">
+                <a14:useLocalDpi xmlns:a14="http://schemas.microsoft.com/office/drawing/2010/main" val="0"/>
+              </a:ext>
+            </a:extLst>
+          </a:blip>
+          <a:stretch>
+            <a:fillRect/>
+          </a:stretch>
+        </p:blipFill>
+        <p:spPr>
+          <a:xfrm>
+            <a:off x="5181600" y="4081903"/>
+            <a:ext cx="5613400" cy="2387600"/>
+          </a:xfrm>
+          <a:prstGeom prst="rect">
+            <a:avLst/>
+          </a:prstGeom>
+        </p:spPr>
+      </p:pic>
     </p:spTree>
     <p:extLst>
       <p:ext uri="{BB962C8B-B14F-4D97-AF65-F5344CB8AC3E}">
@@ -4390,6 +4519,318 @@
 </file>
 
 <file path=ppt/slides/slide4.xml><?xml version="1.0" encoding="utf-8"?>
+<p:sld xmlns:a="http://schemas.openxmlformats.org/drawingml/2006/main" xmlns:r="http://schemas.openxmlformats.org/officeDocument/2006/relationships" xmlns:p="http://schemas.openxmlformats.org/presentationml/2006/main">
+  <p:cSld>
+    <p:spTree>
+      <p:nvGrpSpPr>
+        <p:cNvPr id="1" name=""/>
+        <p:cNvGrpSpPr/>
+        <p:nvPr/>
+      </p:nvGrpSpPr>
+      <p:grpSpPr>
+        <a:xfrm>
+          <a:off x="0" y="0"/>
+          <a:ext cx="0" cy="0"/>
+          <a:chOff x="0" y="0"/>
+          <a:chExt cx="0" cy="0"/>
+        </a:xfrm>
+      </p:grpSpPr>
+      <p:sp>
+        <p:nvSpPr>
+          <p:cNvPr id="2" name="Titel 1"/>
+          <p:cNvSpPr>
+            <a:spLocks noGrp="1"/>
+          </p:cNvSpPr>
+          <p:nvPr>
+            <p:ph type="title"/>
+          </p:nvPr>
+        </p:nvSpPr>
+        <p:spPr/>
+        <p:txBody>
+          <a:bodyPr/>
+          <a:lstStyle/>
+          <a:p>
+            <a:r>
+              <a:rPr lang="de-DE" dirty="0" err="1" smtClean="0"/>
+              <a:t>Interupt</a:t>
+            </a:r>
+            <a:r>
+              <a:rPr lang="de-DE" dirty="0" smtClean="0"/>
+              <a:t> </a:t>
+            </a:r>
+            <a:r>
+              <a:rPr lang="de-DE" dirty="0" err="1" smtClean="0"/>
+              <a:t>Execution</a:t>
+            </a:r>
+            <a:r>
+              <a:rPr lang="de-DE" dirty="0" smtClean="0"/>
+              <a:t> Speed</a:t>
+            </a:r>
+            <a:endParaRPr lang="de-DE" dirty="0"/>
+          </a:p>
+        </p:txBody>
+      </p:sp>
+      <p:sp>
+        <p:nvSpPr>
+          <p:cNvPr id="3" name="Inhaltsplatzhalter 2"/>
+          <p:cNvSpPr>
+            <a:spLocks noGrp="1"/>
+          </p:cNvSpPr>
+          <p:nvPr>
+            <p:ph idx="1"/>
+          </p:nvPr>
+        </p:nvSpPr>
+        <p:spPr/>
+        <p:txBody>
+          <a:bodyPr/>
+          <a:lstStyle/>
+          <a:p>
+            <a:endParaRPr lang="de-DE"/>
+          </a:p>
+        </p:txBody>
+      </p:sp>
+    </p:spTree>
+    <p:extLst>
+      <p:ext uri="{BB962C8B-B14F-4D97-AF65-F5344CB8AC3E}">
+        <p14:creationId xmlns:p14="http://schemas.microsoft.com/office/powerpoint/2010/main" val="1921482794"/>
+      </p:ext>
+    </p:extLst>
+  </p:cSld>
+  <p:clrMapOvr>
+    <a:masterClrMapping/>
+  </p:clrMapOvr>
+</p:sld>
+</file>
+
+<file path=ppt/slides/slide5.xml><?xml version="1.0" encoding="utf-8"?>
+<p:sld xmlns:a="http://schemas.openxmlformats.org/drawingml/2006/main" xmlns:r="http://schemas.openxmlformats.org/officeDocument/2006/relationships" xmlns:p="http://schemas.openxmlformats.org/presentationml/2006/main">
+  <p:cSld>
+    <p:spTree>
+      <p:nvGrpSpPr>
+        <p:cNvPr id="1" name=""/>
+        <p:cNvGrpSpPr/>
+        <p:nvPr/>
+      </p:nvGrpSpPr>
+      <p:grpSpPr>
+        <a:xfrm>
+          <a:off x="0" y="0"/>
+          <a:ext cx="0" cy="0"/>
+          <a:chOff x="0" y="0"/>
+          <a:chExt cx="0" cy="0"/>
+        </a:xfrm>
+      </p:grpSpPr>
+      <p:sp>
+        <p:nvSpPr>
+          <p:cNvPr id="2" name="Titel 1"/>
+          <p:cNvSpPr>
+            <a:spLocks noGrp="1"/>
+          </p:cNvSpPr>
+          <p:nvPr>
+            <p:ph type="title"/>
+          </p:nvPr>
+        </p:nvSpPr>
+        <p:spPr/>
+        <p:txBody>
+          <a:bodyPr/>
+          <a:lstStyle/>
+          <a:p>
+            <a:r>
+              <a:rPr lang="de-DE" dirty="0" smtClean="0"/>
+              <a:t>Interrupt </a:t>
+            </a:r>
+            <a:r>
+              <a:rPr lang="de-DE" dirty="0" err="1" smtClean="0"/>
+              <a:t>and</a:t>
+            </a:r>
+            <a:r>
+              <a:rPr lang="de-DE" dirty="0" smtClean="0"/>
+              <a:t> Events</a:t>
+            </a:r>
+            <a:endParaRPr lang="de-DE" dirty="0"/>
+          </a:p>
+        </p:txBody>
+      </p:sp>
+      <p:sp>
+        <p:nvSpPr>
+          <p:cNvPr id="3" name="Inhaltsplatzhalter 2"/>
+          <p:cNvSpPr>
+            <a:spLocks noGrp="1"/>
+          </p:cNvSpPr>
+          <p:nvPr>
+            <p:ph idx="1"/>
+          </p:nvPr>
+        </p:nvSpPr>
+        <p:spPr/>
+        <p:txBody>
+          <a:bodyPr/>
+          <a:lstStyle/>
+          <a:p>
+            <a:endParaRPr lang="de-DE" dirty="0"/>
+          </a:p>
+        </p:txBody>
+      </p:sp>
+    </p:spTree>
+    <p:extLst>
+      <p:ext uri="{BB962C8B-B14F-4D97-AF65-F5344CB8AC3E}">
+        <p14:creationId xmlns:p14="http://schemas.microsoft.com/office/powerpoint/2010/main" val="1413126182"/>
+      </p:ext>
+    </p:extLst>
+  </p:cSld>
+  <p:clrMapOvr>
+    <a:masterClrMapping/>
+  </p:clrMapOvr>
+</p:sld>
+</file>
+
+<file path=ppt/slides/slide6.xml><?xml version="1.0" encoding="utf-8"?>
+<p:sld xmlns:a="http://schemas.openxmlformats.org/drawingml/2006/main" xmlns:r="http://schemas.openxmlformats.org/officeDocument/2006/relationships" xmlns:p="http://schemas.openxmlformats.org/presentationml/2006/main">
+  <p:cSld>
+    <p:spTree>
+      <p:nvGrpSpPr>
+        <p:cNvPr id="1" name=""/>
+        <p:cNvGrpSpPr/>
+        <p:nvPr/>
+      </p:nvGrpSpPr>
+      <p:grpSpPr>
+        <a:xfrm>
+          <a:off x="0" y="0"/>
+          <a:ext cx="0" cy="0"/>
+          <a:chOff x="0" y="0"/>
+          <a:chExt cx="0" cy="0"/>
+        </a:xfrm>
+      </p:grpSpPr>
+      <p:sp>
+        <p:nvSpPr>
+          <p:cNvPr id="2" name="Titel 1"/>
+          <p:cNvSpPr>
+            <a:spLocks noGrp="1"/>
+          </p:cNvSpPr>
+          <p:nvPr>
+            <p:ph type="title"/>
+          </p:nvPr>
+        </p:nvSpPr>
+        <p:spPr/>
+        <p:txBody>
+          <a:bodyPr/>
+          <a:lstStyle/>
+          <a:p>
+            <a:r>
+              <a:rPr lang="de-DE" dirty="0" err="1" smtClean="0"/>
+              <a:t>Storing</a:t>
+            </a:r>
+            <a:r>
+              <a:rPr lang="de-DE" dirty="0" smtClean="0"/>
+              <a:t> Events</a:t>
+            </a:r>
+            <a:endParaRPr lang="de-DE" dirty="0"/>
+          </a:p>
+        </p:txBody>
+      </p:sp>
+      <p:sp>
+        <p:nvSpPr>
+          <p:cNvPr id="3" name="Inhaltsplatzhalter 2"/>
+          <p:cNvSpPr>
+            <a:spLocks noGrp="1"/>
+          </p:cNvSpPr>
+          <p:nvPr>
+            <p:ph idx="1"/>
+          </p:nvPr>
+        </p:nvSpPr>
+        <p:spPr/>
+        <p:txBody>
+          <a:bodyPr/>
+          <a:lstStyle/>
+          <a:p>
+            <a:endParaRPr lang="de-DE"/>
+          </a:p>
+        </p:txBody>
+      </p:sp>
+    </p:spTree>
+    <p:extLst>
+      <p:ext uri="{BB962C8B-B14F-4D97-AF65-F5344CB8AC3E}">
+        <p14:creationId xmlns:p14="http://schemas.microsoft.com/office/powerpoint/2010/main" val="2002967771"/>
+      </p:ext>
+    </p:extLst>
+  </p:cSld>
+  <p:clrMapOvr>
+    <a:masterClrMapping/>
+  </p:clrMapOvr>
+</p:sld>
+</file>
+
+<file path=ppt/slides/slide7.xml><?xml version="1.0" encoding="utf-8"?>
+<p:sld xmlns:a="http://schemas.openxmlformats.org/drawingml/2006/main" xmlns:r="http://schemas.openxmlformats.org/officeDocument/2006/relationships" xmlns:p="http://schemas.openxmlformats.org/presentationml/2006/main">
+  <p:cSld>
+    <p:spTree>
+      <p:nvGrpSpPr>
+        <p:cNvPr id="1" name=""/>
+        <p:cNvGrpSpPr/>
+        <p:nvPr/>
+      </p:nvGrpSpPr>
+      <p:grpSpPr>
+        <a:xfrm>
+          <a:off x="0" y="0"/>
+          <a:ext cx="0" cy="0"/>
+          <a:chOff x="0" y="0"/>
+          <a:chExt cx="0" cy="0"/>
+        </a:xfrm>
+      </p:grpSpPr>
+      <p:sp>
+        <p:nvSpPr>
+          <p:cNvPr id="2" name="Titel 1"/>
+          <p:cNvSpPr>
+            <a:spLocks noGrp="1"/>
+          </p:cNvSpPr>
+          <p:nvPr>
+            <p:ph type="title"/>
+          </p:nvPr>
+        </p:nvSpPr>
+        <p:spPr/>
+        <p:txBody>
+          <a:bodyPr/>
+          <a:lstStyle/>
+          <a:p>
+            <a:r>
+              <a:rPr lang="de-DE" dirty="0" smtClean="0"/>
+              <a:t>Event handle</a:t>
+            </a:r>
+            <a:endParaRPr lang="de-DE" dirty="0"/>
+          </a:p>
+        </p:txBody>
+      </p:sp>
+      <p:sp>
+        <p:nvSpPr>
+          <p:cNvPr id="3" name="Inhaltsplatzhalter 2"/>
+          <p:cNvSpPr>
+            <a:spLocks noGrp="1"/>
+          </p:cNvSpPr>
+          <p:nvPr>
+            <p:ph idx="1"/>
+          </p:nvPr>
+        </p:nvSpPr>
+        <p:spPr/>
+        <p:txBody>
+          <a:bodyPr/>
+          <a:lstStyle/>
+          <a:p>
+            <a:endParaRPr lang="de-DE"/>
+          </a:p>
+        </p:txBody>
+      </p:sp>
+    </p:spTree>
+    <p:extLst>
+      <p:ext uri="{BB962C8B-B14F-4D97-AF65-F5344CB8AC3E}">
+        <p14:creationId xmlns:p14="http://schemas.microsoft.com/office/powerpoint/2010/main" val="1139846714"/>
+      </p:ext>
+    </p:extLst>
+  </p:cSld>
+  <p:clrMapOvr>
+    <a:masterClrMapping/>
+  </p:clrMapOvr>
+</p:sld>
+</file>
+
+<file path=ppt/slides/slide8.xml><?xml version="1.0" encoding="utf-8"?>
 <p:sld xmlns:a="http://schemas.openxmlformats.org/drawingml/2006/main" xmlns:r="http://schemas.openxmlformats.org/officeDocument/2006/relationships" xmlns:p="http://schemas.openxmlformats.org/presentationml/2006/main">
   <p:cSld>
     <p:spTree>

--- a/PräsentationIntro.pptx
+++ b/PräsentationIntro.pptx
@@ -7,12 +7,18 @@
   <p:sldIdLst>
     <p:sldId id="256" r:id="rId2"/>
     <p:sldId id="257" r:id="rId3"/>
-    <p:sldId id="258" r:id="rId4"/>
-    <p:sldId id="263" r:id="rId5"/>
-    <p:sldId id="260" r:id="rId6"/>
-    <p:sldId id="262" r:id="rId7"/>
-    <p:sldId id="261" r:id="rId8"/>
-    <p:sldId id="259" r:id="rId9"/>
+    <p:sldId id="264" r:id="rId4"/>
+    <p:sldId id="265" r:id="rId5"/>
+    <p:sldId id="266" r:id="rId6"/>
+    <p:sldId id="267" r:id="rId7"/>
+    <p:sldId id="268" r:id="rId8"/>
+    <p:sldId id="269" r:id="rId9"/>
+    <p:sldId id="258" r:id="rId10"/>
+    <p:sldId id="263" r:id="rId11"/>
+    <p:sldId id="260" r:id="rId12"/>
+    <p:sldId id="262" r:id="rId13"/>
+    <p:sldId id="261" r:id="rId14"/>
+    <p:sldId id="259" r:id="rId15"/>
   </p:sldIdLst>
   <p:sldSz cx="12192000" cy="6858000"/>
   <p:notesSz cx="6858000" cy="9144000"/>
@@ -113,7 +119,7 @@
   </p:defaultTextStyle>
   <p:extLst>
     <p:ext uri="{EFAFB233-063F-42B5-8137-9DF3F51BA10A}">
-      <p15:sldGuideLst xmlns:p15="http://schemas.microsoft.com/office/powerpoint/2012/main"/>
+      <p15:sldGuideLst xmlns:p15="http://schemas.microsoft.com/office/powerpoint/2012/main" xmlns=""/>
     </p:ext>
   </p:extLst>
 </p:presentation>
@@ -487,7 +493,7 @@
             <a:fld id="{3C633830-2244-49AE-BC4A-47F415C177C6}" type="datetimeFigureOut">
               <a:rPr lang="en-US" dirty="0"/>
               <a:pPr/>
-              <a:t>3/9/16</a:t>
+              <a:t>3/11/2016</a:t>
             </a:fld>
             <a:endParaRPr lang="en-US" dirty="0"/>
           </a:p>
@@ -604,7 +610,7 @@
   </p:clrMapOvr>
   <p:extLst mod="1">
     <p:ext uri="{DCECCB84-F9BA-43D5-87BE-67443E8EF086}">
-      <p15:sldGuideLst xmlns:p15="http://schemas.microsoft.com/office/powerpoint/2012/main">
+      <p15:sldGuideLst xmlns:p15="http://schemas.microsoft.com/office/powerpoint/2012/main" xmlns="">
         <p15:guide id="1" orient="horz" pos="792">
           <p15:clr>
             <a:srgbClr val="FBAE40"/>
@@ -730,7 +736,7 @@
           <a:p>
             <a:fld id="{3C633830-2244-49AE-BC4A-47F415C177C6}" type="datetimeFigureOut">
               <a:rPr lang="en-US" dirty="0"/>
-              <a:t>3/9/16</a:t>
+              <a:t>3/11/2016</a:t>
             </a:fld>
             <a:endParaRPr lang="en-US" dirty="0"/>
           </a:p>
@@ -1111,7 +1117,7 @@
           <a:p>
             <a:fld id="{3C633830-2244-49AE-BC4A-47F415C177C6}" type="datetimeFigureOut">
               <a:rPr lang="en-US" dirty="0"/>
-              <a:t>3/9/16</a:t>
+              <a:t>3/11/2016</a:t>
             </a:fld>
             <a:endParaRPr lang="en-US" dirty="0"/>
           </a:p>
@@ -1214,7 +1220,7 @@
   </p:clrMapOvr>
   <p:extLst mod="1">
     <p:ext uri="{DCECCB84-F9BA-43D5-87BE-67443E8EF086}">
-      <p15:sldGuideLst xmlns:p15="http://schemas.microsoft.com/office/powerpoint/2012/main">
+      <p15:sldGuideLst xmlns:p15="http://schemas.microsoft.com/office/powerpoint/2012/main" xmlns="">
         <p15:guide id="1" pos="6456">
           <p15:clr>
             <a:srgbClr val="FBAE40"/>
@@ -1335,7 +1341,7 @@
           <a:p>
             <a:fld id="{3C633830-2244-49AE-BC4A-47F415C177C6}" type="datetimeFigureOut">
               <a:rPr lang="en-US" dirty="0"/>
-              <a:t>3/9/16</a:t>
+              <a:t>3/11/2016</a:t>
             </a:fld>
             <a:endParaRPr lang="en-US" dirty="0"/>
           </a:p>
@@ -1822,7 +1828,7 @@
             <a:fld id="{3C633830-2244-49AE-BC4A-47F415C177C6}" type="datetimeFigureOut">
               <a:rPr lang="en-US" dirty="0"/>
               <a:pPr/>
-              <a:t>3/9/16</a:t>
+              <a:t>3/11/2016</a:t>
             </a:fld>
             <a:endParaRPr lang="en-US" dirty="0"/>
           </a:p>
@@ -1945,7 +1951,7 @@
   </p:clrMapOvr>
   <p:extLst mod="1">
     <p:ext uri="{DCECCB84-F9BA-43D5-87BE-67443E8EF086}">
-      <p15:sldGuideLst xmlns:p15="http://schemas.microsoft.com/office/powerpoint/2012/main">
+      <p15:sldGuideLst xmlns:p15="http://schemas.microsoft.com/office/powerpoint/2012/main" xmlns="">
         <p15:guide id="1" pos="6456">
           <p15:clr>
             <a:srgbClr val="FBAE40"/>
@@ -2128,7 +2134,7 @@
           <a:p>
             <a:fld id="{3C633830-2244-49AE-BC4A-47F415C177C6}" type="datetimeFigureOut">
               <a:rPr lang="en-US" dirty="0"/>
-              <a:t>3/9/16</a:t>
+              <a:t>3/11/2016</a:t>
             </a:fld>
             <a:endParaRPr lang="en-US" dirty="0"/>
           </a:p>
@@ -2514,7 +2520,7 @@
           <a:p>
             <a:fld id="{3C633830-2244-49AE-BC4A-47F415C177C6}" type="datetimeFigureOut">
               <a:rPr lang="en-US" dirty="0"/>
-              <a:t>3/9/16</a:t>
+              <a:t>3/11/2016</a:t>
             </a:fld>
             <a:endParaRPr lang="en-US" dirty="0"/>
           </a:p>
@@ -2627,7 +2633,7 @@
           <a:p>
             <a:fld id="{3C633830-2244-49AE-BC4A-47F415C177C6}" type="datetimeFigureOut">
               <a:rPr lang="en-US" dirty="0"/>
-              <a:t>3/9/16</a:t>
+              <a:t>3/11/2016</a:t>
             </a:fld>
             <a:endParaRPr lang="en-US" dirty="0"/>
           </a:p>
@@ -2717,7 +2723,7 @@
           <a:p>
             <a:fld id="{3C633830-2244-49AE-BC4A-47F415C177C6}" type="datetimeFigureOut">
               <a:rPr lang="en-US" dirty="0"/>
-              <a:t>3/9/16</a:t>
+              <a:t>3/11/2016</a:t>
             </a:fld>
             <a:endParaRPr lang="en-US" dirty="0"/>
           </a:p>
@@ -3012,7 +3018,7 @@
           <a:p>
             <a:fld id="{3C633830-2244-49AE-BC4A-47F415C177C6}" type="datetimeFigureOut">
               <a:rPr lang="en-US" dirty="0"/>
-              <a:t>3/9/16</a:t>
+              <a:t>3/11/2016</a:t>
             </a:fld>
             <a:endParaRPr lang="en-US" dirty="0"/>
           </a:p>
@@ -3272,7 +3278,7 @@
           <a:p>
             <a:fld id="{3C633830-2244-49AE-BC4A-47F415C177C6}" type="datetimeFigureOut">
               <a:rPr lang="en-US" dirty="0"/>
-              <a:t>3/9/16</a:t>
+              <a:t>3/11/2016</a:t>
             </a:fld>
             <a:endParaRPr lang="en-US" dirty="0"/>
           </a:p>
@@ -3686,7 +3692,7 @@
             <a:fld id="{3C633830-2244-49AE-BC4A-47F415C177C6}" type="datetimeFigureOut">
               <a:rPr lang="en-US" dirty="0"/>
               <a:pPr/>
-              <a:t>3/9/16</a:t>
+              <a:t>3/11/2016</a:t>
             </a:fld>
             <a:endParaRPr lang="en-US" dirty="0"/>
           </a:p>
@@ -4138,7 +4144,7 @@
   </p:txStyles>
   <p:extLst mod="1">
     <p:ext uri="{27BBF7A9-308A-43DC-89C8-2F10F3537804}">
-      <p15:sldGuideLst xmlns:p15="http://schemas.microsoft.com/office/powerpoint/2012/main">
+      <p15:sldGuideLst xmlns:p15="http://schemas.microsoft.com/office/powerpoint/2012/main" xmlns="">
         <p15:guide id="1" pos="2832">
           <p15:clr>
             <a:srgbClr val="F26B43"/>
@@ -4254,6 +4260,390 @@
 </p:sld>
 </file>
 
+<file path=ppt/slides/slide10.xml><?xml version="1.0" encoding="utf-8"?>
+<p:sld xmlns:a="http://schemas.openxmlformats.org/drawingml/2006/main" xmlns:r="http://schemas.openxmlformats.org/officeDocument/2006/relationships" xmlns:p="http://schemas.openxmlformats.org/presentationml/2006/main">
+  <p:cSld>
+    <p:spTree>
+      <p:nvGrpSpPr>
+        <p:cNvPr id="1" name=""/>
+        <p:cNvGrpSpPr/>
+        <p:nvPr/>
+      </p:nvGrpSpPr>
+      <p:grpSpPr>
+        <a:xfrm>
+          <a:off x="0" y="0"/>
+          <a:ext cx="0" cy="0"/>
+          <a:chOff x="0" y="0"/>
+          <a:chExt cx="0" cy="0"/>
+        </a:xfrm>
+      </p:grpSpPr>
+      <p:sp>
+        <p:nvSpPr>
+          <p:cNvPr id="2" name="Titel 1"/>
+          <p:cNvSpPr>
+            <a:spLocks noGrp="1"/>
+          </p:cNvSpPr>
+          <p:nvPr>
+            <p:ph type="title"/>
+          </p:nvPr>
+        </p:nvSpPr>
+        <p:spPr/>
+        <p:txBody>
+          <a:bodyPr/>
+          <a:lstStyle/>
+          <a:p>
+            <a:r>
+              <a:rPr lang="de-DE" dirty="0" err="1" smtClean="0"/>
+              <a:t>Interupt</a:t>
+            </a:r>
+            <a:r>
+              <a:rPr lang="de-DE" dirty="0" smtClean="0"/>
+              <a:t> </a:t>
+            </a:r>
+            <a:r>
+              <a:rPr lang="de-DE" dirty="0" err="1" smtClean="0"/>
+              <a:t>Execution</a:t>
+            </a:r>
+            <a:r>
+              <a:rPr lang="de-DE" dirty="0" smtClean="0"/>
+              <a:t> Speed</a:t>
+            </a:r>
+            <a:endParaRPr lang="de-DE" dirty="0"/>
+          </a:p>
+        </p:txBody>
+      </p:sp>
+      <p:sp>
+        <p:nvSpPr>
+          <p:cNvPr id="3" name="Inhaltsplatzhalter 2"/>
+          <p:cNvSpPr>
+            <a:spLocks noGrp="1"/>
+          </p:cNvSpPr>
+          <p:nvPr>
+            <p:ph idx="1"/>
+          </p:nvPr>
+        </p:nvSpPr>
+        <p:spPr/>
+        <p:txBody>
+          <a:bodyPr/>
+          <a:lstStyle/>
+          <a:p>
+            <a:endParaRPr lang="de-DE"/>
+          </a:p>
+        </p:txBody>
+      </p:sp>
+    </p:spTree>
+    <p:extLst>
+      <p:ext uri="{BB962C8B-B14F-4D97-AF65-F5344CB8AC3E}">
+        <p14:creationId xmlns:p14="http://schemas.microsoft.com/office/powerpoint/2010/main" val="1921482794"/>
+      </p:ext>
+    </p:extLst>
+  </p:cSld>
+  <p:clrMapOvr>
+    <a:masterClrMapping/>
+  </p:clrMapOvr>
+</p:sld>
+</file>
+
+<file path=ppt/slides/slide11.xml><?xml version="1.0" encoding="utf-8"?>
+<p:sld xmlns:a="http://schemas.openxmlformats.org/drawingml/2006/main" xmlns:r="http://schemas.openxmlformats.org/officeDocument/2006/relationships" xmlns:p="http://schemas.openxmlformats.org/presentationml/2006/main">
+  <p:cSld>
+    <p:spTree>
+      <p:nvGrpSpPr>
+        <p:cNvPr id="1" name=""/>
+        <p:cNvGrpSpPr/>
+        <p:nvPr/>
+      </p:nvGrpSpPr>
+      <p:grpSpPr>
+        <a:xfrm>
+          <a:off x="0" y="0"/>
+          <a:ext cx="0" cy="0"/>
+          <a:chOff x="0" y="0"/>
+          <a:chExt cx="0" cy="0"/>
+        </a:xfrm>
+      </p:grpSpPr>
+      <p:sp>
+        <p:nvSpPr>
+          <p:cNvPr id="2" name="Titel 1"/>
+          <p:cNvSpPr>
+            <a:spLocks noGrp="1"/>
+          </p:cNvSpPr>
+          <p:nvPr>
+            <p:ph type="title"/>
+          </p:nvPr>
+        </p:nvSpPr>
+        <p:spPr/>
+        <p:txBody>
+          <a:bodyPr/>
+          <a:lstStyle/>
+          <a:p>
+            <a:r>
+              <a:rPr lang="de-DE" dirty="0" smtClean="0"/>
+              <a:t>Interrupt </a:t>
+            </a:r>
+            <a:r>
+              <a:rPr lang="de-DE" dirty="0" err="1" smtClean="0"/>
+              <a:t>and</a:t>
+            </a:r>
+            <a:r>
+              <a:rPr lang="de-DE" dirty="0" smtClean="0"/>
+              <a:t> Events</a:t>
+            </a:r>
+            <a:endParaRPr lang="de-DE" dirty="0"/>
+          </a:p>
+        </p:txBody>
+      </p:sp>
+      <p:sp>
+        <p:nvSpPr>
+          <p:cNvPr id="3" name="Inhaltsplatzhalter 2"/>
+          <p:cNvSpPr>
+            <a:spLocks noGrp="1"/>
+          </p:cNvSpPr>
+          <p:nvPr>
+            <p:ph idx="1"/>
+          </p:nvPr>
+        </p:nvSpPr>
+        <p:spPr/>
+        <p:txBody>
+          <a:bodyPr/>
+          <a:lstStyle/>
+          <a:p>
+            <a:endParaRPr lang="de-DE" dirty="0"/>
+          </a:p>
+        </p:txBody>
+      </p:sp>
+    </p:spTree>
+    <p:extLst>
+      <p:ext uri="{BB962C8B-B14F-4D97-AF65-F5344CB8AC3E}">
+        <p14:creationId xmlns:p14="http://schemas.microsoft.com/office/powerpoint/2010/main" val="1413126182"/>
+      </p:ext>
+    </p:extLst>
+  </p:cSld>
+  <p:clrMapOvr>
+    <a:masterClrMapping/>
+  </p:clrMapOvr>
+</p:sld>
+</file>
+
+<file path=ppt/slides/slide12.xml><?xml version="1.0" encoding="utf-8"?>
+<p:sld xmlns:a="http://schemas.openxmlformats.org/drawingml/2006/main" xmlns:r="http://schemas.openxmlformats.org/officeDocument/2006/relationships" xmlns:p="http://schemas.openxmlformats.org/presentationml/2006/main">
+  <p:cSld>
+    <p:spTree>
+      <p:nvGrpSpPr>
+        <p:cNvPr id="1" name=""/>
+        <p:cNvGrpSpPr/>
+        <p:nvPr/>
+      </p:nvGrpSpPr>
+      <p:grpSpPr>
+        <a:xfrm>
+          <a:off x="0" y="0"/>
+          <a:ext cx="0" cy="0"/>
+          <a:chOff x="0" y="0"/>
+          <a:chExt cx="0" cy="0"/>
+        </a:xfrm>
+      </p:grpSpPr>
+      <p:sp>
+        <p:nvSpPr>
+          <p:cNvPr id="2" name="Titel 1"/>
+          <p:cNvSpPr>
+            <a:spLocks noGrp="1"/>
+          </p:cNvSpPr>
+          <p:nvPr>
+            <p:ph type="title"/>
+          </p:nvPr>
+        </p:nvSpPr>
+        <p:spPr/>
+        <p:txBody>
+          <a:bodyPr/>
+          <a:lstStyle/>
+          <a:p>
+            <a:r>
+              <a:rPr lang="de-DE" dirty="0" err="1" smtClean="0"/>
+              <a:t>Storing</a:t>
+            </a:r>
+            <a:r>
+              <a:rPr lang="de-DE" dirty="0" smtClean="0"/>
+              <a:t> Events</a:t>
+            </a:r>
+            <a:endParaRPr lang="de-DE" dirty="0"/>
+          </a:p>
+        </p:txBody>
+      </p:sp>
+      <p:sp>
+        <p:nvSpPr>
+          <p:cNvPr id="3" name="Inhaltsplatzhalter 2"/>
+          <p:cNvSpPr>
+            <a:spLocks noGrp="1"/>
+          </p:cNvSpPr>
+          <p:nvPr>
+            <p:ph idx="1"/>
+          </p:nvPr>
+        </p:nvSpPr>
+        <p:spPr/>
+        <p:txBody>
+          <a:bodyPr/>
+          <a:lstStyle/>
+          <a:p>
+            <a:endParaRPr lang="de-DE"/>
+          </a:p>
+        </p:txBody>
+      </p:sp>
+    </p:spTree>
+    <p:extLst>
+      <p:ext uri="{BB962C8B-B14F-4D97-AF65-F5344CB8AC3E}">
+        <p14:creationId xmlns:p14="http://schemas.microsoft.com/office/powerpoint/2010/main" val="2002967771"/>
+      </p:ext>
+    </p:extLst>
+  </p:cSld>
+  <p:clrMapOvr>
+    <a:masterClrMapping/>
+  </p:clrMapOvr>
+</p:sld>
+</file>
+
+<file path=ppt/slides/slide13.xml><?xml version="1.0" encoding="utf-8"?>
+<p:sld xmlns:a="http://schemas.openxmlformats.org/drawingml/2006/main" xmlns:r="http://schemas.openxmlformats.org/officeDocument/2006/relationships" xmlns:p="http://schemas.openxmlformats.org/presentationml/2006/main">
+  <p:cSld>
+    <p:spTree>
+      <p:nvGrpSpPr>
+        <p:cNvPr id="1" name=""/>
+        <p:cNvGrpSpPr/>
+        <p:nvPr/>
+      </p:nvGrpSpPr>
+      <p:grpSpPr>
+        <a:xfrm>
+          <a:off x="0" y="0"/>
+          <a:ext cx="0" cy="0"/>
+          <a:chOff x="0" y="0"/>
+          <a:chExt cx="0" cy="0"/>
+        </a:xfrm>
+      </p:grpSpPr>
+      <p:sp>
+        <p:nvSpPr>
+          <p:cNvPr id="2" name="Titel 1"/>
+          <p:cNvSpPr>
+            <a:spLocks noGrp="1"/>
+          </p:cNvSpPr>
+          <p:nvPr>
+            <p:ph type="title"/>
+          </p:nvPr>
+        </p:nvSpPr>
+        <p:spPr/>
+        <p:txBody>
+          <a:bodyPr/>
+          <a:lstStyle/>
+          <a:p>
+            <a:r>
+              <a:rPr lang="de-DE" dirty="0" smtClean="0"/>
+              <a:t>Event handle</a:t>
+            </a:r>
+            <a:endParaRPr lang="de-DE" dirty="0"/>
+          </a:p>
+        </p:txBody>
+      </p:sp>
+      <p:sp>
+        <p:nvSpPr>
+          <p:cNvPr id="3" name="Inhaltsplatzhalter 2"/>
+          <p:cNvSpPr>
+            <a:spLocks noGrp="1"/>
+          </p:cNvSpPr>
+          <p:nvPr>
+            <p:ph idx="1"/>
+          </p:nvPr>
+        </p:nvSpPr>
+        <p:spPr/>
+        <p:txBody>
+          <a:bodyPr/>
+          <a:lstStyle/>
+          <a:p>
+            <a:endParaRPr lang="de-DE"/>
+          </a:p>
+        </p:txBody>
+      </p:sp>
+    </p:spTree>
+    <p:extLst>
+      <p:ext uri="{BB962C8B-B14F-4D97-AF65-F5344CB8AC3E}">
+        <p14:creationId xmlns:p14="http://schemas.microsoft.com/office/powerpoint/2010/main" val="1139846714"/>
+      </p:ext>
+    </p:extLst>
+  </p:cSld>
+  <p:clrMapOvr>
+    <a:masterClrMapping/>
+  </p:clrMapOvr>
+</p:sld>
+</file>
+
+<file path=ppt/slides/slide14.xml><?xml version="1.0" encoding="utf-8"?>
+<p:sld xmlns:a="http://schemas.openxmlformats.org/drawingml/2006/main" xmlns:r="http://schemas.openxmlformats.org/officeDocument/2006/relationships" xmlns:p="http://schemas.openxmlformats.org/presentationml/2006/main">
+  <p:cSld>
+    <p:spTree>
+      <p:nvGrpSpPr>
+        <p:cNvPr id="1" name=""/>
+        <p:cNvGrpSpPr/>
+        <p:nvPr/>
+      </p:nvGrpSpPr>
+      <p:grpSpPr>
+        <a:xfrm>
+          <a:off x="0" y="0"/>
+          <a:ext cx="0" cy="0"/>
+          <a:chOff x="0" y="0"/>
+          <a:chExt cx="0" cy="0"/>
+        </a:xfrm>
+      </p:grpSpPr>
+      <p:sp>
+        <p:nvSpPr>
+          <p:cNvPr id="2" name="Titel 1"/>
+          <p:cNvSpPr>
+            <a:spLocks noGrp="1"/>
+          </p:cNvSpPr>
+          <p:nvPr>
+            <p:ph type="title"/>
+          </p:nvPr>
+        </p:nvSpPr>
+        <p:spPr/>
+        <p:txBody>
+          <a:bodyPr/>
+          <a:lstStyle/>
+          <a:p>
+            <a:r>
+              <a:rPr lang="de-DE" dirty="0" err="1" smtClean="0"/>
+              <a:t>Questions</a:t>
+            </a:r>
+            <a:endParaRPr lang="de-DE" dirty="0"/>
+          </a:p>
+        </p:txBody>
+      </p:sp>
+      <p:sp>
+        <p:nvSpPr>
+          <p:cNvPr id="3" name="Inhaltsplatzhalter 2"/>
+          <p:cNvSpPr>
+            <a:spLocks noGrp="1"/>
+          </p:cNvSpPr>
+          <p:nvPr>
+            <p:ph idx="1"/>
+          </p:nvPr>
+        </p:nvSpPr>
+        <p:spPr/>
+        <p:txBody>
+          <a:bodyPr/>
+          <a:lstStyle/>
+          <a:p>
+            <a:endParaRPr lang="de-DE"/>
+          </a:p>
+        </p:txBody>
+      </p:sp>
+    </p:spTree>
+    <p:extLst>
+      <p:ext uri="{BB962C8B-B14F-4D97-AF65-F5344CB8AC3E}">
+        <p14:creationId xmlns:p14="http://schemas.microsoft.com/office/powerpoint/2010/main" val="1797662793"/>
+      </p:ext>
+    </p:extLst>
+  </p:cSld>
+  <p:clrMapOvr>
+    <a:masterClrMapping/>
+  </p:clrMapOvr>
+</p:sld>
+</file>
+
 <file path=ppt/slides/slide2.xml><?xml version="1.0" encoding="utf-8"?>
 <p:sld xmlns:a="http://schemas.openxmlformats.org/drawingml/2006/main" xmlns:r="http://schemas.openxmlformats.org/officeDocument/2006/relationships" xmlns:p="http://schemas.openxmlformats.org/presentationml/2006/main">
   <p:cSld>
@@ -4281,7 +4671,12 @@
             <p:ph type="title"/>
           </p:nvPr>
         </p:nvSpPr>
-        <p:spPr/>
+        <p:spPr>
+          <a:xfrm>
+            <a:off x="762000" y="559678"/>
+            <a:ext cx="3833906" cy="777632"/>
+          </a:xfrm>
+        </p:spPr>
         <p:txBody>
           <a:bodyPr/>
           <a:lstStyle/>
@@ -4294,22 +4689,150 @@
           </a:p>
         </p:txBody>
       </p:sp>
-      <p:sp>
-        <p:nvSpPr>
-          <p:cNvPr id="3" name="Inhaltsplatzhalter 2"/>
-          <p:cNvSpPr>
-            <a:spLocks noGrp="1"/>
-          </p:cNvSpPr>
+      <p:pic>
+        <p:nvPicPr>
+          <p:cNvPr id="5" name="Inhaltsplatzhalter 4"/>
+          <p:cNvPicPr>
+            <a:picLocks noGrp="1" noChangeAspect="1"/>
+          </p:cNvPicPr>
           <p:nvPr>
             <p:ph idx="1"/>
           </p:nvPr>
-        </p:nvSpPr>
-        <p:spPr/>
-        <p:txBody>
-          <a:bodyPr/>
-          <a:lstStyle/>
-          <a:p>
-            <a:endParaRPr lang="de-DE"/>
+        </p:nvPicPr>
+        <p:blipFill>
+          <a:blip r:embed="rId2">
+            <a:extLst>
+              <a:ext uri="{28A0092B-C50C-407E-A947-70E740481C1C}">
+                <a14:useLocalDpi xmlns:a14="http://schemas.microsoft.com/office/drawing/2010/main" val="0"/>
+              </a:ext>
+            </a:extLst>
+          </a:blip>
+          <a:stretch>
+            <a:fillRect/>
+          </a:stretch>
+        </p:blipFill>
+        <p:spPr>
+          <a:xfrm>
+            <a:off x="5111115" y="1626699"/>
+            <a:ext cx="6248400" cy="3607068"/>
+          </a:xfrm>
+        </p:spPr>
+      </p:pic>
+      <p:sp>
+        <p:nvSpPr>
+          <p:cNvPr id="4" name="Textfeld 3"/>
+          <p:cNvSpPr txBox="1"/>
+          <p:nvPr/>
+        </p:nvSpPr>
+        <p:spPr>
+          <a:xfrm>
+            <a:off x="762000" y="2628900"/>
+            <a:ext cx="3535680" cy="1477328"/>
+          </a:xfrm>
+          <a:prstGeom prst="rect">
+            <a:avLst/>
+          </a:prstGeom>
+          <a:noFill/>
+        </p:spPr>
+        <p:txBody>
+          <a:bodyPr wrap="square" rtlCol="0">
+            <a:spAutoFit/>
+          </a:bodyPr>
+          <a:lstStyle/>
+          <a:p>
+            <a:r>
+              <a:rPr lang="de-CH" dirty="0" smtClean="0"/>
+              <a:t>ARM: </a:t>
+            </a:r>
+          </a:p>
+          <a:p>
+            <a:r>
+              <a:rPr lang="de-CH" dirty="0" err="1" smtClean="0"/>
+              <a:t>Advanced</a:t>
+            </a:r>
+            <a:r>
+              <a:rPr lang="de-CH" dirty="0" smtClean="0"/>
+              <a:t> RISC </a:t>
+            </a:r>
+            <a:r>
+              <a:rPr lang="de-CH" dirty="0" err="1" smtClean="0"/>
+              <a:t>Machine</a:t>
+            </a:r>
+            <a:endParaRPr lang="de-CH" dirty="0" smtClean="0"/>
+          </a:p>
+          <a:p>
+            <a:endParaRPr lang="de-CH" dirty="0"/>
+          </a:p>
+          <a:p>
+            <a:r>
+              <a:rPr lang="de-CH" dirty="0" smtClean="0"/>
+              <a:t>RISC:</a:t>
+            </a:r>
+          </a:p>
+          <a:p>
+            <a:r>
+              <a:rPr lang="de-CH" dirty="0" err="1" smtClean="0"/>
+              <a:t>Reduced</a:t>
+            </a:r>
+            <a:r>
+              <a:rPr lang="de-CH" dirty="0" smtClean="0"/>
+              <a:t> </a:t>
+            </a:r>
+            <a:r>
+              <a:rPr lang="de-CH" dirty="0" err="1" smtClean="0"/>
+              <a:t>Instruction</a:t>
+            </a:r>
+            <a:r>
+              <a:rPr lang="de-CH" dirty="0" smtClean="0"/>
+              <a:t> Set Computer</a:t>
+            </a:r>
+            <a:endParaRPr lang="de-CH" dirty="0"/>
+          </a:p>
+        </p:txBody>
+      </p:sp>
+      <p:sp>
+        <p:nvSpPr>
+          <p:cNvPr id="7" name="Ellipse 6"/>
+          <p:cNvSpPr/>
+          <p:nvPr/>
+        </p:nvSpPr>
+        <p:spPr>
+          <a:xfrm>
+            <a:off x="7212330" y="2434590"/>
+            <a:ext cx="2320290" cy="1474078"/>
+          </a:xfrm>
+          <a:prstGeom prst="ellipse">
+            <a:avLst/>
+          </a:prstGeom>
+          <a:noFill/>
+          <a:ln w="60325">
+            <a:solidFill>
+              <a:srgbClr val="FFFF00"/>
+            </a:solidFill>
+          </a:ln>
+        </p:spPr>
+        <p:style>
+          <a:lnRef idx="2">
+            <a:schemeClr val="accent1">
+              <a:shade val="50000"/>
+            </a:schemeClr>
+          </a:lnRef>
+          <a:fillRef idx="1">
+            <a:schemeClr val="accent1"/>
+          </a:fillRef>
+          <a:effectRef idx="0">
+            <a:schemeClr val="accent1"/>
+          </a:effectRef>
+          <a:fontRef idx="minor">
+            <a:schemeClr val="lt1"/>
+          </a:fontRef>
+        </p:style>
+        <p:txBody>
+          <a:bodyPr rtlCol="0" anchor="ctr"/>
+          <a:lstStyle/>
+          <a:p>
+            <a:pPr algn="ctr"/>
+            <a:endParaRPr lang="de-CH"/>
           </a:p>
         </p:txBody>
       </p:sp>
@@ -4353,105 +4876,33 @@
             <p:ph type="title"/>
           </p:nvPr>
         </p:nvSpPr>
-        <p:spPr/>
-        <p:txBody>
-          <a:bodyPr/>
-          <a:lstStyle/>
-          <a:p>
-            <a:r>
-              <a:rPr lang="de-DE" dirty="0" smtClean="0"/>
-              <a:t>Events</a:t>
-            </a:r>
-            <a:endParaRPr lang="de-DE" dirty="0"/>
-          </a:p>
-        </p:txBody>
-      </p:sp>
-      <p:sp>
-        <p:nvSpPr>
-          <p:cNvPr id="3" name="Inhaltsplatzhalter 2"/>
-          <p:cNvSpPr>
-            <a:spLocks noGrp="1"/>
-          </p:cNvSpPr>
-          <p:nvPr>
-            <p:ph idx="1"/>
-          </p:nvPr>
-        </p:nvSpPr>
-        <p:spPr/>
-        <p:txBody>
-          <a:bodyPr/>
-          <a:lstStyle/>
-          <a:p>
-            <a:r>
-              <a:rPr lang="de-DE" dirty="0" err="1" smtClean="0"/>
-              <a:t>Synchronous</a:t>
-            </a:r>
-            <a:r>
-              <a:rPr lang="de-DE" dirty="0" smtClean="0"/>
-              <a:t> Events ( </a:t>
-            </a:r>
-            <a:r>
-              <a:rPr lang="de-DE" dirty="0" err="1" smtClean="0"/>
-              <a:t>Timer</a:t>
-            </a:r>
-            <a:r>
-              <a:rPr lang="de-DE" dirty="0" smtClean="0"/>
-              <a:t> </a:t>
-            </a:r>
-            <a:r>
-              <a:rPr lang="de-DE" dirty="0" err="1" smtClean="0"/>
-              <a:t>interrupt</a:t>
-            </a:r>
-            <a:r>
-              <a:rPr lang="de-DE" dirty="0" smtClean="0"/>
-              <a:t>)</a:t>
-            </a:r>
-          </a:p>
-          <a:p>
-            <a:endParaRPr lang="de-DE" dirty="0" smtClean="0"/>
-          </a:p>
-          <a:p>
-            <a:endParaRPr lang="de-DE" dirty="0"/>
-          </a:p>
-          <a:p>
-            <a:endParaRPr lang="de-DE" dirty="0" smtClean="0"/>
-          </a:p>
-          <a:p>
-            <a:endParaRPr lang="de-DE" dirty="0"/>
-          </a:p>
-          <a:p>
-            <a:pPr marL="0" indent="0">
-              <a:buNone/>
-            </a:pPr>
-            <a:endParaRPr lang="de-DE" dirty="0" smtClean="0"/>
-          </a:p>
-          <a:p>
-            <a:r>
-              <a:rPr lang="de-DE" dirty="0" err="1" smtClean="0"/>
-              <a:t>Asynchronous</a:t>
-            </a:r>
-            <a:r>
-              <a:rPr lang="de-DE" dirty="0" smtClean="0"/>
-              <a:t> Events ( Button </a:t>
-            </a:r>
-            <a:r>
-              <a:rPr lang="de-DE" dirty="0" err="1" smtClean="0"/>
-              <a:t>pressed</a:t>
-            </a:r>
-            <a:r>
-              <a:rPr lang="de-DE" dirty="0" smtClean="0"/>
-              <a:t>)</a:t>
-            </a:r>
-            <a:endParaRPr lang="de-DE" dirty="0"/>
+        <p:spPr>
+          <a:xfrm>
+            <a:off x="1573530" y="559678"/>
+            <a:ext cx="3833906" cy="800492"/>
+          </a:xfrm>
+        </p:spPr>
+        <p:txBody>
+          <a:bodyPr/>
+          <a:lstStyle/>
+          <a:p>
+            <a:r>
+              <a:rPr lang="de-CH" dirty="0" smtClean="0"/>
+              <a:t>Cortex-M</a:t>
+            </a:r>
+            <a:endParaRPr lang="de-CH" dirty="0"/>
           </a:p>
         </p:txBody>
       </p:sp>
       <p:pic>
         <p:nvPicPr>
-          <p:cNvPr id="4" name="Bild 3"/>
+          <p:cNvPr id="4" name="Inhaltsplatzhalter 3"/>
           <p:cNvPicPr>
-            <a:picLocks noChangeAspect="1"/>
+            <a:picLocks noGrp="1" noChangeAspect="1"/>
           </p:cNvPicPr>
-          <p:nvPr/>
+          <p:nvPr>
+            <p:ph idx="1"/>
+          </p:nvPr>
         </p:nvPicPr>
         <p:blipFill>
           <a:blip r:embed="rId2">
@@ -4467,48 +4918,15 @@
         </p:blipFill>
         <p:spPr>
           <a:xfrm>
-            <a:off x="5181600" y="1272438"/>
-            <a:ext cx="5791200" cy="1943100"/>
-          </a:xfrm>
-          <a:prstGeom prst="rect">
-            <a:avLst/>
-          </a:prstGeom>
-        </p:spPr>
-      </p:pic>
-      <p:pic>
-        <p:nvPicPr>
-          <p:cNvPr id="5" name="Bild 4"/>
-          <p:cNvPicPr>
-            <a:picLocks noChangeAspect="1"/>
-          </p:cNvPicPr>
-          <p:nvPr/>
-        </p:nvPicPr>
-        <p:blipFill>
-          <a:blip r:embed="rId3">
-            <a:extLst>
-              <a:ext uri="{28A0092B-C50C-407E-A947-70E740481C1C}">
-                <a14:useLocalDpi xmlns:a14="http://schemas.microsoft.com/office/drawing/2010/main" val="0"/>
-              </a:ext>
-            </a:extLst>
-          </a:blip>
-          <a:stretch>
-            <a:fillRect/>
-          </a:stretch>
-        </p:blipFill>
-        <p:spPr>
-          <a:xfrm>
-            <a:off x="5181600" y="4081903"/>
-            <a:ext cx="5613400" cy="2387600"/>
-          </a:xfrm>
-          <a:prstGeom prst="rect">
-            <a:avLst/>
-          </a:prstGeom>
+            <a:off x="6296025" y="1077119"/>
+            <a:ext cx="4019550" cy="4638675"/>
+          </a:xfrm>
         </p:spPr>
       </p:pic>
     </p:spTree>
     <p:extLst>
       <p:ext uri="{BB962C8B-B14F-4D97-AF65-F5344CB8AC3E}">
-        <p14:creationId xmlns:p14="http://schemas.microsoft.com/office/powerpoint/2010/main" val="533640921"/>
+        <p14:creationId xmlns:p14="http://schemas.microsoft.com/office/powerpoint/2010/main" val="2359660127"/>
       </p:ext>
     </p:extLst>
   </p:cSld>
@@ -4545,54 +4963,61 @@
             <p:ph type="title"/>
           </p:nvPr>
         </p:nvSpPr>
-        <p:spPr/>
-        <p:txBody>
-          <a:bodyPr/>
-          <a:lstStyle/>
-          <a:p>
-            <a:r>
-              <a:rPr lang="de-DE" dirty="0" err="1" smtClean="0"/>
-              <a:t>Interupt</a:t>
-            </a:r>
-            <a:r>
-              <a:rPr lang="de-DE" dirty="0" smtClean="0"/>
-              <a:t> </a:t>
-            </a:r>
-            <a:r>
-              <a:rPr lang="de-DE" dirty="0" err="1" smtClean="0"/>
-              <a:t>Execution</a:t>
-            </a:r>
-            <a:r>
-              <a:rPr lang="de-DE" dirty="0" smtClean="0"/>
-              <a:t> Speed</a:t>
-            </a:r>
-            <a:endParaRPr lang="de-DE" dirty="0"/>
-          </a:p>
-        </p:txBody>
-      </p:sp>
-      <p:sp>
-        <p:nvSpPr>
-          <p:cNvPr id="3" name="Inhaltsplatzhalter 2"/>
-          <p:cNvSpPr>
-            <a:spLocks noGrp="1"/>
-          </p:cNvSpPr>
+        <p:spPr>
+          <a:xfrm>
+            <a:off x="1390650" y="559678"/>
+            <a:ext cx="4232910" cy="823352"/>
+          </a:xfrm>
+        </p:spPr>
+        <p:txBody>
+          <a:bodyPr/>
+          <a:lstStyle/>
+          <a:p>
+            <a:r>
+              <a:rPr lang="de-CH" dirty="0" smtClean="0"/>
+              <a:t>Memory </a:t>
+            </a:r>
+            <a:r>
+              <a:rPr lang="de-CH" dirty="0" err="1" smtClean="0"/>
+              <a:t>Map</a:t>
+            </a:r>
+            <a:endParaRPr lang="de-CH" dirty="0"/>
+          </a:p>
+        </p:txBody>
+      </p:sp>
+      <p:pic>
+        <p:nvPicPr>
+          <p:cNvPr id="4" name="Inhaltsplatzhalter 3"/>
+          <p:cNvPicPr>
+            <a:picLocks noGrp="1" noChangeAspect="1"/>
+          </p:cNvPicPr>
           <p:nvPr>
             <p:ph idx="1"/>
           </p:nvPr>
-        </p:nvSpPr>
-        <p:spPr/>
-        <p:txBody>
-          <a:bodyPr/>
-          <a:lstStyle/>
-          <a:p>
-            <a:endParaRPr lang="de-DE"/>
-          </a:p>
-        </p:txBody>
-      </p:sp>
+        </p:nvPicPr>
+        <p:blipFill>
+          <a:blip r:embed="rId2">
+            <a:extLst>
+              <a:ext uri="{28A0092B-C50C-407E-A947-70E740481C1C}">
+                <a14:useLocalDpi xmlns:a14="http://schemas.microsoft.com/office/drawing/2010/main" val="0"/>
+              </a:ext>
+            </a:extLst>
+          </a:blip>
+          <a:stretch>
+            <a:fillRect/>
+          </a:stretch>
+        </p:blipFill>
+        <p:spPr>
+          <a:xfrm>
+            <a:off x="6062662" y="729456"/>
+            <a:ext cx="4486275" cy="5334000"/>
+          </a:xfrm>
+        </p:spPr>
+      </p:pic>
     </p:spTree>
     <p:extLst>
       <p:ext uri="{BB962C8B-B14F-4D97-AF65-F5344CB8AC3E}">
-        <p14:creationId xmlns:p14="http://schemas.microsoft.com/office/powerpoint/2010/main" val="1921482794"/>
+        <p14:creationId xmlns:p14="http://schemas.microsoft.com/office/powerpoint/2010/main" val="1195939511"/>
       </p:ext>
     </p:extLst>
   </p:cSld>
@@ -4629,50 +5054,57 @@
             <p:ph type="title"/>
           </p:nvPr>
         </p:nvSpPr>
-        <p:spPr/>
-        <p:txBody>
-          <a:bodyPr/>
-          <a:lstStyle/>
-          <a:p>
-            <a:r>
-              <a:rPr lang="de-DE" dirty="0" smtClean="0"/>
-              <a:t>Interrupt </a:t>
-            </a:r>
-            <a:r>
-              <a:rPr lang="de-DE" dirty="0" err="1" smtClean="0"/>
-              <a:t>and</a:t>
-            </a:r>
-            <a:r>
-              <a:rPr lang="de-DE" dirty="0" smtClean="0"/>
-              <a:t> Events</a:t>
-            </a:r>
-            <a:endParaRPr lang="de-DE" dirty="0"/>
-          </a:p>
-        </p:txBody>
-      </p:sp>
-      <p:sp>
-        <p:nvSpPr>
-          <p:cNvPr id="3" name="Inhaltsplatzhalter 2"/>
-          <p:cNvSpPr>
-            <a:spLocks noGrp="1"/>
-          </p:cNvSpPr>
+        <p:spPr>
+          <a:xfrm>
+            <a:off x="1824990" y="559678"/>
+            <a:ext cx="4575810" cy="869072"/>
+          </a:xfrm>
+        </p:spPr>
+        <p:txBody>
+          <a:bodyPr/>
+          <a:lstStyle/>
+          <a:p>
+            <a:r>
+              <a:rPr lang="de-CH" dirty="0" smtClean="0"/>
+              <a:t>CPU Registers</a:t>
+            </a:r>
+            <a:endParaRPr lang="de-CH" dirty="0"/>
+          </a:p>
+        </p:txBody>
+      </p:sp>
+      <p:pic>
+        <p:nvPicPr>
+          <p:cNvPr id="4" name="Inhaltsplatzhalter 3"/>
+          <p:cNvPicPr>
+            <a:picLocks noGrp="1" noChangeAspect="1"/>
+          </p:cNvPicPr>
           <p:nvPr>
             <p:ph idx="1"/>
           </p:nvPr>
-        </p:nvSpPr>
-        <p:spPr/>
-        <p:txBody>
-          <a:bodyPr/>
-          <a:lstStyle/>
-          <a:p>
-            <a:endParaRPr lang="de-DE" dirty="0"/>
-          </a:p>
-        </p:txBody>
-      </p:sp>
+        </p:nvPicPr>
+        <p:blipFill>
+          <a:blip r:embed="rId2">
+            <a:extLst>
+              <a:ext uri="{28A0092B-C50C-407E-A947-70E740481C1C}">
+                <a14:useLocalDpi xmlns:a14="http://schemas.microsoft.com/office/drawing/2010/main" val="0"/>
+              </a:ext>
+            </a:extLst>
+          </a:blip>
+          <a:stretch>
+            <a:fillRect/>
+          </a:stretch>
+        </p:blipFill>
+        <p:spPr>
+          <a:xfrm>
+            <a:off x="6889435" y="568325"/>
+            <a:ext cx="2832730" cy="5656263"/>
+          </a:xfrm>
+        </p:spPr>
+      </p:pic>
     </p:spTree>
     <p:extLst>
       <p:ext uri="{BB962C8B-B14F-4D97-AF65-F5344CB8AC3E}">
-        <p14:creationId xmlns:p14="http://schemas.microsoft.com/office/powerpoint/2010/main" val="1413126182"/>
+        <p14:creationId xmlns:p14="http://schemas.microsoft.com/office/powerpoint/2010/main" val="2908935278"/>
       </p:ext>
     </p:extLst>
   </p:cSld>
@@ -4709,46 +5141,65 @@
             <p:ph type="title"/>
           </p:nvPr>
         </p:nvSpPr>
-        <p:spPr/>
-        <p:txBody>
-          <a:bodyPr/>
-          <a:lstStyle/>
-          <a:p>
-            <a:r>
-              <a:rPr lang="de-DE" dirty="0" err="1" smtClean="0"/>
-              <a:t>Storing</a:t>
-            </a:r>
-            <a:r>
-              <a:rPr lang="de-DE" dirty="0" smtClean="0"/>
-              <a:t> Events</a:t>
-            </a:r>
-            <a:endParaRPr lang="de-DE" dirty="0"/>
-          </a:p>
-        </p:txBody>
-      </p:sp>
-      <p:sp>
-        <p:nvSpPr>
-          <p:cNvPr id="3" name="Inhaltsplatzhalter 2"/>
-          <p:cNvSpPr>
-            <a:spLocks noGrp="1"/>
-          </p:cNvSpPr>
+        <p:spPr>
+          <a:xfrm>
+            <a:off x="567690" y="559678"/>
+            <a:ext cx="5650230" cy="4952492"/>
+          </a:xfrm>
+        </p:spPr>
+        <p:txBody>
+          <a:bodyPr/>
+          <a:lstStyle/>
+          <a:p>
+            <a:r>
+              <a:rPr lang="de-CH" dirty="0" err="1" smtClean="0"/>
+              <a:t>Exception</a:t>
+            </a:r>
+            <a:r>
+              <a:rPr lang="de-CH" dirty="0" smtClean="0"/>
+              <a:t> </a:t>
+            </a:r>
+            <a:r>
+              <a:rPr lang="de-CH" dirty="0" err="1" smtClean="0"/>
+              <a:t>Types</a:t>
+            </a:r>
+            <a:endParaRPr lang="de-CH" dirty="0"/>
+          </a:p>
+        </p:txBody>
+      </p:sp>
+      <p:pic>
+        <p:nvPicPr>
+          <p:cNvPr id="4" name="Inhaltsplatzhalter 3"/>
+          <p:cNvPicPr>
+            <a:picLocks noGrp="1" noChangeAspect="1"/>
+          </p:cNvPicPr>
           <p:nvPr>
             <p:ph idx="1"/>
           </p:nvPr>
-        </p:nvSpPr>
-        <p:spPr/>
-        <p:txBody>
-          <a:bodyPr/>
-          <a:lstStyle/>
-          <a:p>
-            <a:endParaRPr lang="de-DE"/>
-          </a:p>
-        </p:txBody>
-      </p:sp>
+        </p:nvPicPr>
+        <p:blipFill>
+          <a:blip r:embed="rId2">
+            <a:extLst>
+              <a:ext uri="{28A0092B-C50C-407E-A947-70E740481C1C}">
+                <a14:useLocalDpi xmlns:a14="http://schemas.microsoft.com/office/drawing/2010/main" val="0"/>
+              </a:ext>
+            </a:extLst>
+          </a:blip>
+          <a:stretch>
+            <a:fillRect/>
+          </a:stretch>
+        </p:blipFill>
+        <p:spPr>
+          <a:xfrm>
+            <a:off x="4998719" y="1649628"/>
+            <a:ext cx="6796821" cy="3402432"/>
+          </a:xfrm>
+        </p:spPr>
+      </p:pic>
     </p:spTree>
     <p:extLst>
       <p:ext uri="{BB962C8B-B14F-4D97-AF65-F5344CB8AC3E}">
-        <p14:creationId xmlns:p14="http://schemas.microsoft.com/office/powerpoint/2010/main" val="2002967771"/>
+        <p14:creationId xmlns:p14="http://schemas.microsoft.com/office/powerpoint/2010/main" val="1547340075"/>
       </p:ext>
     </p:extLst>
   </p:cSld>
@@ -4785,42 +5236,57 @@
             <p:ph type="title"/>
           </p:nvPr>
         </p:nvSpPr>
-        <p:spPr/>
-        <p:txBody>
-          <a:bodyPr/>
-          <a:lstStyle/>
-          <a:p>
-            <a:r>
-              <a:rPr lang="de-DE" dirty="0" smtClean="0"/>
-              <a:t>Event handle</a:t>
-            </a:r>
-            <a:endParaRPr lang="de-DE" dirty="0"/>
-          </a:p>
-        </p:txBody>
-      </p:sp>
-      <p:sp>
-        <p:nvSpPr>
-          <p:cNvPr id="3" name="Inhaltsplatzhalter 2"/>
-          <p:cNvSpPr>
-            <a:spLocks noGrp="1"/>
-          </p:cNvSpPr>
+        <p:spPr>
+          <a:xfrm>
+            <a:off x="1630680" y="559678"/>
+            <a:ext cx="3833906" cy="800492"/>
+          </a:xfrm>
+        </p:spPr>
+        <p:txBody>
+          <a:bodyPr/>
+          <a:lstStyle/>
+          <a:p>
+            <a:r>
+              <a:rPr lang="de-CH" dirty="0" smtClean="0"/>
+              <a:t>PRIMASK</a:t>
+            </a:r>
+            <a:endParaRPr lang="de-CH" dirty="0"/>
+          </a:p>
+        </p:txBody>
+      </p:sp>
+      <p:pic>
+        <p:nvPicPr>
+          <p:cNvPr id="4" name="Inhaltsplatzhalter 3"/>
+          <p:cNvPicPr>
+            <a:picLocks noGrp="1" noChangeAspect="1"/>
+          </p:cNvPicPr>
           <p:nvPr>
             <p:ph idx="1"/>
           </p:nvPr>
-        </p:nvSpPr>
-        <p:spPr/>
-        <p:txBody>
-          <a:bodyPr/>
-          <a:lstStyle/>
-          <a:p>
-            <a:endParaRPr lang="de-DE"/>
-          </a:p>
-        </p:txBody>
-      </p:sp>
+        </p:nvPicPr>
+        <p:blipFill>
+          <a:blip r:embed="rId2">
+            <a:extLst>
+              <a:ext uri="{28A0092B-C50C-407E-A947-70E740481C1C}">
+                <a14:useLocalDpi xmlns:a14="http://schemas.microsoft.com/office/drawing/2010/main" val="0"/>
+              </a:ext>
+            </a:extLst>
+          </a:blip>
+          <a:stretch>
+            <a:fillRect/>
+          </a:stretch>
+        </p:blipFill>
+        <p:spPr>
+          <a:xfrm>
+            <a:off x="5181600" y="2267602"/>
+            <a:ext cx="6248400" cy="2257709"/>
+          </a:xfrm>
+        </p:spPr>
+      </p:pic>
     </p:spTree>
     <p:extLst>
       <p:ext uri="{BB962C8B-B14F-4D97-AF65-F5344CB8AC3E}">
-        <p14:creationId xmlns:p14="http://schemas.microsoft.com/office/powerpoint/2010/main" val="1139846714"/>
+        <p14:creationId xmlns:p14="http://schemas.microsoft.com/office/powerpoint/2010/main" val="561844098"/>
       </p:ext>
     </p:extLst>
   </p:cSld>
@@ -4857,42 +5323,253 @@
             <p:ph type="title"/>
           </p:nvPr>
         </p:nvSpPr>
-        <p:spPr/>
-        <p:txBody>
-          <a:bodyPr/>
-          <a:lstStyle/>
-          <a:p>
-            <a:r>
-              <a:rPr lang="de-DE" dirty="0" err="1" smtClean="0"/>
-              <a:t>Questions</a:t>
-            </a:r>
-            <a:endParaRPr lang="de-DE" dirty="0"/>
-          </a:p>
-        </p:txBody>
-      </p:sp>
-      <p:sp>
-        <p:nvSpPr>
-          <p:cNvPr id="3" name="Inhaltsplatzhalter 2"/>
-          <p:cNvSpPr>
-            <a:spLocks noGrp="1"/>
-          </p:cNvSpPr>
+        <p:spPr>
+          <a:xfrm>
+            <a:off x="1539240" y="559678"/>
+            <a:ext cx="5204460" cy="811922"/>
+          </a:xfrm>
+        </p:spPr>
+        <p:txBody>
+          <a:bodyPr/>
+          <a:lstStyle/>
+          <a:p>
+            <a:r>
+              <a:rPr lang="de-CH" dirty="0" smtClean="0"/>
+              <a:t>Fault </a:t>
+            </a:r>
+            <a:r>
+              <a:rPr lang="de-CH" dirty="0" err="1" smtClean="0"/>
+              <a:t>Exception</a:t>
+            </a:r>
+            <a:endParaRPr lang="de-CH" dirty="0"/>
+          </a:p>
+        </p:txBody>
+      </p:sp>
+      <p:pic>
+        <p:nvPicPr>
+          <p:cNvPr id="4" name="Inhaltsplatzhalter 3"/>
+          <p:cNvPicPr>
+            <a:picLocks noGrp="1" noChangeAspect="1"/>
+          </p:cNvPicPr>
           <p:nvPr>
             <p:ph idx="1"/>
           </p:nvPr>
-        </p:nvSpPr>
-        <p:spPr/>
-        <p:txBody>
-          <a:bodyPr/>
-          <a:lstStyle/>
-          <a:p>
-            <a:endParaRPr lang="de-DE"/>
-          </a:p>
-        </p:txBody>
-      </p:sp>
+        </p:nvPicPr>
+        <p:blipFill>
+          <a:blip r:embed="rId2">
+            <a:extLst>
+              <a:ext uri="{28A0092B-C50C-407E-A947-70E740481C1C}">
+                <a14:useLocalDpi xmlns:a14="http://schemas.microsoft.com/office/drawing/2010/main" val="0"/>
+              </a:ext>
+            </a:extLst>
+          </a:blip>
+          <a:stretch>
+            <a:fillRect/>
+          </a:stretch>
+        </p:blipFill>
+        <p:spPr>
+          <a:xfrm>
+            <a:off x="6136005" y="2011521"/>
+            <a:ext cx="3219450" cy="895350"/>
+          </a:xfrm>
+        </p:spPr>
+      </p:pic>
     </p:spTree>
     <p:extLst>
       <p:ext uri="{BB962C8B-B14F-4D97-AF65-F5344CB8AC3E}">
-        <p14:creationId xmlns:p14="http://schemas.microsoft.com/office/powerpoint/2010/main" val="1797662793"/>
+        <p14:creationId xmlns:p14="http://schemas.microsoft.com/office/powerpoint/2010/main" val="701251300"/>
+      </p:ext>
+    </p:extLst>
+  </p:cSld>
+  <p:clrMapOvr>
+    <a:masterClrMapping/>
+  </p:clrMapOvr>
+</p:sld>
+</file>
+
+<file path=ppt/slides/slide9.xml><?xml version="1.0" encoding="utf-8"?>
+<p:sld xmlns:a="http://schemas.openxmlformats.org/drawingml/2006/main" xmlns:r="http://schemas.openxmlformats.org/officeDocument/2006/relationships" xmlns:p="http://schemas.openxmlformats.org/presentationml/2006/main">
+  <p:cSld>
+    <p:spTree>
+      <p:nvGrpSpPr>
+        <p:cNvPr id="1" name=""/>
+        <p:cNvGrpSpPr/>
+        <p:nvPr/>
+      </p:nvGrpSpPr>
+      <p:grpSpPr>
+        <a:xfrm>
+          <a:off x="0" y="0"/>
+          <a:ext cx="0" cy="0"/>
+          <a:chOff x="0" y="0"/>
+          <a:chExt cx="0" cy="0"/>
+        </a:xfrm>
+      </p:grpSpPr>
+      <p:sp>
+        <p:nvSpPr>
+          <p:cNvPr id="2" name="Titel 1"/>
+          <p:cNvSpPr>
+            <a:spLocks noGrp="1"/>
+          </p:cNvSpPr>
+          <p:nvPr>
+            <p:ph type="title"/>
+          </p:nvPr>
+        </p:nvSpPr>
+        <p:spPr/>
+        <p:txBody>
+          <a:bodyPr/>
+          <a:lstStyle/>
+          <a:p>
+            <a:r>
+              <a:rPr lang="de-DE" dirty="0" smtClean="0"/>
+              <a:t>Events</a:t>
+            </a:r>
+            <a:endParaRPr lang="de-DE" dirty="0"/>
+          </a:p>
+        </p:txBody>
+      </p:sp>
+      <p:sp>
+        <p:nvSpPr>
+          <p:cNvPr id="3" name="Inhaltsplatzhalter 2"/>
+          <p:cNvSpPr>
+            <a:spLocks noGrp="1"/>
+          </p:cNvSpPr>
+          <p:nvPr>
+            <p:ph idx="1"/>
+          </p:nvPr>
+        </p:nvSpPr>
+        <p:spPr/>
+        <p:txBody>
+          <a:bodyPr/>
+          <a:lstStyle/>
+          <a:p>
+            <a:r>
+              <a:rPr lang="de-DE" dirty="0" err="1" smtClean="0"/>
+              <a:t>Synchronous</a:t>
+            </a:r>
+            <a:r>
+              <a:rPr lang="de-DE" dirty="0" smtClean="0"/>
+              <a:t> Events ( </a:t>
+            </a:r>
+            <a:r>
+              <a:rPr lang="de-DE" dirty="0" err="1" smtClean="0"/>
+              <a:t>Timer</a:t>
+            </a:r>
+            <a:r>
+              <a:rPr lang="de-DE" dirty="0" smtClean="0"/>
+              <a:t> </a:t>
+            </a:r>
+            <a:r>
+              <a:rPr lang="de-DE" dirty="0" err="1" smtClean="0"/>
+              <a:t>interrupt</a:t>
+            </a:r>
+            <a:r>
+              <a:rPr lang="de-DE" dirty="0" smtClean="0"/>
+              <a:t>)</a:t>
+            </a:r>
+          </a:p>
+          <a:p>
+            <a:endParaRPr lang="de-DE" dirty="0" smtClean="0"/>
+          </a:p>
+          <a:p>
+            <a:endParaRPr lang="de-DE" dirty="0"/>
+          </a:p>
+          <a:p>
+            <a:endParaRPr lang="de-DE" dirty="0" smtClean="0"/>
+          </a:p>
+          <a:p>
+            <a:endParaRPr lang="de-DE" dirty="0"/>
+          </a:p>
+          <a:p>
+            <a:pPr marL="0" indent="0">
+              <a:buNone/>
+            </a:pPr>
+            <a:endParaRPr lang="de-DE" dirty="0" smtClean="0"/>
+          </a:p>
+          <a:p>
+            <a:r>
+              <a:rPr lang="de-DE" dirty="0" err="1" smtClean="0"/>
+              <a:t>Asynchronous</a:t>
+            </a:r>
+            <a:r>
+              <a:rPr lang="de-DE" dirty="0" smtClean="0"/>
+              <a:t> Events ( Button </a:t>
+            </a:r>
+            <a:r>
+              <a:rPr lang="de-DE" dirty="0" err="1" smtClean="0"/>
+              <a:t>pressed</a:t>
+            </a:r>
+            <a:r>
+              <a:rPr lang="de-DE" dirty="0" smtClean="0"/>
+              <a:t>)</a:t>
+            </a:r>
+            <a:endParaRPr lang="de-DE" dirty="0"/>
+          </a:p>
+        </p:txBody>
+      </p:sp>
+      <p:pic>
+        <p:nvPicPr>
+          <p:cNvPr id="4" name="Bild 3"/>
+          <p:cNvPicPr>
+            <a:picLocks noChangeAspect="1"/>
+          </p:cNvPicPr>
+          <p:nvPr/>
+        </p:nvPicPr>
+        <p:blipFill>
+          <a:blip r:embed="rId2">
+            <a:extLst>
+              <a:ext uri="{28A0092B-C50C-407E-A947-70E740481C1C}">
+                <a14:useLocalDpi xmlns:a14="http://schemas.microsoft.com/office/drawing/2010/main" val="0"/>
+              </a:ext>
+            </a:extLst>
+          </a:blip>
+          <a:stretch>
+            <a:fillRect/>
+          </a:stretch>
+        </p:blipFill>
+        <p:spPr>
+          <a:xfrm>
+            <a:off x="5181600" y="1272438"/>
+            <a:ext cx="5791200" cy="1943100"/>
+          </a:xfrm>
+          <a:prstGeom prst="rect">
+            <a:avLst/>
+          </a:prstGeom>
+        </p:spPr>
+      </p:pic>
+      <p:pic>
+        <p:nvPicPr>
+          <p:cNvPr id="5" name="Bild 4"/>
+          <p:cNvPicPr>
+            <a:picLocks noChangeAspect="1"/>
+          </p:cNvPicPr>
+          <p:nvPr/>
+        </p:nvPicPr>
+        <p:blipFill>
+          <a:blip r:embed="rId3">
+            <a:extLst>
+              <a:ext uri="{28A0092B-C50C-407E-A947-70E740481C1C}">
+                <a14:useLocalDpi xmlns:a14="http://schemas.microsoft.com/office/drawing/2010/main" val="0"/>
+              </a:ext>
+            </a:extLst>
+          </a:blip>
+          <a:stretch>
+            <a:fillRect/>
+          </a:stretch>
+        </p:blipFill>
+        <p:spPr>
+          <a:xfrm>
+            <a:off x="5181600" y="4081903"/>
+            <a:ext cx="5613400" cy="2387600"/>
+          </a:xfrm>
+          <a:prstGeom prst="rect">
+            <a:avLst/>
+          </a:prstGeom>
+        </p:spPr>
+      </p:pic>
+    </p:spTree>
+    <p:extLst>
+      <p:ext uri="{BB962C8B-B14F-4D97-AF65-F5344CB8AC3E}">
+        <p14:creationId xmlns:p14="http://schemas.microsoft.com/office/powerpoint/2010/main" val="533640921"/>
       </p:ext>
     </p:extLst>
   </p:cSld>
@@ -5083,7 +5760,7 @@
   <a:extraClrSchemeLst/>
   <a:extLst>
     <a:ext uri="{05A4C25C-085E-4340-85A3-A5531E510DB2}">
-      <thm15:themeFamily xmlns:thm15="http://schemas.microsoft.com/office/thememl/2012/main" name="Headlines" id="{3841520A-25F2-4EB8-BE4C-611DB5ABEED9}" vid="{ECD25A4C-D97E-4C12-84B1-63580BFFAEEB}"/>
+      <thm15:themeFamily xmlns:thm15="http://schemas.microsoft.com/office/thememl/2012/main" xmlns="" name="Headlines" id="{3841520A-25F2-4EB8-BE4C-611DB5ABEED9}" vid="{ECD25A4C-D97E-4C12-84B1-63580BFFAEEB}"/>
     </a:ext>
   </a:extLst>
 </a:theme>

--- a/PräsentationIntro.pptx
+++ b/PräsentationIntro.pptx
@@ -119,7 +119,18 @@
   </p:defaultTextStyle>
   <p:extLst>
     <p:ext uri="{EFAFB233-063F-42B5-8137-9DF3F51BA10A}">
-      <p15:sldGuideLst xmlns:p15="http://schemas.microsoft.com/office/powerpoint/2012/main" xmlns=""/>
+      <p15:sldGuideLst xmlns:p15="http://schemas.microsoft.com/office/powerpoint/2012/main">
+        <p15:guide id="1" orient="horz" pos="2160">
+          <p15:clr>
+            <a:srgbClr val="A4A3A4"/>
+          </p15:clr>
+        </p15:guide>
+        <p15:guide id="2" pos="3840">
+          <p15:clr>
+            <a:srgbClr val="A4A3A4"/>
+          </p15:clr>
+        </p15:guide>
+      </p15:sldGuideLst>
     </p:ext>
   </p:extLst>
 </p:presentation>
@@ -493,7 +504,7 @@
             <a:fld id="{3C633830-2244-49AE-BC4A-47F415C177C6}" type="datetimeFigureOut">
               <a:rPr lang="en-US" dirty="0"/>
               <a:pPr/>
-              <a:t>3/11/2016</a:t>
+              <a:t>3/13/16</a:t>
             </a:fld>
             <a:endParaRPr lang="en-US" dirty="0"/>
           </a:p>
@@ -610,7 +621,7 @@
   </p:clrMapOvr>
   <p:extLst mod="1">
     <p:ext uri="{DCECCB84-F9BA-43D5-87BE-67443E8EF086}">
-      <p15:sldGuideLst xmlns:p15="http://schemas.microsoft.com/office/powerpoint/2012/main" xmlns="">
+      <p15:sldGuideLst xmlns:p15="http://schemas.microsoft.com/office/powerpoint/2012/main">
         <p15:guide id="1" orient="horz" pos="792">
           <p15:clr>
             <a:srgbClr val="FBAE40"/>
@@ -736,7 +747,7 @@
           <a:p>
             <a:fld id="{3C633830-2244-49AE-BC4A-47F415C177C6}" type="datetimeFigureOut">
               <a:rPr lang="en-US" dirty="0"/>
-              <a:t>3/11/2016</a:t>
+              <a:t>3/13/16</a:t>
             </a:fld>
             <a:endParaRPr lang="en-US" dirty="0"/>
           </a:p>
@@ -1117,7 +1128,7 @@
           <a:p>
             <a:fld id="{3C633830-2244-49AE-BC4A-47F415C177C6}" type="datetimeFigureOut">
               <a:rPr lang="en-US" dirty="0"/>
-              <a:t>3/11/2016</a:t>
+              <a:t>3/13/16</a:t>
             </a:fld>
             <a:endParaRPr lang="en-US" dirty="0"/>
           </a:p>
@@ -1220,7 +1231,7 @@
   </p:clrMapOvr>
   <p:extLst mod="1">
     <p:ext uri="{DCECCB84-F9BA-43D5-87BE-67443E8EF086}">
-      <p15:sldGuideLst xmlns:p15="http://schemas.microsoft.com/office/powerpoint/2012/main" xmlns="">
+      <p15:sldGuideLst xmlns:p15="http://schemas.microsoft.com/office/powerpoint/2012/main">
         <p15:guide id="1" pos="6456">
           <p15:clr>
             <a:srgbClr val="FBAE40"/>
@@ -1341,7 +1352,7 @@
           <a:p>
             <a:fld id="{3C633830-2244-49AE-BC4A-47F415C177C6}" type="datetimeFigureOut">
               <a:rPr lang="en-US" dirty="0"/>
-              <a:t>3/11/2016</a:t>
+              <a:t>3/13/16</a:t>
             </a:fld>
             <a:endParaRPr lang="en-US" dirty="0"/>
           </a:p>
@@ -1828,7 +1839,7 @@
             <a:fld id="{3C633830-2244-49AE-BC4A-47F415C177C6}" type="datetimeFigureOut">
               <a:rPr lang="en-US" dirty="0"/>
               <a:pPr/>
-              <a:t>3/11/2016</a:t>
+              <a:t>3/13/16</a:t>
             </a:fld>
             <a:endParaRPr lang="en-US" dirty="0"/>
           </a:p>
@@ -1951,7 +1962,7 @@
   </p:clrMapOvr>
   <p:extLst mod="1">
     <p:ext uri="{DCECCB84-F9BA-43D5-87BE-67443E8EF086}">
-      <p15:sldGuideLst xmlns:p15="http://schemas.microsoft.com/office/powerpoint/2012/main" xmlns="">
+      <p15:sldGuideLst xmlns:p15="http://schemas.microsoft.com/office/powerpoint/2012/main">
         <p15:guide id="1" pos="6456">
           <p15:clr>
             <a:srgbClr val="FBAE40"/>
@@ -2134,7 +2145,7 @@
           <a:p>
             <a:fld id="{3C633830-2244-49AE-BC4A-47F415C177C6}" type="datetimeFigureOut">
               <a:rPr lang="en-US" dirty="0"/>
-              <a:t>3/11/2016</a:t>
+              <a:t>3/13/16</a:t>
             </a:fld>
             <a:endParaRPr lang="en-US" dirty="0"/>
           </a:p>
@@ -2520,7 +2531,7 @@
           <a:p>
             <a:fld id="{3C633830-2244-49AE-BC4A-47F415C177C6}" type="datetimeFigureOut">
               <a:rPr lang="en-US" dirty="0"/>
-              <a:t>3/11/2016</a:t>
+              <a:t>3/13/16</a:t>
             </a:fld>
             <a:endParaRPr lang="en-US" dirty="0"/>
           </a:p>
@@ -2633,7 +2644,7 @@
           <a:p>
             <a:fld id="{3C633830-2244-49AE-BC4A-47F415C177C6}" type="datetimeFigureOut">
               <a:rPr lang="en-US" dirty="0"/>
-              <a:t>3/11/2016</a:t>
+              <a:t>3/13/16</a:t>
             </a:fld>
             <a:endParaRPr lang="en-US" dirty="0"/>
           </a:p>
@@ -2723,7 +2734,7 @@
           <a:p>
             <a:fld id="{3C633830-2244-49AE-BC4A-47F415C177C6}" type="datetimeFigureOut">
               <a:rPr lang="en-US" dirty="0"/>
-              <a:t>3/11/2016</a:t>
+              <a:t>3/13/16</a:t>
             </a:fld>
             <a:endParaRPr lang="en-US" dirty="0"/>
           </a:p>
@@ -3018,7 +3029,7 @@
           <a:p>
             <a:fld id="{3C633830-2244-49AE-BC4A-47F415C177C6}" type="datetimeFigureOut">
               <a:rPr lang="en-US" dirty="0"/>
-              <a:t>3/11/2016</a:t>
+              <a:t>3/13/16</a:t>
             </a:fld>
             <a:endParaRPr lang="en-US" dirty="0"/>
           </a:p>
@@ -3278,7 +3289,7 @@
           <a:p>
             <a:fld id="{3C633830-2244-49AE-BC4A-47F415C177C6}" type="datetimeFigureOut">
               <a:rPr lang="en-US" dirty="0"/>
-              <a:t>3/11/2016</a:t>
+              <a:t>3/13/16</a:t>
             </a:fld>
             <a:endParaRPr lang="en-US" dirty="0"/>
           </a:p>
@@ -3692,7 +3703,7 @@
             <a:fld id="{3C633830-2244-49AE-BC4A-47F415C177C6}" type="datetimeFigureOut">
               <a:rPr lang="en-US" dirty="0"/>
               <a:pPr/>
-              <a:t>3/11/2016</a:t>
+              <a:t>3/13/16</a:t>
             </a:fld>
             <a:endParaRPr lang="en-US" dirty="0"/>
           </a:p>
@@ -4144,7 +4155,7 @@
   </p:txStyles>
   <p:extLst mod="1">
     <p:ext uri="{27BBF7A9-308A-43DC-89C8-2F10F3537804}">
-      <p15:sldGuideLst xmlns:p15="http://schemas.microsoft.com/office/powerpoint/2012/main" xmlns="">
+      <p15:sldGuideLst xmlns:p15="http://schemas.microsoft.com/office/powerpoint/2012/main">
         <p15:guide id="1" pos="2832">
           <p15:clr>
             <a:srgbClr val="F26B43"/>
@@ -4312,25 +4323,35 @@
           </a:p>
         </p:txBody>
       </p:sp>
-      <p:sp>
-        <p:nvSpPr>
-          <p:cNvPr id="3" name="Inhaltsplatzhalter 2"/>
-          <p:cNvSpPr>
-            <a:spLocks noGrp="1"/>
-          </p:cNvSpPr>
+      <p:pic>
+        <p:nvPicPr>
+          <p:cNvPr id="4" name="Inhaltsplatzhalter 3"/>
+          <p:cNvPicPr>
+            <a:picLocks noGrp="1" noChangeAspect="1"/>
+          </p:cNvPicPr>
           <p:nvPr>
             <p:ph idx="1"/>
           </p:nvPr>
-        </p:nvSpPr>
-        <p:spPr/>
-        <p:txBody>
-          <a:bodyPr/>
-          <a:lstStyle/>
-          <a:p>
-            <a:endParaRPr lang="de-DE"/>
-          </a:p>
-        </p:txBody>
-      </p:sp>
+        </p:nvPicPr>
+        <p:blipFill>
+          <a:blip r:embed="rId2">
+            <a:extLst>
+              <a:ext uri="{28A0092B-C50C-407E-A947-70E740481C1C}">
+                <a14:useLocalDpi xmlns:a14="http://schemas.microsoft.com/office/drawing/2010/main" val="0"/>
+              </a:ext>
+            </a:extLst>
+          </a:blip>
+          <a:stretch>
+            <a:fillRect/>
+          </a:stretch>
+        </p:blipFill>
+        <p:spPr>
+          <a:xfrm>
+            <a:off x="5181600" y="1963601"/>
+            <a:ext cx="6248400" cy="2865711"/>
+          </a:xfrm>
+        </p:spPr>
+      </p:pic>
     </p:spTree>
     <p:extLst>
       <p:ext uri="{BB962C8B-B14F-4D97-AF65-F5344CB8AC3E}">
@@ -4392,25 +4413,35 @@
           </a:p>
         </p:txBody>
       </p:sp>
-      <p:sp>
-        <p:nvSpPr>
-          <p:cNvPr id="3" name="Inhaltsplatzhalter 2"/>
-          <p:cNvSpPr>
-            <a:spLocks noGrp="1"/>
-          </p:cNvSpPr>
+      <p:pic>
+        <p:nvPicPr>
+          <p:cNvPr id="4" name="Inhaltsplatzhalter 3"/>
+          <p:cNvPicPr>
+            <a:picLocks noGrp="1" noChangeAspect="1"/>
+          </p:cNvPicPr>
           <p:nvPr>
             <p:ph idx="1"/>
           </p:nvPr>
-        </p:nvSpPr>
-        <p:spPr/>
-        <p:txBody>
-          <a:bodyPr/>
-          <a:lstStyle/>
-          <a:p>
-            <a:endParaRPr lang="de-DE" dirty="0"/>
-          </a:p>
-        </p:txBody>
-      </p:sp>
+        </p:nvPicPr>
+        <p:blipFill>
+          <a:blip r:embed="rId2">
+            <a:extLst>
+              <a:ext uri="{28A0092B-C50C-407E-A947-70E740481C1C}">
+                <a14:useLocalDpi xmlns:a14="http://schemas.microsoft.com/office/drawing/2010/main" val="0"/>
+              </a:ext>
+            </a:extLst>
+          </a:blip>
+          <a:stretch>
+            <a:fillRect/>
+          </a:stretch>
+        </p:blipFill>
+        <p:spPr>
+          <a:xfrm>
+            <a:off x="5181600" y="1646509"/>
+            <a:ext cx="6248400" cy="3499894"/>
+          </a:xfrm>
+        </p:spPr>
+      </p:pic>
     </p:spTree>
     <p:extLst>
       <p:ext uri="{BB962C8B-B14F-4D97-AF65-F5344CB8AC3E}">
@@ -4540,25 +4571,35 @@
           </a:p>
         </p:txBody>
       </p:sp>
-      <p:sp>
-        <p:nvSpPr>
-          <p:cNvPr id="3" name="Inhaltsplatzhalter 2"/>
-          <p:cNvSpPr>
-            <a:spLocks noGrp="1"/>
-          </p:cNvSpPr>
+      <p:pic>
+        <p:nvPicPr>
+          <p:cNvPr id="4" name="Inhaltsplatzhalter 3"/>
+          <p:cNvPicPr>
+            <a:picLocks noGrp="1" noChangeAspect="1"/>
+          </p:cNvPicPr>
           <p:nvPr>
             <p:ph idx="1"/>
           </p:nvPr>
-        </p:nvSpPr>
-        <p:spPr/>
-        <p:txBody>
-          <a:bodyPr/>
-          <a:lstStyle/>
-          <a:p>
-            <a:endParaRPr lang="de-DE"/>
-          </a:p>
-        </p:txBody>
-      </p:sp>
+        </p:nvPicPr>
+        <p:blipFill>
+          <a:blip r:embed="rId2">
+            <a:extLst>
+              <a:ext uri="{28A0092B-C50C-407E-A947-70E740481C1C}">
+                <a14:useLocalDpi xmlns:a14="http://schemas.microsoft.com/office/drawing/2010/main" val="0"/>
+              </a:ext>
+            </a:extLst>
+          </a:blip>
+          <a:stretch>
+            <a:fillRect/>
+          </a:stretch>
+        </p:blipFill>
+        <p:spPr>
+          <a:xfrm>
+            <a:off x="6451600" y="1427956"/>
+            <a:ext cx="3708400" cy="3937000"/>
+          </a:xfrm>
+        </p:spPr>
+      </p:pic>
     </p:spTree>
     <p:extLst>
       <p:ext uri="{BB962C8B-B14F-4D97-AF65-F5344CB8AC3E}">
@@ -4627,7 +4668,55 @@
           <a:bodyPr/>
           <a:lstStyle/>
           <a:p>
-            <a:endParaRPr lang="de-DE"/>
+            <a:r>
+              <a:rPr lang="de-DE" dirty="0" err="1" smtClean="0"/>
+              <a:t>What</a:t>
+            </a:r>
+            <a:r>
+              <a:rPr lang="de-DE" dirty="0" smtClean="0"/>
+              <a:t> </a:t>
+            </a:r>
+            <a:r>
+              <a:rPr lang="de-DE" dirty="0" err="1" smtClean="0"/>
+              <a:t>types</a:t>
+            </a:r>
+            <a:r>
+              <a:rPr lang="de-DE" dirty="0" smtClean="0"/>
+              <a:t> </a:t>
+            </a:r>
+            <a:r>
+              <a:rPr lang="de-DE" dirty="0" err="1" smtClean="0"/>
+              <a:t>of</a:t>
+            </a:r>
+            <a:r>
+              <a:rPr lang="de-DE" dirty="0" smtClean="0"/>
+              <a:t> </a:t>
+            </a:r>
+            <a:r>
+              <a:rPr lang="de-DE" dirty="0" err="1" smtClean="0"/>
+              <a:t>events</a:t>
+            </a:r>
+            <a:r>
+              <a:rPr lang="de-DE" dirty="0" smtClean="0"/>
+              <a:t> </a:t>
+            </a:r>
+            <a:r>
+              <a:rPr lang="de-DE" dirty="0" err="1" smtClean="0"/>
+              <a:t>we</a:t>
+            </a:r>
+            <a:r>
+              <a:rPr lang="de-DE" dirty="0" smtClean="0"/>
+              <a:t> </a:t>
+            </a:r>
+            <a:r>
+              <a:rPr lang="de-DE" dirty="0" err="1" smtClean="0"/>
+              <a:t>have</a:t>
+            </a:r>
+            <a:r>
+              <a:rPr lang="de-DE" dirty="0" smtClean="0"/>
+              <a:t>? </a:t>
+            </a:r>
+            <a:endParaRPr lang="de-DE" dirty="0"/>
           </a:p>
         </p:txBody>
       </p:sp>
@@ -5760,7 +5849,7 @@
   <a:extraClrSchemeLst/>
   <a:extLst>
     <a:ext uri="{05A4C25C-085E-4340-85A3-A5531E510DB2}">
-      <thm15:themeFamily xmlns:thm15="http://schemas.microsoft.com/office/thememl/2012/main" xmlns="" name="Headlines" id="{3841520A-25F2-4EB8-BE4C-611DB5ABEED9}" vid="{ECD25A4C-D97E-4C12-84B1-63580BFFAEEB}"/>
+      <thm15:themeFamily xmlns:thm15="http://schemas.microsoft.com/office/thememl/2012/main" name="Headlines" id="{3841520A-25F2-4EB8-BE4C-611DB5ABEED9}" vid="{ECD25A4C-D97E-4C12-84B1-63580BFFAEEB}"/>
     </a:ext>
   </a:extLst>
 </a:theme>

--- a/PräsentationIntro.pptx
+++ b/PräsentationIntro.pptx
@@ -4,6 +4,9 @@
   <p:sldMasterIdLst>
     <p:sldMasterId id="2147483648" r:id="rId1"/>
   </p:sldMasterIdLst>
+  <p:notesMasterIdLst>
+    <p:notesMasterId r:id="rId16"/>
+  </p:notesMasterIdLst>
   <p:sldIdLst>
     <p:sldId id="256" r:id="rId2"/>
     <p:sldId id="257" r:id="rId3"/>
@@ -119,10 +122,1608 @@
   </p:defaultTextStyle>
   <p:extLst>
     <p:ext uri="{EFAFB233-063F-42B5-8137-9DF3F51BA10A}">
-      <p15:sldGuideLst xmlns:p15="http://schemas.microsoft.com/office/powerpoint/2012/main" xmlns=""/>
+      <p15:sldGuideLst xmlns="" xmlns:p15="http://schemas.microsoft.com/office/powerpoint/2012/main"/>
     </p:ext>
   </p:extLst>
 </p:presentation>
+</file>
+
+<file path=ppt/notesMasters/notesMaster1.xml><?xml version="1.0" encoding="utf-8"?>
+<p:notesMaster xmlns:a="http://schemas.openxmlformats.org/drawingml/2006/main" xmlns:r="http://schemas.openxmlformats.org/officeDocument/2006/relationships" xmlns:p="http://schemas.openxmlformats.org/presentationml/2006/main">
+  <p:cSld>
+    <p:bg>
+      <p:bgRef idx="1001">
+        <a:schemeClr val="bg1"/>
+      </p:bgRef>
+    </p:bg>
+    <p:spTree>
+      <p:nvGrpSpPr>
+        <p:cNvPr id="1" name=""/>
+        <p:cNvGrpSpPr/>
+        <p:nvPr/>
+      </p:nvGrpSpPr>
+      <p:grpSpPr>
+        <a:xfrm>
+          <a:off x="0" y="0"/>
+          <a:ext cx="0" cy="0"/>
+          <a:chOff x="0" y="0"/>
+          <a:chExt cx="0" cy="0"/>
+        </a:xfrm>
+      </p:grpSpPr>
+      <p:sp>
+        <p:nvSpPr>
+          <p:cNvPr id="2" name="Kopfzeilenplatzhalter 1"/>
+          <p:cNvSpPr>
+            <a:spLocks noGrp="1"/>
+          </p:cNvSpPr>
+          <p:nvPr>
+            <p:ph type="hdr" sz="quarter"/>
+          </p:nvPr>
+        </p:nvSpPr>
+        <p:spPr>
+          <a:xfrm>
+            <a:off x="0" y="0"/>
+            <a:ext cx="2971800" cy="457200"/>
+          </a:xfrm>
+          <a:prstGeom prst="rect">
+            <a:avLst/>
+          </a:prstGeom>
+        </p:spPr>
+        <p:txBody>
+          <a:bodyPr vert="horz" lIns="91440" tIns="45720" rIns="91440" bIns="45720" rtlCol="0"/>
+          <a:lstStyle>
+            <a:lvl1pPr algn="l">
+              <a:defRPr sz="1200"/>
+            </a:lvl1pPr>
+          </a:lstStyle>
+          <a:p>
+            <a:endParaRPr lang="de-CH"/>
+          </a:p>
+        </p:txBody>
+      </p:sp>
+      <p:sp>
+        <p:nvSpPr>
+          <p:cNvPr id="3" name="Datumsplatzhalter 2"/>
+          <p:cNvSpPr>
+            <a:spLocks noGrp="1"/>
+          </p:cNvSpPr>
+          <p:nvPr>
+            <p:ph type="dt" idx="1"/>
+          </p:nvPr>
+        </p:nvSpPr>
+        <p:spPr>
+          <a:xfrm>
+            <a:off x="3884613" y="0"/>
+            <a:ext cx="2971800" cy="457200"/>
+          </a:xfrm>
+          <a:prstGeom prst="rect">
+            <a:avLst/>
+          </a:prstGeom>
+        </p:spPr>
+        <p:txBody>
+          <a:bodyPr vert="horz" lIns="91440" tIns="45720" rIns="91440" bIns="45720" rtlCol="0"/>
+          <a:lstStyle>
+            <a:lvl1pPr algn="r">
+              <a:defRPr sz="1200"/>
+            </a:lvl1pPr>
+          </a:lstStyle>
+          <a:p>
+            <a:fld id="{2D713194-5862-470A-8AE9-FA5388C76B22}" type="datetimeFigureOut">
+              <a:rPr lang="de-CH" smtClean="0"/>
+              <a:t>11.03.2016</a:t>
+            </a:fld>
+            <a:endParaRPr lang="de-CH"/>
+          </a:p>
+        </p:txBody>
+      </p:sp>
+      <p:sp>
+        <p:nvSpPr>
+          <p:cNvPr id="4" name="Folienbildplatzhalter 3"/>
+          <p:cNvSpPr>
+            <a:spLocks noGrp="1" noRot="1" noChangeAspect="1"/>
+          </p:cNvSpPr>
+          <p:nvPr>
+            <p:ph type="sldImg" idx="2"/>
+          </p:nvPr>
+        </p:nvSpPr>
+        <p:spPr>
+          <a:xfrm>
+            <a:off x="381000" y="685800"/>
+            <a:ext cx="6096000" cy="3429000"/>
+          </a:xfrm>
+          <a:prstGeom prst="rect">
+            <a:avLst/>
+          </a:prstGeom>
+          <a:noFill/>
+          <a:ln w="12700">
+            <a:solidFill>
+              <a:prstClr val="black"/>
+            </a:solidFill>
+          </a:ln>
+        </p:spPr>
+        <p:txBody>
+          <a:bodyPr vert="horz" lIns="91440" tIns="45720" rIns="91440" bIns="45720" rtlCol="0" anchor="ctr"/>
+          <a:lstStyle/>
+          <a:p>
+            <a:endParaRPr lang="de-CH"/>
+          </a:p>
+        </p:txBody>
+      </p:sp>
+      <p:sp>
+        <p:nvSpPr>
+          <p:cNvPr id="5" name="Notizenplatzhalter 4"/>
+          <p:cNvSpPr>
+            <a:spLocks noGrp="1"/>
+          </p:cNvSpPr>
+          <p:nvPr>
+            <p:ph type="body" sz="quarter" idx="3"/>
+          </p:nvPr>
+        </p:nvSpPr>
+        <p:spPr>
+          <a:xfrm>
+            <a:off x="685800" y="4343400"/>
+            <a:ext cx="5486400" cy="4114800"/>
+          </a:xfrm>
+          <a:prstGeom prst="rect">
+            <a:avLst/>
+          </a:prstGeom>
+        </p:spPr>
+        <p:txBody>
+          <a:bodyPr vert="horz" lIns="91440" tIns="45720" rIns="91440" bIns="45720" rtlCol="0"/>
+          <a:lstStyle/>
+          <a:p>
+            <a:pPr lvl="0"/>
+            <a:r>
+              <a:rPr lang="de-DE" smtClean="0"/>
+              <a:t>Textmasterformat bearbeiten</a:t>
+            </a:r>
+          </a:p>
+          <a:p>
+            <a:pPr lvl="1"/>
+            <a:r>
+              <a:rPr lang="de-DE" smtClean="0"/>
+              <a:t>Zweite Ebene</a:t>
+            </a:r>
+          </a:p>
+          <a:p>
+            <a:pPr lvl="2"/>
+            <a:r>
+              <a:rPr lang="de-DE" smtClean="0"/>
+              <a:t>Dritte Ebene</a:t>
+            </a:r>
+          </a:p>
+          <a:p>
+            <a:pPr lvl="3"/>
+            <a:r>
+              <a:rPr lang="de-DE" smtClean="0"/>
+              <a:t>Vierte Ebene</a:t>
+            </a:r>
+          </a:p>
+          <a:p>
+            <a:pPr lvl="4"/>
+            <a:r>
+              <a:rPr lang="de-DE" smtClean="0"/>
+              <a:t>Fünfte Ebene</a:t>
+            </a:r>
+            <a:endParaRPr lang="de-CH"/>
+          </a:p>
+        </p:txBody>
+      </p:sp>
+      <p:sp>
+        <p:nvSpPr>
+          <p:cNvPr id="6" name="Fußzeilenplatzhalter 5"/>
+          <p:cNvSpPr>
+            <a:spLocks noGrp="1"/>
+          </p:cNvSpPr>
+          <p:nvPr>
+            <p:ph type="ftr" sz="quarter" idx="4"/>
+          </p:nvPr>
+        </p:nvSpPr>
+        <p:spPr>
+          <a:xfrm>
+            <a:off x="0" y="8685213"/>
+            <a:ext cx="2971800" cy="457200"/>
+          </a:xfrm>
+          <a:prstGeom prst="rect">
+            <a:avLst/>
+          </a:prstGeom>
+        </p:spPr>
+        <p:txBody>
+          <a:bodyPr vert="horz" lIns="91440" tIns="45720" rIns="91440" bIns="45720" rtlCol="0" anchor="b"/>
+          <a:lstStyle>
+            <a:lvl1pPr algn="l">
+              <a:defRPr sz="1200"/>
+            </a:lvl1pPr>
+          </a:lstStyle>
+          <a:p>
+            <a:endParaRPr lang="de-CH"/>
+          </a:p>
+        </p:txBody>
+      </p:sp>
+      <p:sp>
+        <p:nvSpPr>
+          <p:cNvPr id="7" name="Foliennummernplatzhalter 6"/>
+          <p:cNvSpPr>
+            <a:spLocks noGrp="1"/>
+          </p:cNvSpPr>
+          <p:nvPr>
+            <p:ph type="sldNum" sz="quarter" idx="5"/>
+          </p:nvPr>
+        </p:nvSpPr>
+        <p:spPr>
+          <a:xfrm>
+            <a:off x="3884613" y="8685213"/>
+            <a:ext cx="2971800" cy="457200"/>
+          </a:xfrm>
+          <a:prstGeom prst="rect">
+            <a:avLst/>
+          </a:prstGeom>
+        </p:spPr>
+        <p:txBody>
+          <a:bodyPr vert="horz" lIns="91440" tIns="45720" rIns="91440" bIns="45720" rtlCol="0" anchor="b"/>
+          <a:lstStyle>
+            <a:lvl1pPr algn="r">
+              <a:defRPr sz="1200"/>
+            </a:lvl1pPr>
+          </a:lstStyle>
+          <a:p>
+            <a:fld id="{06061460-6DF5-4DB0-8608-E117533E69A1}" type="slidenum">
+              <a:rPr lang="de-CH" smtClean="0"/>
+              <a:t>‹Nr.›</a:t>
+            </a:fld>
+            <a:endParaRPr lang="de-CH"/>
+          </a:p>
+        </p:txBody>
+      </p:sp>
+    </p:spTree>
+    <p:extLst>
+      <p:ext uri="{BB962C8B-B14F-4D97-AF65-F5344CB8AC3E}">
+        <p14:creationId xmlns:p14="http://schemas.microsoft.com/office/powerpoint/2010/main" val="4235961349"/>
+      </p:ext>
+    </p:extLst>
+  </p:cSld>
+  <p:clrMap bg1="lt1" tx1="dk1" bg2="lt2" tx2="dk2" accent1="accent1" accent2="accent2" accent3="accent3" accent4="accent4" accent5="accent5" accent6="accent6" hlink="hlink" folHlink="folHlink"/>
+  <p:notesStyle>
+    <a:lvl1pPr marL="0" algn="l" defTabSz="914400" rtl="0" eaLnBrk="1" latinLnBrk="0" hangingPunct="1">
+      <a:defRPr sz="1200" kern="1200">
+        <a:solidFill>
+          <a:schemeClr val="tx1"/>
+        </a:solidFill>
+        <a:latin typeface="+mn-lt"/>
+        <a:ea typeface="+mn-ea"/>
+        <a:cs typeface="+mn-cs"/>
+      </a:defRPr>
+    </a:lvl1pPr>
+    <a:lvl2pPr marL="457200" algn="l" defTabSz="914400" rtl="0" eaLnBrk="1" latinLnBrk="0" hangingPunct="1">
+      <a:defRPr sz="1200" kern="1200">
+        <a:solidFill>
+          <a:schemeClr val="tx1"/>
+        </a:solidFill>
+        <a:latin typeface="+mn-lt"/>
+        <a:ea typeface="+mn-ea"/>
+        <a:cs typeface="+mn-cs"/>
+      </a:defRPr>
+    </a:lvl2pPr>
+    <a:lvl3pPr marL="914400" algn="l" defTabSz="914400" rtl="0" eaLnBrk="1" latinLnBrk="0" hangingPunct="1">
+      <a:defRPr sz="1200" kern="1200">
+        <a:solidFill>
+          <a:schemeClr val="tx1"/>
+        </a:solidFill>
+        <a:latin typeface="+mn-lt"/>
+        <a:ea typeface="+mn-ea"/>
+        <a:cs typeface="+mn-cs"/>
+      </a:defRPr>
+    </a:lvl3pPr>
+    <a:lvl4pPr marL="1371600" algn="l" defTabSz="914400" rtl="0" eaLnBrk="1" latinLnBrk="0" hangingPunct="1">
+      <a:defRPr sz="1200" kern="1200">
+        <a:solidFill>
+          <a:schemeClr val="tx1"/>
+        </a:solidFill>
+        <a:latin typeface="+mn-lt"/>
+        <a:ea typeface="+mn-ea"/>
+        <a:cs typeface="+mn-cs"/>
+      </a:defRPr>
+    </a:lvl4pPr>
+    <a:lvl5pPr marL="1828800" algn="l" defTabSz="914400" rtl="0" eaLnBrk="1" latinLnBrk="0" hangingPunct="1">
+      <a:defRPr sz="1200" kern="1200">
+        <a:solidFill>
+          <a:schemeClr val="tx1"/>
+        </a:solidFill>
+        <a:latin typeface="+mn-lt"/>
+        <a:ea typeface="+mn-ea"/>
+        <a:cs typeface="+mn-cs"/>
+      </a:defRPr>
+    </a:lvl5pPr>
+    <a:lvl6pPr marL="2286000" algn="l" defTabSz="914400" rtl="0" eaLnBrk="1" latinLnBrk="0" hangingPunct="1">
+      <a:defRPr sz="1200" kern="1200">
+        <a:solidFill>
+          <a:schemeClr val="tx1"/>
+        </a:solidFill>
+        <a:latin typeface="+mn-lt"/>
+        <a:ea typeface="+mn-ea"/>
+        <a:cs typeface="+mn-cs"/>
+      </a:defRPr>
+    </a:lvl6pPr>
+    <a:lvl7pPr marL="2743200" algn="l" defTabSz="914400" rtl="0" eaLnBrk="1" latinLnBrk="0" hangingPunct="1">
+      <a:defRPr sz="1200" kern="1200">
+        <a:solidFill>
+          <a:schemeClr val="tx1"/>
+        </a:solidFill>
+        <a:latin typeface="+mn-lt"/>
+        <a:ea typeface="+mn-ea"/>
+        <a:cs typeface="+mn-cs"/>
+      </a:defRPr>
+    </a:lvl7pPr>
+    <a:lvl8pPr marL="3200400" algn="l" defTabSz="914400" rtl="0" eaLnBrk="1" latinLnBrk="0" hangingPunct="1">
+      <a:defRPr sz="1200" kern="1200">
+        <a:solidFill>
+          <a:schemeClr val="tx1"/>
+        </a:solidFill>
+        <a:latin typeface="+mn-lt"/>
+        <a:ea typeface="+mn-ea"/>
+        <a:cs typeface="+mn-cs"/>
+      </a:defRPr>
+    </a:lvl8pPr>
+    <a:lvl9pPr marL="3657600" algn="l" defTabSz="914400" rtl="0" eaLnBrk="1" latinLnBrk="0" hangingPunct="1">
+      <a:defRPr sz="1200" kern="1200">
+        <a:solidFill>
+          <a:schemeClr val="tx1"/>
+        </a:solidFill>
+        <a:latin typeface="+mn-lt"/>
+        <a:ea typeface="+mn-ea"/>
+        <a:cs typeface="+mn-cs"/>
+      </a:defRPr>
+    </a:lvl9pPr>
+  </p:notesStyle>
+</p:notesMaster>
+</file>
+
+<file path=ppt/notesSlides/notesSlide1.xml><?xml version="1.0" encoding="utf-8"?>
+<p:notes xmlns:a="http://schemas.openxmlformats.org/drawingml/2006/main" xmlns:r="http://schemas.openxmlformats.org/officeDocument/2006/relationships" xmlns:p="http://schemas.openxmlformats.org/presentationml/2006/main">
+  <p:cSld>
+    <p:spTree>
+      <p:nvGrpSpPr>
+        <p:cNvPr id="1" name=""/>
+        <p:cNvGrpSpPr/>
+        <p:nvPr/>
+      </p:nvGrpSpPr>
+      <p:grpSpPr>
+        <a:xfrm>
+          <a:off x="0" y="0"/>
+          <a:ext cx="0" cy="0"/>
+          <a:chOff x="0" y="0"/>
+          <a:chExt cx="0" cy="0"/>
+        </a:xfrm>
+      </p:grpSpPr>
+      <p:sp>
+        <p:nvSpPr>
+          <p:cNvPr id="2" name="Folienbildplatzhalter 1"/>
+          <p:cNvSpPr>
+            <a:spLocks noGrp="1" noRot="1" noChangeAspect="1"/>
+          </p:cNvSpPr>
+          <p:nvPr>
+            <p:ph type="sldImg"/>
+          </p:nvPr>
+        </p:nvSpPr>
+        <p:spPr/>
+      </p:sp>
+      <p:sp>
+        <p:nvSpPr>
+          <p:cNvPr id="3" name="Notizenplatzhalter 2"/>
+          <p:cNvSpPr>
+            <a:spLocks noGrp="1"/>
+          </p:cNvSpPr>
+          <p:nvPr>
+            <p:ph type="body" idx="1"/>
+          </p:nvPr>
+        </p:nvSpPr>
+        <p:spPr/>
+        <p:txBody>
+          <a:bodyPr/>
+          <a:lstStyle/>
+          <a:p>
+            <a:r>
+              <a:rPr lang="de-CH" dirty="0" err="1" smtClean="0"/>
+              <a:t>There</a:t>
+            </a:r>
+            <a:r>
+              <a:rPr lang="de-CH" dirty="0" smtClean="0"/>
+              <a:t> </a:t>
+            </a:r>
+            <a:r>
+              <a:rPr lang="de-CH" dirty="0" err="1" smtClean="0"/>
+              <a:t>are</a:t>
+            </a:r>
+            <a:r>
+              <a:rPr lang="de-CH" baseline="0" dirty="0" smtClean="0"/>
+              <a:t> </a:t>
+            </a:r>
+            <a:r>
+              <a:rPr lang="de-CH" baseline="0" dirty="0" err="1" smtClean="0"/>
+              <a:t>some</a:t>
+            </a:r>
+            <a:r>
+              <a:rPr lang="de-CH" baseline="0" dirty="0" smtClean="0"/>
+              <a:t> </a:t>
+            </a:r>
+            <a:r>
+              <a:rPr lang="de-CH" baseline="0" dirty="0" err="1" smtClean="0"/>
+              <a:t>differences</a:t>
+            </a:r>
+            <a:r>
+              <a:rPr lang="de-CH" baseline="0" dirty="0" smtClean="0"/>
+              <a:t> </a:t>
+            </a:r>
+            <a:r>
+              <a:rPr lang="de-CH" baseline="0" dirty="0" err="1" smtClean="0"/>
+              <a:t>between</a:t>
+            </a:r>
+            <a:r>
+              <a:rPr lang="de-CH" baseline="0" dirty="0" smtClean="0"/>
+              <a:t> </a:t>
+            </a:r>
+            <a:r>
+              <a:rPr lang="de-CH" baseline="0" dirty="0" err="1" smtClean="0"/>
+              <a:t>the</a:t>
+            </a:r>
+            <a:r>
+              <a:rPr lang="de-CH" baseline="0" dirty="0" smtClean="0"/>
+              <a:t> </a:t>
+            </a:r>
+            <a:r>
+              <a:rPr lang="de-CH" baseline="0" dirty="0" err="1" smtClean="0"/>
+              <a:t>two</a:t>
+            </a:r>
+            <a:r>
+              <a:rPr lang="de-CH" baseline="0" dirty="0" smtClean="0"/>
+              <a:t> </a:t>
+            </a:r>
+            <a:r>
+              <a:rPr lang="de-CH" baseline="0" dirty="0" err="1" smtClean="0"/>
+              <a:t>processors</a:t>
+            </a:r>
+            <a:r>
+              <a:rPr lang="de-CH" baseline="0" dirty="0" smtClean="0"/>
+              <a:t> </a:t>
+            </a:r>
+            <a:r>
+              <a:rPr lang="de-CH" baseline="0" dirty="0" err="1" smtClean="0"/>
+              <a:t>we</a:t>
+            </a:r>
+            <a:r>
+              <a:rPr lang="de-CH" baseline="0" dirty="0" smtClean="0"/>
+              <a:t> </a:t>
+            </a:r>
+            <a:r>
+              <a:rPr lang="de-CH" baseline="0" dirty="0" err="1" smtClean="0"/>
+              <a:t>are</a:t>
+            </a:r>
+            <a:r>
+              <a:rPr lang="de-CH" baseline="0" dirty="0" smtClean="0"/>
+              <a:t> </a:t>
+            </a:r>
+            <a:r>
+              <a:rPr lang="de-CH" baseline="0" dirty="0" err="1" smtClean="0"/>
+              <a:t>using</a:t>
+            </a:r>
+            <a:r>
+              <a:rPr lang="de-CH" baseline="0" dirty="0" smtClean="0"/>
+              <a:t> in </a:t>
+            </a:r>
+            <a:r>
+              <a:rPr lang="de-CH" baseline="0" dirty="0" err="1" smtClean="0"/>
+              <a:t>this</a:t>
+            </a:r>
+            <a:r>
+              <a:rPr lang="de-CH" baseline="0" dirty="0" smtClean="0"/>
+              <a:t> </a:t>
+            </a:r>
+            <a:r>
+              <a:rPr lang="de-CH" baseline="0" dirty="0" err="1" smtClean="0"/>
+              <a:t>module</a:t>
+            </a:r>
+            <a:r>
+              <a:rPr lang="de-CH" baseline="0" dirty="0" smtClean="0"/>
+              <a:t>. On </a:t>
+            </a:r>
+            <a:r>
+              <a:rPr lang="de-CH" baseline="0" dirty="0" err="1" smtClean="0"/>
+              <a:t>the</a:t>
+            </a:r>
+            <a:r>
+              <a:rPr lang="de-CH" baseline="0" dirty="0" smtClean="0"/>
+              <a:t> FRDM </a:t>
+            </a:r>
+            <a:r>
+              <a:rPr lang="de-CH" baseline="0" dirty="0" err="1" smtClean="0"/>
+              <a:t>we</a:t>
+            </a:r>
+            <a:r>
+              <a:rPr lang="de-CH" baseline="0" dirty="0" smtClean="0"/>
+              <a:t> </a:t>
+            </a:r>
+            <a:r>
+              <a:rPr lang="de-CH" baseline="0" dirty="0" err="1" smtClean="0"/>
+              <a:t>are</a:t>
+            </a:r>
+            <a:r>
+              <a:rPr lang="de-CH" baseline="0" dirty="0" smtClean="0"/>
+              <a:t> </a:t>
+            </a:r>
+            <a:r>
+              <a:rPr lang="de-CH" baseline="0" dirty="0" err="1" smtClean="0"/>
+              <a:t>using</a:t>
+            </a:r>
+            <a:r>
+              <a:rPr lang="de-CH" baseline="0" dirty="0" smtClean="0"/>
+              <a:t> </a:t>
+            </a:r>
+            <a:r>
+              <a:rPr lang="de-CH" baseline="0" dirty="0" err="1" smtClean="0"/>
+              <a:t>the</a:t>
+            </a:r>
+            <a:r>
+              <a:rPr lang="de-CH" baseline="0" dirty="0" smtClean="0"/>
+              <a:t> ARM Cortex M0+ </a:t>
+            </a:r>
+            <a:r>
+              <a:rPr lang="de-CH" baseline="0" dirty="0" err="1" smtClean="0"/>
+              <a:t>and</a:t>
+            </a:r>
+            <a:r>
+              <a:rPr lang="de-CH" baseline="0" dirty="0" smtClean="0"/>
+              <a:t> on </a:t>
+            </a:r>
+            <a:r>
+              <a:rPr lang="de-CH" baseline="0" dirty="0" err="1" smtClean="0"/>
+              <a:t>the</a:t>
+            </a:r>
+            <a:r>
+              <a:rPr lang="de-CH" baseline="0" dirty="0" smtClean="0"/>
+              <a:t> </a:t>
+            </a:r>
+            <a:r>
+              <a:rPr lang="de-CH" baseline="0" dirty="0" err="1" smtClean="0"/>
+              <a:t>Robo</a:t>
+            </a:r>
+            <a:r>
+              <a:rPr lang="de-CH" baseline="0" dirty="0" smtClean="0"/>
+              <a:t> </a:t>
+            </a:r>
+            <a:r>
+              <a:rPr lang="de-CH" baseline="0" dirty="0" err="1" smtClean="0"/>
+              <a:t>we</a:t>
+            </a:r>
+            <a:r>
+              <a:rPr lang="de-CH" baseline="0" dirty="0" smtClean="0"/>
+              <a:t> </a:t>
+            </a:r>
+            <a:r>
+              <a:rPr lang="de-CH" baseline="0" dirty="0" err="1" smtClean="0"/>
+              <a:t>use</a:t>
+            </a:r>
+            <a:r>
+              <a:rPr lang="de-CH" baseline="0" dirty="0" smtClean="0"/>
+              <a:t> </a:t>
+            </a:r>
+            <a:r>
+              <a:rPr lang="de-CH" baseline="0" dirty="0" err="1" smtClean="0"/>
+              <a:t>the</a:t>
+            </a:r>
+            <a:r>
+              <a:rPr lang="de-CH" baseline="0" dirty="0" smtClean="0"/>
+              <a:t> ARM Cortex M4. </a:t>
+            </a:r>
+          </a:p>
+          <a:p>
+            <a:r>
+              <a:rPr lang="de-CH" baseline="0" dirty="0" err="1" smtClean="0"/>
+              <a:t>Here</a:t>
+            </a:r>
+            <a:r>
+              <a:rPr lang="de-CH" baseline="0" dirty="0" smtClean="0"/>
+              <a:t> </a:t>
+            </a:r>
+            <a:r>
+              <a:rPr lang="de-CH" baseline="0" dirty="0" err="1" smtClean="0"/>
+              <a:t>you</a:t>
+            </a:r>
+            <a:r>
+              <a:rPr lang="de-CH" baseline="0" dirty="0" smtClean="0"/>
+              <a:t> </a:t>
+            </a:r>
+            <a:r>
+              <a:rPr lang="de-CH" baseline="0" dirty="0" err="1" smtClean="0"/>
+              <a:t>see</a:t>
+            </a:r>
+            <a:r>
+              <a:rPr lang="de-CH" baseline="0" dirty="0" smtClean="0"/>
+              <a:t> </a:t>
+            </a:r>
+            <a:r>
+              <a:rPr lang="de-CH" baseline="0" dirty="0" err="1" smtClean="0"/>
+              <a:t>the</a:t>
+            </a:r>
+            <a:r>
+              <a:rPr lang="de-CH" baseline="0" dirty="0" smtClean="0"/>
+              <a:t> </a:t>
+            </a:r>
+            <a:r>
+              <a:rPr lang="de-CH" baseline="0" dirty="0" err="1" smtClean="0"/>
+              <a:t>differences</a:t>
+            </a:r>
+            <a:r>
+              <a:rPr lang="de-CH" baseline="0" dirty="0" smtClean="0"/>
+              <a:t>. As </a:t>
+            </a:r>
+            <a:r>
+              <a:rPr lang="de-CH" baseline="0" dirty="0" err="1" smtClean="0"/>
+              <a:t>you</a:t>
+            </a:r>
+            <a:r>
+              <a:rPr lang="de-CH" baseline="0" dirty="0" smtClean="0"/>
+              <a:t> </a:t>
+            </a:r>
+            <a:r>
+              <a:rPr lang="de-CH" baseline="0" dirty="0" err="1" smtClean="0"/>
+              <a:t>can</a:t>
+            </a:r>
+            <a:r>
+              <a:rPr lang="de-CH" baseline="0" dirty="0" smtClean="0"/>
+              <a:t> </a:t>
+            </a:r>
+            <a:r>
+              <a:rPr lang="de-CH" baseline="0" dirty="0" err="1" smtClean="0"/>
+              <a:t>see</a:t>
+            </a:r>
+            <a:r>
+              <a:rPr lang="de-CH" baseline="0" dirty="0" smtClean="0"/>
+              <a:t> </a:t>
+            </a:r>
+            <a:r>
+              <a:rPr lang="de-CH" baseline="0" dirty="0" err="1" smtClean="0"/>
+              <a:t>the</a:t>
+            </a:r>
+            <a:r>
+              <a:rPr lang="de-CH" baseline="0" dirty="0" smtClean="0"/>
+              <a:t> M0+ </a:t>
+            </a:r>
+            <a:r>
+              <a:rPr lang="de-CH" baseline="0" dirty="0" err="1" smtClean="0"/>
+              <a:t>is</a:t>
+            </a:r>
+            <a:r>
+              <a:rPr lang="de-CH" baseline="0" dirty="0" smtClean="0"/>
+              <a:t> not </a:t>
+            </a:r>
+            <a:r>
+              <a:rPr lang="de-CH" baseline="0" dirty="0" err="1" smtClean="0"/>
+              <a:t>supporting</a:t>
+            </a:r>
+            <a:r>
+              <a:rPr lang="de-CH" baseline="0" dirty="0" smtClean="0"/>
+              <a:t> </a:t>
+            </a:r>
+            <a:r>
+              <a:rPr lang="de-CH" baseline="0" dirty="0" err="1" smtClean="0"/>
+              <a:t>hardware</a:t>
+            </a:r>
+            <a:r>
+              <a:rPr lang="de-CH" baseline="0" dirty="0" smtClean="0"/>
+              <a:t> </a:t>
+            </a:r>
+            <a:r>
+              <a:rPr lang="de-CH" baseline="0" dirty="0" err="1" smtClean="0"/>
+              <a:t>divied</a:t>
+            </a:r>
+            <a:r>
+              <a:rPr lang="de-CH" baseline="0" dirty="0" smtClean="0"/>
+              <a:t> </a:t>
+            </a:r>
+            <a:r>
+              <a:rPr lang="de-CH" baseline="0" dirty="0" err="1" smtClean="0"/>
+              <a:t>and</a:t>
+            </a:r>
+            <a:r>
+              <a:rPr lang="de-CH" baseline="0" dirty="0" smtClean="0"/>
+              <a:t> </a:t>
+            </a:r>
+            <a:r>
+              <a:rPr lang="de-CH" baseline="0" dirty="0" err="1" smtClean="0"/>
+              <a:t>floating</a:t>
+            </a:r>
+            <a:r>
+              <a:rPr lang="de-CH" baseline="0" dirty="0" smtClean="0"/>
+              <a:t>-point </a:t>
+            </a:r>
+            <a:r>
+              <a:rPr lang="de-CH" baseline="0" dirty="0" err="1" smtClean="0"/>
+              <a:t>arithmetic</a:t>
+            </a:r>
+            <a:r>
+              <a:rPr lang="de-CH" baseline="0" dirty="0" smtClean="0"/>
+              <a:t>. So </a:t>
+            </a:r>
+            <a:r>
+              <a:rPr lang="de-CH" baseline="0" dirty="0" err="1" smtClean="0"/>
+              <a:t>we</a:t>
+            </a:r>
+            <a:r>
+              <a:rPr lang="de-CH" baseline="0" dirty="0" smtClean="0"/>
+              <a:t> </a:t>
+            </a:r>
+            <a:r>
+              <a:rPr lang="de-CH" baseline="0" dirty="0" err="1" smtClean="0"/>
+              <a:t>need</a:t>
+            </a:r>
+            <a:r>
+              <a:rPr lang="de-CH" baseline="0" dirty="0" smtClean="0"/>
+              <a:t> </a:t>
+            </a:r>
+            <a:r>
+              <a:rPr lang="de-CH" baseline="0" dirty="0" err="1" smtClean="0"/>
+              <a:t>to</a:t>
+            </a:r>
+            <a:r>
+              <a:rPr lang="de-CH" baseline="0" dirty="0" smtClean="0"/>
+              <a:t> </a:t>
+            </a:r>
+            <a:r>
+              <a:rPr lang="de-CH" baseline="0" dirty="0" err="1" smtClean="0"/>
+              <a:t>pay</a:t>
+            </a:r>
+            <a:r>
+              <a:rPr lang="de-CH" baseline="0" dirty="0" smtClean="0"/>
+              <a:t> </a:t>
+            </a:r>
+            <a:r>
+              <a:rPr lang="de-CH" baseline="0" dirty="0" err="1" smtClean="0"/>
+              <a:t>attention</a:t>
+            </a:r>
+            <a:r>
+              <a:rPr lang="de-CH" baseline="0" dirty="0" smtClean="0"/>
+              <a:t> </a:t>
+            </a:r>
+            <a:r>
+              <a:rPr lang="de-CH" baseline="0" dirty="0" err="1" smtClean="0"/>
+              <a:t>if</a:t>
+            </a:r>
+            <a:r>
+              <a:rPr lang="de-CH" baseline="0" dirty="0" smtClean="0"/>
+              <a:t> </a:t>
+            </a:r>
+            <a:r>
+              <a:rPr lang="de-CH" baseline="0" dirty="0" err="1" smtClean="0"/>
+              <a:t>we</a:t>
+            </a:r>
+            <a:r>
+              <a:rPr lang="de-CH" baseline="0" dirty="0" smtClean="0"/>
+              <a:t> </a:t>
+            </a:r>
+            <a:r>
+              <a:rPr lang="de-CH" baseline="0" dirty="0" err="1" smtClean="0"/>
+              <a:t>are</a:t>
+            </a:r>
+            <a:r>
+              <a:rPr lang="de-CH" baseline="0" dirty="0" smtClean="0"/>
+              <a:t> </a:t>
+            </a:r>
+            <a:r>
+              <a:rPr lang="de-CH" baseline="0" dirty="0" err="1" smtClean="0"/>
+              <a:t>writing</a:t>
+            </a:r>
+            <a:r>
+              <a:rPr lang="de-CH" baseline="0" dirty="0" smtClean="0"/>
+              <a:t> </a:t>
+            </a:r>
+            <a:r>
+              <a:rPr lang="de-CH" baseline="0" dirty="0" err="1" smtClean="0"/>
+              <a:t>software</a:t>
+            </a:r>
+            <a:r>
+              <a:rPr lang="de-CH" baseline="0" dirty="0" smtClean="0"/>
+              <a:t> on </a:t>
+            </a:r>
+            <a:r>
+              <a:rPr lang="de-CH" baseline="0" dirty="0" err="1" smtClean="0"/>
+              <a:t>those</a:t>
+            </a:r>
+            <a:r>
+              <a:rPr lang="de-CH" baseline="0" dirty="0" smtClean="0"/>
+              <a:t> </a:t>
+            </a:r>
+            <a:r>
+              <a:rPr lang="de-CH" baseline="0" dirty="0" err="1" smtClean="0"/>
+              <a:t>uControllers</a:t>
+            </a:r>
+            <a:r>
+              <a:rPr lang="de-CH" baseline="0" dirty="0" smtClean="0"/>
+              <a:t>. An </a:t>
+            </a:r>
+            <a:r>
+              <a:rPr lang="de-CH" baseline="0" dirty="0" err="1" smtClean="0"/>
+              <a:t>other</a:t>
+            </a:r>
+            <a:r>
+              <a:rPr lang="de-CH" baseline="0" dirty="0" smtClean="0"/>
+              <a:t> </a:t>
+            </a:r>
+            <a:r>
+              <a:rPr lang="de-CH" baseline="0" dirty="0" err="1" smtClean="0"/>
+              <a:t>thing</a:t>
+            </a:r>
+            <a:r>
+              <a:rPr lang="de-CH" baseline="0" dirty="0" smtClean="0"/>
+              <a:t> </a:t>
+            </a:r>
+            <a:r>
+              <a:rPr lang="de-CH" baseline="0" dirty="0" err="1" smtClean="0"/>
+              <a:t>is</a:t>
+            </a:r>
+            <a:r>
+              <a:rPr lang="de-CH" baseline="0" dirty="0" smtClean="0"/>
+              <a:t>, </a:t>
+            </a:r>
+            <a:r>
+              <a:rPr lang="de-CH" baseline="0" dirty="0" err="1" smtClean="0"/>
+              <a:t>that</a:t>
+            </a:r>
+            <a:r>
+              <a:rPr lang="de-CH" baseline="0" dirty="0" smtClean="0"/>
+              <a:t> </a:t>
+            </a:r>
+            <a:r>
+              <a:rPr lang="de-CH" baseline="0" dirty="0" err="1" smtClean="0"/>
+              <a:t>the</a:t>
+            </a:r>
+            <a:r>
+              <a:rPr lang="de-CH" baseline="0" dirty="0" smtClean="0"/>
+              <a:t> M0+ </a:t>
+            </a:r>
+            <a:r>
+              <a:rPr lang="de-CH" baseline="0" dirty="0" err="1" smtClean="0"/>
+              <a:t>needs</a:t>
+            </a:r>
+            <a:r>
+              <a:rPr lang="de-CH" baseline="0" dirty="0" smtClean="0"/>
+              <a:t> </a:t>
+            </a:r>
+            <a:r>
+              <a:rPr lang="de-CH" baseline="0" dirty="0" err="1" smtClean="0"/>
+              <a:t>more</a:t>
+            </a:r>
+            <a:r>
+              <a:rPr lang="de-CH" baseline="0" dirty="0" smtClean="0"/>
+              <a:t> </a:t>
+            </a:r>
+            <a:r>
+              <a:rPr lang="de-CH" baseline="0" dirty="0" err="1" smtClean="0"/>
+              <a:t>cycles</a:t>
+            </a:r>
+            <a:r>
+              <a:rPr lang="de-CH" baseline="0" dirty="0" smtClean="0"/>
+              <a:t> </a:t>
+            </a:r>
+            <a:r>
+              <a:rPr lang="de-CH" baseline="0" dirty="0" err="1" smtClean="0"/>
+              <a:t>for</a:t>
+            </a:r>
+            <a:r>
+              <a:rPr lang="de-CH" baseline="0" dirty="0" smtClean="0"/>
+              <a:t> a </a:t>
+            </a:r>
+            <a:r>
+              <a:rPr lang="de-CH" baseline="0" dirty="0" err="1" smtClean="0"/>
+              <a:t>multiplication</a:t>
+            </a:r>
+            <a:r>
+              <a:rPr lang="de-CH" baseline="0" dirty="0" smtClean="0"/>
+              <a:t>. So </a:t>
+            </a:r>
+            <a:r>
+              <a:rPr lang="de-CH" baseline="0" dirty="0" err="1" smtClean="0"/>
+              <a:t>it</a:t>
+            </a:r>
+            <a:r>
+              <a:rPr lang="de-CH" baseline="0" dirty="0" smtClean="0"/>
+              <a:t> </a:t>
+            </a:r>
+            <a:r>
+              <a:rPr lang="de-CH" baseline="0" dirty="0" err="1" smtClean="0"/>
+              <a:t>takes</a:t>
+            </a:r>
+            <a:r>
+              <a:rPr lang="de-CH" baseline="0" dirty="0" smtClean="0"/>
+              <a:t> </a:t>
+            </a:r>
+            <a:r>
+              <a:rPr lang="de-CH" baseline="0" dirty="0" err="1" smtClean="0"/>
+              <a:t>more</a:t>
+            </a:r>
+            <a:r>
+              <a:rPr lang="de-CH" baseline="0" dirty="0" smtClean="0"/>
+              <a:t> time </a:t>
+            </a:r>
+            <a:r>
+              <a:rPr lang="de-CH" baseline="0" dirty="0" err="1" smtClean="0"/>
+              <a:t>for</a:t>
+            </a:r>
+            <a:r>
+              <a:rPr lang="de-CH" baseline="0" dirty="0" smtClean="0"/>
+              <a:t> a </a:t>
+            </a:r>
+            <a:r>
+              <a:rPr lang="de-CH" baseline="0" dirty="0" err="1" smtClean="0"/>
+              <a:t>multiplication</a:t>
+            </a:r>
+            <a:r>
+              <a:rPr lang="de-CH" baseline="0" dirty="0" smtClean="0"/>
+              <a:t>.</a:t>
+            </a:r>
+          </a:p>
+          <a:p>
+            <a:r>
+              <a:rPr lang="de-CH" baseline="0" dirty="0" smtClean="0"/>
+              <a:t>So </a:t>
+            </a:r>
+            <a:r>
+              <a:rPr lang="de-CH" baseline="0" dirty="0" err="1" smtClean="0"/>
+              <a:t>why</a:t>
+            </a:r>
+            <a:r>
+              <a:rPr lang="de-CH" baseline="0" dirty="0" smtClean="0"/>
+              <a:t> </a:t>
+            </a:r>
+            <a:r>
+              <a:rPr lang="de-CH" baseline="0" dirty="0" err="1" smtClean="0"/>
+              <a:t>sould</a:t>
+            </a:r>
+            <a:r>
+              <a:rPr lang="de-CH" baseline="0" dirty="0" smtClean="0"/>
+              <a:t> </a:t>
+            </a:r>
+            <a:r>
+              <a:rPr lang="de-CH" baseline="0" dirty="0" err="1" smtClean="0"/>
+              <a:t>we</a:t>
+            </a:r>
+            <a:r>
+              <a:rPr lang="de-CH" baseline="0" dirty="0" smtClean="0"/>
+              <a:t> </a:t>
+            </a:r>
+            <a:r>
+              <a:rPr lang="de-CH" baseline="0" dirty="0" err="1" smtClean="0"/>
+              <a:t>use</a:t>
+            </a:r>
+            <a:r>
+              <a:rPr lang="de-CH" baseline="0" dirty="0" smtClean="0"/>
+              <a:t> an M0+ </a:t>
+            </a:r>
+            <a:r>
+              <a:rPr lang="de-CH" baseline="0" dirty="0" err="1" smtClean="0"/>
+              <a:t>instead</a:t>
+            </a:r>
+            <a:r>
+              <a:rPr lang="de-CH" baseline="0" dirty="0" smtClean="0"/>
+              <a:t> </a:t>
+            </a:r>
+            <a:r>
+              <a:rPr lang="de-CH" baseline="0" dirty="0" err="1" smtClean="0"/>
+              <a:t>of</a:t>
+            </a:r>
+            <a:r>
+              <a:rPr lang="de-CH" baseline="0" dirty="0" smtClean="0"/>
+              <a:t> an M4? </a:t>
+            </a:r>
+          </a:p>
+          <a:p>
+            <a:r>
+              <a:rPr lang="de-CH" baseline="0" dirty="0" err="1" smtClean="0"/>
+              <a:t>blablabla</a:t>
+            </a:r>
+            <a:endParaRPr lang="de-CH" baseline="0" dirty="0" smtClean="0"/>
+          </a:p>
+          <a:p>
+            <a:endParaRPr lang="de-CH" dirty="0"/>
+          </a:p>
+        </p:txBody>
+      </p:sp>
+      <p:sp>
+        <p:nvSpPr>
+          <p:cNvPr id="4" name="Foliennummernplatzhalter 3"/>
+          <p:cNvSpPr>
+            <a:spLocks noGrp="1"/>
+          </p:cNvSpPr>
+          <p:nvPr>
+            <p:ph type="sldNum" sz="quarter" idx="10"/>
+          </p:nvPr>
+        </p:nvSpPr>
+        <p:spPr/>
+        <p:txBody>
+          <a:bodyPr/>
+          <a:lstStyle/>
+          <a:p>
+            <a:fld id="{06061460-6DF5-4DB0-8608-E117533E69A1}" type="slidenum">
+              <a:rPr lang="de-CH" smtClean="0"/>
+              <a:t>3</a:t>
+            </a:fld>
+            <a:endParaRPr lang="de-CH"/>
+          </a:p>
+        </p:txBody>
+      </p:sp>
+    </p:spTree>
+    <p:extLst>
+      <p:ext uri="{BB962C8B-B14F-4D97-AF65-F5344CB8AC3E}">
+        <p14:creationId xmlns:p14="http://schemas.microsoft.com/office/powerpoint/2010/main" val="2447751837"/>
+      </p:ext>
+    </p:extLst>
+  </p:cSld>
+  <p:clrMapOvr>
+    <a:masterClrMapping/>
+  </p:clrMapOvr>
+</p:notes>
+</file>
+
+<file path=ppt/notesSlides/notesSlide2.xml><?xml version="1.0" encoding="utf-8"?>
+<p:notes xmlns:a="http://schemas.openxmlformats.org/drawingml/2006/main" xmlns:r="http://schemas.openxmlformats.org/officeDocument/2006/relationships" xmlns:p="http://schemas.openxmlformats.org/presentationml/2006/main">
+  <p:cSld>
+    <p:spTree>
+      <p:nvGrpSpPr>
+        <p:cNvPr id="1" name=""/>
+        <p:cNvGrpSpPr/>
+        <p:nvPr/>
+      </p:nvGrpSpPr>
+      <p:grpSpPr>
+        <a:xfrm>
+          <a:off x="0" y="0"/>
+          <a:ext cx="0" cy="0"/>
+          <a:chOff x="0" y="0"/>
+          <a:chExt cx="0" cy="0"/>
+        </a:xfrm>
+      </p:grpSpPr>
+      <p:sp>
+        <p:nvSpPr>
+          <p:cNvPr id="2" name="Folienbildplatzhalter 1"/>
+          <p:cNvSpPr>
+            <a:spLocks noGrp="1" noRot="1" noChangeAspect="1"/>
+          </p:cNvSpPr>
+          <p:nvPr>
+            <p:ph type="sldImg"/>
+          </p:nvPr>
+        </p:nvSpPr>
+        <p:spPr/>
+      </p:sp>
+      <p:sp>
+        <p:nvSpPr>
+          <p:cNvPr id="3" name="Notizenplatzhalter 2"/>
+          <p:cNvSpPr>
+            <a:spLocks noGrp="1"/>
+          </p:cNvSpPr>
+          <p:nvPr>
+            <p:ph type="body" idx="1"/>
+          </p:nvPr>
+        </p:nvSpPr>
+        <p:spPr/>
+        <p:txBody>
+          <a:bodyPr/>
+          <a:lstStyle/>
+          <a:p>
+            <a:r>
+              <a:rPr lang="de-CH" dirty="0" smtClean="0"/>
+              <a:t>An ARM</a:t>
+            </a:r>
+            <a:r>
+              <a:rPr lang="de-CH" baseline="0" dirty="0" smtClean="0"/>
+              <a:t> CPU </a:t>
+            </a:r>
+            <a:r>
+              <a:rPr lang="de-CH" baseline="0" dirty="0" err="1" smtClean="0"/>
+              <a:t>has</a:t>
+            </a:r>
+            <a:r>
+              <a:rPr lang="de-CH" baseline="0" dirty="0" smtClean="0"/>
+              <a:t> </a:t>
+            </a:r>
+            <a:r>
+              <a:rPr lang="de-CH" baseline="0" dirty="0" err="1" smtClean="0"/>
+              <a:t>several</a:t>
+            </a:r>
+            <a:r>
+              <a:rPr lang="de-CH" baseline="0" dirty="0" smtClean="0"/>
+              <a:t> </a:t>
+            </a:r>
+            <a:r>
+              <a:rPr lang="de-CH" baseline="0" dirty="0" err="1" smtClean="0"/>
+              <a:t>registers</a:t>
+            </a:r>
+            <a:r>
+              <a:rPr lang="de-CH" baseline="0" dirty="0" smtClean="0"/>
+              <a:t>. </a:t>
+            </a:r>
+            <a:r>
+              <a:rPr lang="de-CH" baseline="0" dirty="0" err="1" smtClean="0"/>
+              <a:t>We</a:t>
+            </a:r>
+            <a:r>
+              <a:rPr lang="de-CH" baseline="0" dirty="0" smtClean="0"/>
+              <a:t> </a:t>
+            </a:r>
+            <a:r>
+              <a:rPr lang="de-CH" baseline="0" dirty="0" err="1" smtClean="0"/>
+              <a:t>can</a:t>
+            </a:r>
+            <a:r>
+              <a:rPr lang="de-CH" baseline="0" dirty="0" smtClean="0"/>
+              <a:t> check </a:t>
+            </a:r>
+            <a:r>
+              <a:rPr lang="de-CH" baseline="0" dirty="0" err="1" smtClean="0"/>
+              <a:t>and</a:t>
+            </a:r>
+            <a:r>
+              <a:rPr lang="de-CH" baseline="0" dirty="0" smtClean="0"/>
+              <a:t> </a:t>
+            </a:r>
+            <a:r>
+              <a:rPr lang="de-CH" baseline="0" dirty="0" err="1" smtClean="0"/>
+              <a:t>change</a:t>
+            </a:r>
+            <a:r>
+              <a:rPr lang="de-CH" baseline="0" dirty="0" smtClean="0"/>
+              <a:t> </a:t>
+            </a:r>
+            <a:r>
+              <a:rPr lang="de-CH" baseline="0" dirty="0" err="1" smtClean="0"/>
+              <a:t>the</a:t>
+            </a:r>
+            <a:r>
+              <a:rPr lang="de-CH" baseline="0" dirty="0" smtClean="0"/>
+              <a:t> </a:t>
+            </a:r>
+            <a:r>
+              <a:rPr lang="de-CH" baseline="0" dirty="0" err="1" smtClean="0"/>
+              <a:t>values</a:t>
+            </a:r>
+            <a:r>
+              <a:rPr lang="de-CH" baseline="0" dirty="0" smtClean="0"/>
+              <a:t> in </a:t>
+            </a:r>
+            <a:r>
+              <a:rPr lang="de-CH" baseline="0" dirty="0" err="1" smtClean="0"/>
+              <a:t>those</a:t>
+            </a:r>
+            <a:r>
+              <a:rPr lang="de-CH" baseline="0" dirty="0" smtClean="0"/>
+              <a:t>  </a:t>
+            </a:r>
+            <a:r>
+              <a:rPr lang="de-CH" baseline="0" dirty="0" err="1" smtClean="0"/>
+              <a:t>registers</a:t>
+            </a:r>
+            <a:r>
+              <a:rPr lang="de-CH" baseline="0" dirty="0" smtClean="0"/>
+              <a:t> </a:t>
+            </a:r>
+            <a:r>
+              <a:rPr lang="de-CH" baseline="0" dirty="0" err="1" smtClean="0"/>
+              <a:t>while</a:t>
+            </a:r>
+            <a:r>
+              <a:rPr lang="de-CH" baseline="0" dirty="0" smtClean="0"/>
+              <a:t> </a:t>
+            </a:r>
+            <a:r>
+              <a:rPr lang="de-CH" baseline="0" dirty="0" err="1" smtClean="0"/>
+              <a:t>we</a:t>
+            </a:r>
+            <a:r>
+              <a:rPr lang="de-CH" baseline="0" dirty="0" smtClean="0"/>
+              <a:t> </a:t>
+            </a:r>
+            <a:r>
+              <a:rPr lang="de-CH" baseline="0" dirty="0" err="1" smtClean="0"/>
+              <a:t>are</a:t>
+            </a:r>
+            <a:r>
+              <a:rPr lang="de-CH" baseline="0" dirty="0" smtClean="0"/>
+              <a:t> </a:t>
+            </a:r>
+            <a:r>
+              <a:rPr lang="de-CH" baseline="0" dirty="0" err="1" smtClean="0"/>
+              <a:t>debugging</a:t>
+            </a:r>
+            <a:r>
+              <a:rPr lang="de-CH" baseline="0" dirty="0" smtClean="0"/>
+              <a:t>.. </a:t>
+            </a:r>
+            <a:r>
+              <a:rPr lang="de-CH" baseline="0" dirty="0" err="1" smtClean="0"/>
+              <a:t>Which</a:t>
+            </a:r>
+            <a:r>
+              <a:rPr lang="de-CH" baseline="0" dirty="0" smtClean="0"/>
+              <a:t> </a:t>
+            </a:r>
+            <a:r>
+              <a:rPr lang="de-CH" baseline="0" dirty="0" err="1" smtClean="0"/>
+              <a:t>can</a:t>
+            </a:r>
+            <a:r>
+              <a:rPr lang="de-CH" baseline="0" dirty="0" smtClean="0"/>
+              <a:t> </a:t>
+            </a:r>
+            <a:r>
+              <a:rPr lang="de-CH" baseline="0" dirty="0" err="1" smtClean="0"/>
+              <a:t>make</a:t>
+            </a:r>
+            <a:r>
+              <a:rPr lang="de-CH" baseline="0" dirty="0" smtClean="0"/>
+              <a:t> </a:t>
+            </a:r>
+            <a:r>
+              <a:rPr lang="de-CH" baseline="0" dirty="0" err="1" smtClean="0"/>
+              <a:t>it</a:t>
+            </a:r>
+            <a:r>
+              <a:rPr lang="de-CH" baseline="0" dirty="0" smtClean="0"/>
+              <a:t> </a:t>
+            </a:r>
+            <a:r>
+              <a:rPr lang="de-CH" baseline="0" dirty="0" err="1" smtClean="0"/>
+              <a:t>easier</a:t>
+            </a:r>
+            <a:r>
+              <a:rPr lang="de-CH" baseline="0" dirty="0" smtClean="0"/>
+              <a:t> </a:t>
+            </a:r>
+            <a:r>
+              <a:rPr lang="de-CH" baseline="0" dirty="0" err="1" smtClean="0"/>
+              <a:t>to</a:t>
+            </a:r>
+            <a:r>
+              <a:rPr lang="de-CH" baseline="0" dirty="0" smtClean="0"/>
+              <a:t> find </a:t>
+            </a:r>
+            <a:r>
+              <a:rPr lang="de-CH" baseline="0" dirty="0" err="1" smtClean="0"/>
+              <a:t>bugs</a:t>
+            </a:r>
+            <a:r>
+              <a:rPr lang="de-CH" baseline="0" dirty="0" smtClean="0"/>
+              <a:t> </a:t>
+            </a:r>
+            <a:r>
+              <a:rPr lang="de-CH" baseline="0" dirty="0" err="1" smtClean="0"/>
+              <a:t>and</a:t>
+            </a:r>
+            <a:r>
+              <a:rPr lang="de-CH" baseline="0" dirty="0" smtClean="0"/>
+              <a:t> </a:t>
+            </a:r>
+            <a:r>
+              <a:rPr lang="de-CH" baseline="0" dirty="0" err="1" smtClean="0"/>
+              <a:t>helps</a:t>
+            </a:r>
+            <a:r>
+              <a:rPr lang="de-CH" baseline="0" dirty="0" smtClean="0"/>
+              <a:t> </a:t>
+            </a:r>
+            <a:r>
+              <a:rPr lang="de-CH" baseline="0" dirty="0" err="1" smtClean="0"/>
+              <a:t>us</a:t>
+            </a:r>
+            <a:r>
+              <a:rPr lang="de-CH" baseline="0" dirty="0" smtClean="0"/>
+              <a:t> </a:t>
+            </a:r>
+            <a:r>
+              <a:rPr lang="de-CH" baseline="0" dirty="0" err="1" smtClean="0"/>
+              <a:t>to</a:t>
+            </a:r>
+            <a:r>
+              <a:rPr lang="de-CH" baseline="0" dirty="0" smtClean="0"/>
+              <a:t> unterstand, </a:t>
+            </a:r>
+            <a:r>
+              <a:rPr lang="de-CH" baseline="0" dirty="0" err="1" smtClean="0"/>
+              <a:t>what</a:t>
+            </a:r>
+            <a:r>
+              <a:rPr lang="de-CH" baseline="0" dirty="0" smtClean="0"/>
+              <a:t> </a:t>
+            </a:r>
+            <a:r>
+              <a:rPr lang="de-CH" baseline="0" dirty="0" err="1" smtClean="0"/>
+              <a:t>the</a:t>
+            </a:r>
+            <a:r>
+              <a:rPr lang="de-CH" baseline="0" dirty="0" smtClean="0"/>
+              <a:t> </a:t>
+            </a:r>
+            <a:r>
+              <a:rPr lang="de-CH" baseline="0" dirty="0" err="1" smtClean="0"/>
+              <a:t>microcontroller</a:t>
+            </a:r>
+            <a:r>
+              <a:rPr lang="de-CH" baseline="0" dirty="0" smtClean="0"/>
+              <a:t> </a:t>
+            </a:r>
+            <a:r>
+              <a:rPr lang="de-CH" baseline="0" dirty="0" err="1" smtClean="0"/>
+              <a:t>does</a:t>
+            </a:r>
+            <a:r>
+              <a:rPr lang="de-CH" baseline="0" dirty="0" smtClean="0"/>
+              <a:t> in </a:t>
+            </a:r>
+            <a:r>
+              <a:rPr lang="de-CH" baseline="0" dirty="0" err="1" smtClean="0"/>
+              <a:t>the</a:t>
+            </a:r>
+            <a:r>
+              <a:rPr lang="de-CH" baseline="0" dirty="0" smtClean="0"/>
+              <a:t> </a:t>
+            </a:r>
+            <a:r>
+              <a:rPr lang="de-CH" baseline="0" dirty="0" err="1" smtClean="0"/>
+              <a:t>background</a:t>
+            </a:r>
+            <a:r>
+              <a:rPr lang="de-CH" baseline="0" dirty="0" smtClean="0"/>
+              <a:t>.</a:t>
+            </a:r>
+          </a:p>
+          <a:p>
+            <a:r>
+              <a:rPr lang="de-CH" baseline="0" dirty="0" smtClean="0"/>
+              <a:t>The </a:t>
+            </a:r>
+            <a:r>
+              <a:rPr lang="de-CH" baseline="0" dirty="0" err="1" smtClean="0"/>
+              <a:t>general</a:t>
+            </a:r>
+            <a:r>
+              <a:rPr lang="de-CH" baseline="0" dirty="0" smtClean="0"/>
+              <a:t> </a:t>
+            </a:r>
+            <a:r>
+              <a:rPr lang="de-CH" baseline="0" dirty="0" err="1" smtClean="0"/>
+              <a:t>purpose</a:t>
+            </a:r>
+            <a:r>
+              <a:rPr lang="de-CH" baseline="0" dirty="0" smtClean="0"/>
+              <a:t> </a:t>
+            </a:r>
+            <a:r>
+              <a:rPr lang="de-CH" baseline="0" dirty="0" err="1" smtClean="0"/>
+              <a:t>registers</a:t>
+            </a:r>
+            <a:r>
+              <a:rPr lang="de-CH" baseline="0" dirty="0" smtClean="0"/>
+              <a:t> R0 </a:t>
+            </a:r>
+            <a:r>
+              <a:rPr lang="de-CH" baseline="0" dirty="0" err="1" smtClean="0"/>
+              <a:t>to</a:t>
+            </a:r>
+            <a:r>
+              <a:rPr lang="de-CH" baseline="0" dirty="0" smtClean="0"/>
+              <a:t> R12 </a:t>
+            </a:r>
+            <a:r>
+              <a:rPr lang="de-CH" baseline="0" dirty="0" err="1" smtClean="0"/>
+              <a:t>are</a:t>
+            </a:r>
+            <a:r>
+              <a:rPr lang="de-CH" baseline="0" dirty="0" smtClean="0"/>
+              <a:t> </a:t>
+            </a:r>
+            <a:r>
+              <a:rPr lang="de-CH" baseline="0" dirty="0" err="1" smtClean="0"/>
+              <a:t>working</a:t>
+            </a:r>
+            <a:r>
+              <a:rPr lang="de-CH" baseline="0" dirty="0" smtClean="0"/>
+              <a:t> </a:t>
+            </a:r>
+            <a:r>
+              <a:rPr lang="de-CH" baseline="0" dirty="0" err="1" smtClean="0"/>
+              <a:t>registers</a:t>
+            </a:r>
+            <a:r>
+              <a:rPr lang="de-CH" baseline="0" dirty="0" smtClean="0"/>
+              <a:t>, </a:t>
+            </a:r>
+            <a:r>
+              <a:rPr lang="de-CH" baseline="0" dirty="0" err="1" smtClean="0"/>
+              <a:t>which</a:t>
+            </a:r>
+            <a:r>
+              <a:rPr lang="de-CH" baseline="0" dirty="0" smtClean="0"/>
+              <a:t> </a:t>
+            </a:r>
+            <a:r>
+              <a:rPr lang="de-CH" baseline="0" dirty="0" err="1" smtClean="0"/>
+              <a:t>are</a:t>
+            </a:r>
+            <a:r>
+              <a:rPr lang="de-CH" baseline="0" dirty="0" smtClean="0"/>
+              <a:t> </a:t>
+            </a:r>
+            <a:r>
+              <a:rPr lang="de-CH" baseline="0" dirty="0" err="1" smtClean="0"/>
+              <a:t>used</a:t>
+            </a:r>
+            <a:r>
+              <a:rPr lang="de-CH" baseline="0" dirty="0" smtClean="0"/>
+              <a:t> </a:t>
+            </a:r>
+            <a:r>
+              <a:rPr lang="de-CH" baseline="0" dirty="0" err="1" smtClean="0"/>
+              <a:t>to</a:t>
+            </a:r>
+            <a:r>
+              <a:rPr lang="de-CH" baseline="0" dirty="0" smtClean="0"/>
+              <a:t> </a:t>
+            </a:r>
+            <a:r>
+              <a:rPr lang="de-CH" baseline="0" dirty="0" err="1" smtClean="0"/>
+              <a:t>store</a:t>
+            </a:r>
+            <a:r>
+              <a:rPr lang="de-CH" baseline="0" dirty="0" smtClean="0"/>
+              <a:t> variables </a:t>
+            </a:r>
+            <a:r>
+              <a:rPr lang="de-CH" baseline="0" dirty="0" err="1" smtClean="0"/>
+              <a:t>during</a:t>
+            </a:r>
+            <a:r>
+              <a:rPr lang="de-CH" baseline="0" dirty="0" smtClean="0"/>
+              <a:t>  </a:t>
+            </a:r>
+            <a:r>
+              <a:rPr lang="de-CH" baseline="0" dirty="0" err="1" smtClean="0"/>
+              <a:t>operations</a:t>
+            </a:r>
+            <a:r>
+              <a:rPr lang="de-CH" baseline="0" dirty="0" smtClean="0"/>
+              <a:t>. </a:t>
+            </a:r>
+          </a:p>
+          <a:p>
+            <a:r>
+              <a:rPr lang="de-CH" baseline="0" dirty="0" smtClean="0"/>
+              <a:t>Stack Pointer</a:t>
+            </a:r>
+          </a:p>
+          <a:p>
+            <a:r>
+              <a:rPr lang="de-CH" baseline="0" dirty="0" smtClean="0"/>
+              <a:t>Link Register: </a:t>
+            </a:r>
+            <a:r>
+              <a:rPr lang="de-CH" baseline="0" dirty="0" err="1" smtClean="0"/>
+              <a:t>stores</a:t>
+            </a:r>
+            <a:r>
+              <a:rPr lang="de-CH" baseline="0" dirty="0" smtClean="0"/>
+              <a:t> </a:t>
+            </a:r>
+            <a:r>
+              <a:rPr lang="de-CH" baseline="0" dirty="0" err="1" smtClean="0"/>
+              <a:t>the</a:t>
+            </a:r>
+            <a:r>
+              <a:rPr lang="de-CH" baseline="0" dirty="0" smtClean="0"/>
+              <a:t> </a:t>
+            </a:r>
+            <a:r>
+              <a:rPr lang="de-CH" baseline="0" dirty="0" err="1" smtClean="0"/>
+              <a:t>return-addres</a:t>
+            </a:r>
+            <a:r>
+              <a:rPr lang="de-CH" baseline="0" dirty="0" smtClean="0"/>
+              <a:t> </a:t>
+            </a:r>
+            <a:r>
+              <a:rPr lang="de-CH" baseline="0" dirty="0" err="1" smtClean="0"/>
+              <a:t>to</a:t>
+            </a:r>
+            <a:r>
+              <a:rPr lang="de-CH" baseline="0" dirty="0" smtClean="0"/>
+              <a:t> jump back </a:t>
+            </a:r>
+            <a:r>
+              <a:rPr lang="de-CH" baseline="0" dirty="0" err="1" smtClean="0"/>
+              <a:t>to</a:t>
+            </a:r>
+            <a:r>
+              <a:rPr lang="de-CH" baseline="0" dirty="0" smtClean="0"/>
+              <a:t> </a:t>
+            </a:r>
+            <a:r>
+              <a:rPr lang="de-CH" baseline="0" dirty="0" err="1" smtClean="0"/>
+              <a:t>the</a:t>
+            </a:r>
+            <a:r>
+              <a:rPr lang="de-CH" baseline="0" dirty="0" smtClean="0"/>
+              <a:t> </a:t>
+            </a:r>
+            <a:r>
+              <a:rPr lang="de-CH" baseline="0" dirty="0" err="1" smtClean="0"/>
+              <a:t>code</a:t>
+            </a:r>
+            <a:r>
+              <a:rPr lang="de-CH" baseline="0" dirty="0" smtClean="0"/>
+              <a:t> after a </a:t>
+            </a:r>
+            <a:r>
+              <a:rPr lang="de-CH" baseline="0" dirty="0" err="1" smtClean="0"/>
+              <a:t>interrupt</a:t>
+            </a:r>
+            <a:endParaRPr lang="de-CH" baseline="0" dirty="0" smtClean="0"/>
+          </a:p>
+          <a:p>
+            <a:r>
+              <a:rPr lang="de-CH" baseline="0" dirty="0" err="1" smtClean="0"/>
+              <a:t>Processor</a:t>
+            </a:r>
+            <a:r>
+              <a:rPr lang="de-CH" baseline="0" dirty="0" smtClean="0"/>
+              <a:t> Status Register</a:t>
+            </a:r>
+          </a:p>
+          <a:p>
+            <a:r>
+              <a:rPr lang="de-CH" baseline="0" dirty="0" smtClean="0"/>
+              <a:t>PRIMASK </a:t>
+            </a:r>
+            <a:r>
+              <a:rPr lang="de-CH" baseline="0" dirty="0" err="1" smtClean="0"/>
+              <a:t>and</a:t>
+            </a:r>
+            <a:r>
+              <a:rPr lang="de-CH" baseline="0" smtClean="0"/>
+              <a:t> BASEPRI</a:t>
+            </a:r>
+            <a:endParaRPr lang="de-CH" dirty="0"/>
+          </a:p>
+        </p:txBody>
+      </p:sp>
+      <p:sp>
+        <p:nvSpPr>
+          <p:cNvPr id="4" name="Foliennummernplatzhalter 3"/>
+          <p:cNvSpPr>
+            <a:spLocks noGrp="1"/>
+          </p:cNvSpPr>
+          <p:nvPr>
+            <p:ph type="sldNum" sz="quarter" idx="10"/>
+          </p:nvPr>
+        </p:nvSpPr>
+        <p:spPr/>
+        <p:txBody>
+          <a:bodyPr/>
+          <a:lstStyle/>
+          <a:p>
+            <a:fld id="{06061460-6DF5-4DB0-8608-E117533E69A1}" type="slidenum">
+              <a:rPr lang="de-CH" smtClean="0"/>
+              <a:t>5</a:t>
+            </a:fld>
+            <a:endParaRPr lang="de-CH"/>
+          </a:p>
+        </p:txBody>
+      </p:sp>
+    </p:spTree>
+    <p:extLst>
+      <p:ext uri="{BB962C8B-B14F-4D97-AF65-F5344CB8AC3E}">
+        <p14:creationId xmlns:p14="http://schemas.microsoft.com/office/powerpoint/2010/main" val="2272057451"/>
+      </p:ext>
+    </p:extLst>
+  </p:cSld>
+  <p:clrMapOvr>
+    <a:masterClrMapping/>
+  </p:clrMapOvr>
+</p:notes>
 </file>
 
 <file path=ppt/slideLayouts/slideLayout1.xml><?xml version="1.0" encoding="utf-8"?>
@@ -610,7 +2211,7 @@
   </p:clrMapOvr>
   <p:extLst mod="1">
     <p:ext uri="{DCECCB84-F9BA-43D5-87BE-67443E8EF086}">
-      <p15:sldGuideLst xmlns:p15="http://schemas.microsoft.com/office/powerpoint/2012/main" xmlns="">
+      <p15:sldGuideLst xmlns="" xmlns:p15="http://schemas.microsoft.com/office/powerpoint/2012/main">
         <p15:guide id="1" orient="horz" pos="792">
           <p15:clr>
             <a:srgbClr val="FBAE40"/>
@@ -1220,7 +2821,7 @@
   </p:clrMapOvr>
   <p:extLst mod="1">
     <p:ext uri="{DCECCB84-F9BA-43D5-87BE-67443E8EF086}">
-      <p15:sldGuideLst xmlns:p15="http://schemas.microsoft.com/office/powerpoint/2012/main" xmlns="">
+      <p15:sldGuideLst xmlns="" xmlns:p15="http://schemas.microsoft.com/office/powerpoint/2012/main">
         <p15:guide id="1" pos="6456">
           <p15:clr>
             <a:srgbClr val="FBAE40"/>
@@ -1951,7 +3552,7 @@
   </p:clrMapOvr>
   <p:extLst mod="1">
     <p:ext uri="{DCECCB84-F9BA-43D5-87BE-67443E8EF086}">
-      <p15:sldGuideLst xmlns:p15="http://schemas.microsoft.com/office/powerpoint/2012/main" xmlns="">
+      <p15:sldGuideLst xmlns="" xmlns:p15="http://schemas.microsoft.com/office/powerpoint/2012/main">
         <p15:guide id="1" pos="6456">
           <p15:clr>
             <a:srgbClr val="FBAE40"/>
@@ -4144,7 +5745,7 @@
   </p:txStyles>
   <p:extLst mod="1">
     <p:ext uri="{27BBF7A9-308A-43DC-89C8-2F10F3537804}">
-      <p15:sldGuideLst xmlns:p15="http://schemas.microsoft.com/office/powerpoint/2012/main" xmlns="">
+      <p15:sldGuideLst xmlns="" xmlns:p15="http://schemas.microsoft.com/office/powerpoint/2012/main">
         <p15:guide id="1" pos="2832">
           <p15:clr>
             <a:srgbClr val="F26B43"/>
@@ -4905,7 +6506,7 @@
           </p:nvPr>
         </p:nvPicPr>
         <p:blipFill>
-          <a:blip r:embed="rId2">
+          <a:blip r:embed="rId3">
             <a:extLst>
               <a:ext uri="{28A0092B-C50C-407E-A947-70E740481C1C}">
                 <a14:useLocalDpi xmlns:a14="http://schemas.microsoft.com/office/drawing/2010/main" val="0"/>
@@ -5083,7 +6684,7 @@
           </p:nvPr>
         </p:nvPicPr>
         <p:blipFill>
-          <a:blip r:embed="rId2">
+          <a:blip r:embed="rId3">
             <a:extLst>
               <a:ext uri="{28A0092B-C50C-407E-A947-70E740481C1C}">
                 <a14:useLocalDpi xmlns:a14="http://schemas.microsoft.com/office/drawing/2010/main" val="0"/>
@@ -5101,6 +6702,99 @@
           </a:xfrm>
         </p:spPr>
       </p:pic>
+      <p:sp>
+        <p:nvSpPr>
+          <p:cNvPr id="3" name="Textfeld 2"/>
+          <p:cNvSpPr txBox="1"/>
+          <p:nvPr/>
+        </p:nvSpPr>
+        <p:spPr>
+          <a:xfrm>
+            <a:off x="1181686" y="2335237"/>
+            <a:ext cx="4881489" cy="1754326"/>
+          </a:xfrm>
+          <a:prstGeom prst="rect">
+            <a:avLst/>
+          </a:prstGeom>
+          <a:noFill/>
+        </p:spPr>
+        <p:txBody>
+          <a:bodyPr wrap="square" rtlCol="0">
+            <a:spAutoFit/>
+          </a:bodyPr>
+          <a:lstStyle/>
+          <a:p>
+            <a:pPr marL="285750" indent="-285750">
+              <a:buFont typeface="Arial" panose="020B0604020202020204" pitchFamily="34" charset="0"/>
+              <a:buChar char="•"/>
+            </a:pPr>
+            <a:r>
+              <a:rPr lang="de-CH" dirty="0" smtClean="0"/>
+              <a:t>General </a:t>
+            </a:r>
+            <a:r>
+              <a:rPr lang="de-CH" dirty="0" err="1" smtClean="0"/>
+              <a:t>Purpose</a:t>
+            </a:r>
+            <a:r>
+              <a:rPr lang="de-CH" dirty="0" smtClean="0"/>
+              <a:t> Register (GPR)</a:t>
+            </a:r>
+          </a:p>
+          <a:p>
+            <a:pPr marL="285750" indent="-285750">
+              <a:buFont typeface="Arial" panose="020B0604020202020204" pitchFamily="34" charset="0"/>
+              <a:buChar char="•"/>
+            </a:pPr>
+            <a:r>
+              <a:rPr lang="de-CH" dirty="0" smtClean="0"/>
+              <a:t>Stack Pointer</a:t>
+            </a:r>
+          </a:p>
+          <a:p>
+            <a:pPr marL="285750" indent="-285750">
+              <a:buFont typeface="Arial" panose="020B0604020202020204" pitchFamily="34" charset="0"/>
+              <a:buChar char="•"/>
+            </a:pPr>
+            <a:r>
+              <a:rPr lang="de-CH" dirty="0" smtClean="0"/>
+              <a:t>Link Register</a:t>
+            </a:r>
+          </a:p>
+          <a:p>
+            <a:pPr marL="285750" indent="-285750">
+              <a:buFont typeface="Arial" panose="020B0604020202020204" pitchFamily="34" charset="0"/>
+              <a:buChar char="•"/>
+            </a:pPr>
+            <a:r>
+              <a:rPr lang="de-CH" dirty="0" err="1" smtClean="0"/>
+              <a:t>Program</a:t>
+            </a:r>
+            <a:r>
+              <a:rPr lang="de-CH" dirty="0" smtClean="0"/>
+              <a:t> Counter</a:t>
+            </a:r>
+          </a:p>
+          <a:p>
+            <a:pPr marL="285750" indent="-285750">
+              <a:buFont typeface="Arial" panose="020B0604020202020204" pitchFamily="34" charset="0"/>
+              <a:buChar char="•"/>
+            </a:pPr>
+            <a:r>
+              <a:rPr lang="de-CH" dirty="0" err="1" smtClean="0"/>
+              <a:t>Processor</a:t>
+            </a:r>
+            <a:r>
+              <a:rPr lang="de-CH" dirty="0" smtClean="0"/>
+              <a:t> Status Register</a:t>
+            </a:r>
+          </a:p>
+          <a:p>
+            <a:pPr lvl="1"/>
+            <a:endParaRPr lang="de-CH" dirty="0"/>
+          </a:p>
+        </p:txBody>
+      </p:sp>
     </p:spTree>
     <p:extLst>
       <p:ext uri="{BB962C8B-B14F-4D97-AF65-F5344CB8AC3E}">
@@ -5760,8 +7454,293 @@
   <a:extraClrSchemeLst/>
   <a:extLst>
     <a:ext uri="{05A4C25C-085E-4340-85A3-A5531E510DB2}">
-      <thm15:themeFamily xmlns:thm15="http://schemas.microsoft.com/office/thememl/2012/main" xmlns="" name="Headlines" id="{3841520A-25F2-4EB8-BE4C-611DB5ABEED9}" vid="{ECD25A4C-D97E-4C12-84B1-63580BFFAEEB}"/>
+      <thm15:themeFamily xmlns="" xmlns:thm15="http://schemas.microsoft.com/office/thememl/2012/main" name="Headlines" id="{3841520A-25F2-4EB8-BE4C-611DB5ABEED9}" vid="{ECD25A4C-D97E-4C12-84B1-63580BFFAEEB}"/>
     </a:ext>
   </a:extLst>
 </a:theme>
+</file>
+
+<file path=ppt/theme/theme2.xml><?xml version="1.0" encoding="utf-8"?>
+<a:theme xmlns:a="http://schemas.openxmlformats.org/drawingml/2006/main" name="Larissa">
+  <a:themeElements>
+    <a:clrScheme name="Larissa">
+      <a:dk1>
+        <a:sysClr val="windowText" lastClr="000000"/>
+      </a:dk1>
+      <a:lt1>
+        <a:sysClr val="window" lastClr="FFFFFF"/>
+      </a:lt1>
+      <a:dk2>
+        <a:srgbClr val="1F497D"/>
+      </a:dk2>
+      <a:lt2>
+        <a:srgbClr val="EEECE1"/>
+      </a:lt2>
+      <a:accent1>
+        <a:srgbClr val="4F81BD"/>
+      </a:accent1>
+      <a:accent2>
+        <a:srgbClr val="C0504D"/>
+      </a:accent2>
+      <a:accent3>
+        <a:srgbClr val="9BBB59"/>
+      </a:accent3>
+      <a:accent4>
+        <a:srgbClr val="8064A2"/>
+      </a:accent4>
+      <a:accent5>
+        <a:srgbClr val="4BACC6"/>
+      </a:accent5>
+      <a:accent6>
+        <a:srgbClr val="F79646"/>
+      </a:accent6>
+      <a:hlink>
+        <a:srgbClr val="0000FF"/>
+      </a:hlink>
+      <a:folHlink>
+        <a:srgbClr val="800080"/>
+      </a:folHlink>
+    </a:clrScheme>
+    <a:fontScheme name="Larissa">
+      <a:majorFont>
+        <a:latin typeface="Calibri"/>
+        <a:ea typeface=""/>
+        <a:cs typeface=""/>
+        <a:font script="Jpan" typeface="ＭＳ Ｐゴシック"/>
+        <a:font script="Hang" typeface="맑은 고딕"/>
+        <a:font script="Hans" typeface="宋体"/>
+        <a:font script="Hant" typeface="新細明體"/>
+        <a:font script="Arab" typeface="Times New Roman"/>
+        <a:font script="Hebr" typeface="Times New Roman"/>
+        <a:font script="Thai" typeface="Angsana New"/>
+        <a:font script="Ethi" typeface="Nyala"/>
+        <a:font script="Beng" typeface="Vrinda"/>
+        <a:font script="Gujr" typeface="Shruti"/>
+        <a:font script="Khmr" typeface="MoolBoran"/>
+        <a:font script="Knda" typeface="Tunga"/>
+        <a:font script="Guru" typeface="Raavi"/>
+        <a:font script="Cans" typeface="Euphemia"/>
+        <a:font script="Cher" typeface="Plantagenet Cherokee"/>
+        <a:font script="Yiii" typeface="Microsoft Yi Baiti"/>
+        <a:font script="Tibt" typeface="Microsoft Himalaya"/>
+        <a:font script="Thaa" typeface="MV Boli"/>
+        <a:font script="Deva" typeface="Mangal"/>
+        <a:font script="Telu" typeface="Gautami"/>
+        <a:font script="Taml" typeface="Latha"/>
+        <a:font script="Syrc" typeface="Estrangelo Edessa"/>
+        <a:font script="Orya" typeface="Kalinga"/>
+        <a:font script="Mlym" typeface="Kartika"/>
+        <a:font script="Laoo" typeface="DokChampa"/>
+        <a:font script="Sinh" typeface="Iskoola Pota"/>
+        <a:font script="Mong" typeface="Mongolian Baiti"/>
+        <a:font script="Viet" typeface="Times New Roman"/>
+        <a:font script="Uigh" typeface="Microsoft Uighur"/>
+        <a:font script="Geor" typeface="Sylfaen"/>
+      </a:majorFont>
+      <a:minorFont>
+        <a:latin typeface="Calibri"/>
+        <a:ea typeface=""/>
+        <a:cs typeface=""/>
+        <a:font script="Jpan" typeface="ＭＳ Ｐゴシック"/>
+        <a:font script="Hang" typeface="맑은 고딕"/>
+        <a:font script="Hans" typeface="宋体"/>
+        <a:font script="Hant" typeface="新細明體"/>
+        <a:font script="Arab" typeface="Arial"/>
+        <a:font script="Hebr" typeface="Arial"/>
+        <a:font script="Thai" typeface="Cordia New"/>
+        <a:font script="Ethi" typeface="Nyala"/>
+        <a:font script="Beng" typeface="Vrinda"/>
+        <a:font script="Gujr" typeface="Shruti"/>
+        <a:font script="Khmr" typeface="DaunPenh"/>
+        <a:font script="Knda" typeface="Tunga"/>
+        <a:font script="Guru" typeface="Raavi"/>
+        <a:font script="Cans" typeface="Euphemia"/>
+        <a:font script="Cher" typeface="Plantagenet Cherokee"/>
+        <a:font script="Yiii" typeface="Microsoft Yi Baiti"/>
+        <a:font script="Tibt" typeface="Microsoft Himalaya"/>
+        <a:font script="Thaa" typeface="MV Boli"/>
+        <a:font script="Deva" typeface="Mangal"/>
+        <a:font script="Telu" typeface="Gautami"/>
+        <a:font script="Taml" typeface="Latha"/>
+        <a:font script="Syrc" typeface="Estrangelo Edessa"/>
+        <a:font script="Orya" typeface="Kalinga"/>
+        <a:font script="Mlym" typeface="Kartika"/>
+        <a:font script="Laoo" typeface="DokChampa"/>
+        <a:font script="Sinh" typeface="Iskoola Pota"/>
+        <a:font script="Mong" typeface="Mongolian Baiti"/>
+        <a:font script="Viet" typeface="Arial"/>
+        <a:font script="Uigh" typeface="Microsoft Uighur"/>
+        <a:font script="Geor" typeface="Sylfaen"/>
+      </a:minorFont>
+    </a:fontScheme>
+    <a:fmtScheme name="Larissa">
+      <a:fillStyleLst>
+        <a:solidFill>
+          <a:schemeClr val="phClr"/>
+        </a:solidFill>
+        <a:gradFill rotWithShape="1">
+          <a:gsLst>
+            <a:gs pos="0">
+              <a:schemeClr val="phClr">
+                <a:tint val="50000"/>
+                <a:satMod val="300000"/>
+              </a:schemeClr>
+            </a:gs>
+            <a:gs pos="35000">
+              <a:schemeClr val="phClr">
+                <a:tint val="37000"/>
+                <a:satMod val="300000"/>
+              </a:schemeClr>
+            </a:gs>
+            <a:gs pos="100000">
+              <a:schemeClr val="phClr">
+                <a:tint val="15000"/>
+                <a:satMod val="350000"/>
+              </a:schemeClr>
+            </a:gs>
+          </a:gsLst>
+          <a:lin ang="16200000" scaled="1"/>
+        </a:gradFill>
+        <a:gradFill rotWithShape="1">
+          <a:gsLst>
+            <a:gs pos="0">
+              <a:schemeClr val="phClr">
+                <a:shade val="51000"/>
+                <a:satMod val="130000"/>
+              </a:schemeClr>
+            </a:gs>
+            <a:gs pos="80000">
+              <a:schemeClr val="phClr">
+                <a:shade val="93000"/>
+                <a:satMod val="130000"/>
+              </a:schemeClr>
+            </a:gs>
+            <a:gs pos="100000">
+              <a:schemeClr val="phClr">
+                <a:shade val="94000"/>
+                <a:satMod val="135000"/>
+              </a:schemeClr>
+            </a:gs>
+          </a:gsLst>
+          <a:lin ang="16200000" scaled="0"/>
+        </a:gradFill>
+      </a:fillStyleLst>
+      <a:lnStyleLst>
+        <a:ln w="9525" cap="flat" cmpd="sng" algn="ctr">
+          <a:solidFill>
+            <a:schemeClr val="phClr">
+              <a:shade val="95000"/>
+              <a:satMod val="105000"/>
+            </a:schemeClr>
+          </a:solidFill>
+          <a:prstDash val="solid"/>
+        </a:ln>
+        <a:ln w="25400" cap="flat" cmpd="sng" algn="ctr">
+          <a:solidFill>
+            <a:schemeClr val="phClr"/>
+          </a:solidFill>
+          <a:prstDash val="solid"/>
+        </a:ln>
+        <a:ln w="38100" cap="flat" cmpd="sng" algn="ctr">
+          <a:solidFill>
+            <a:schemeClr val="phClr"/>
+          </a:solidFill>
+          <a:prstDash val="solid"/>
+        </a:ln>
+      </a:lnStyleLst>
+      <a:effectStyleLst>
+        <a:effectStyle>
+          <a:effectLst>
+            <a:outerShdw blurRad="40000" dist="20000" dir="5400000" rotWithShape="0">
+              <a:srgbClr val="000000">
+                <a:alpha val="38000"/>
+              </a:srgbClr>
+            </a:outerShdw>
+          </a:effectLst>
+        </a:effectStyle>
+        <a:effectStyle>
+          <a:effectLst>
+            <a:outerShdw blurRad="40000" dist="23000" dir="5400000" rotWithShape="0">
+              <a:srgbClr val="000000">
+                <a:alpha val="35000"/>
+              </a:srgbClr>
+            </a:outerShdw>
+          </a:effectLst>
+        </a:effectStyle>
+        <a:effectStyle>
+          <a:effectLst>
+            <a:outerShdw blurRad="40000" dist="23000" dir="5400000" rotWithShape="0">
+              <a:srgbClr val="000000">
+                <a:alpha val="35000"/>
+              </a:srgbClr>
+            </a:outerShdw>
+          </a:effectLst>
+          <a:scene3d>
+            <a:camera prst="orthographicFront">
+              <a:rot lat="0" lon="0" rev="0"/>
+            </a:camera>
+            <a:lightRig rig="threePt" dir="t">
+              <a:rot lat="0" lon="0" rev="1200000"/>
+            </a:lightRig>
+          </a:scene3d>
+          <a:sp3d>
+            <a:bevelT w="63500" h="25400"/>
+          </a:sp3d>
+        </a:effectStyle>
+      </a:effectStyleLst>
+      <a:bgFillStyleLst>
+        <a:solidFill>
+          <a:schemeClr val="phClr"/>
+        </a:solidFill>
+        <a:gradFill rotWithShape="1">
+          <a:gsLst>
+            <a:gs pos="0">
+              <a:schemeClr val="phClr">
+                <a:tint val="40000"/>
+                <a:satMod val="350000"/>
+              </a:schemeClr>
+            </a:gs>
+            <a:gs pos="40000">
+              <a:schemeClr val="phClr">
+                <a:tint val="45000"/>
+                <a:shade val="99000"/>
+                <a:satMod val="350000"/>
+              </a:schemeClr>
+            </a:gs>
+            <a:gs pos="100000">
+              <a:schemeClr val="phClr">
+                <a:shade val="20000"/>
+                <a:satMod val="255000"/>
+              </a:schemeClr>
+            </a:gs>
+          </a:gsLst>
+          <a:path path="circle">
+            <a:fillToRect l="50000" t="-80000" r="50000" b="180000"/>
+          </a:path>
+        </a:gradFill>
+        <a:gradFill rotWithShape="1">
+          <a:gsLst>
+            <a:gs pos="0">
+              <a:schemeClr val="phClr">
+                <a:tint val="80000"/>
+                <a:satMod val="300000"/>
+              </a:schemeClr>
+            </a:gs>
+            <a:gs pos="100000">
+              <a:schemeClr val="phClr">
+                <a:shade val="30000"/>
+                <a:satMod val="200000"/>
+              </a:schemeClr>
+            </a:gs>
+          </a:gsLst>
+          <a:path path="circle">
+            <a:fillToRect l="50000" t="50000" r="50000" b="50000"/>
+          </a:path>
+        </a:gradFill>
+      </a:bgFillStyleLst>
+    </a:fmtScheme>
+  </a:themeElements>
+  <a:objectDefaults/>
+  <a:extraClrSchemeLst/>
+</a:theme>
 </file>
--- a/PräsentationIntro.pptx
+++ b/PräsentationIntro.pptx
@@ -504,7 +504,7 @@
             <a:fld id="{3C633830-2244-49AE-BC4A-47F415C177C6}" type="datetimeFigureOut">
               <a:rPr lang="en-US" dirty="0"/>
               <a:pPr/>
-              <a:t>3/13/16</a:t>
+              <a:t>3/14/16</a:t>
             </a:fld>
             <a:endParaRPr lang="en-US" dirty="0"/>
           </a:p>
@@ -747,7 +747,7 @@
           <a:p>
             <a:fld id="{3C633830-2244-49AE-BC4A-47F415C177C6}" type="datetimeFigureOut">
               <a:rPr lang="en-US" dirty="0"/>
-              <a:t>3/13/16</a:t>
+              <a:t>3/14/16</a:t>
             </a:fld>
             <a:endParaRPr lang="en-US" dirty="0"/>
           </a:p>
@@ -1128,7 +1128,7 @@
           <a:p>
             <a:fld id="{3C633830-2244-49AE-BC4A-47F415C177C6}" type="datetimeFigureOut">
               <a:rPr lang="en-US" dirty="0"/>
-              <a:t>3/13/16</a:t>
+              <a:t>3/14/16</a:t>
             </a:fld>
             <a:endParaRPr lang="en-US" dirty="0"/>
           </a:p>
@@ -1352,7 +1352,7 @@
           <a:p>
             <a:fld id="{3C633830-2244-49AE-BC4A-47F415C177C6}" type="datetimeFigureOut">
               <a:rPr lang="en-US" dirty="0"/>
-              <a:t>3/13/16</a:t>
+              <a:t>3/14/16</a:t>
             </a:fld>
             <a:endParaRPr lang="en-US" dirty="0"/>
           </a:p>
@@ -1839,7 +1839,7 @@
             <a:fld id="{3C633830-2244-49AE-BC4A-47F415C177C6}" type="datetimeFigureOut">
               <a:rPr lang="en-US" dirty="0"/>
               <a:pPr/>
-              <a:t>3/13/16</a:t>
+              <a:t>3/14/16</a:t>
             </a:fld>
             <a:endParaRPr lang="en-US" dirty="0"/>
           </a:p>
@@ -2145,7 +2145,7 @@
           <a:p>
             <a:fld id="{3C633830-2244-49AE-BC4A-47F415C177C6}" type="datetimeFigureOut">
               <a:rPr lang="en-US" dirty="0"/>
-              <a:t>3/13/16</a:t>
+              <a:t>3/14/16</a:t>
             </a:fld>
             <a:endParaRPr lang="en-US" dirty="0"/>
           </a:p>
@@ -2531,7 +2531,7 @@
           <a:p>
             <a:fld id="{3C633830-2244-49AE-BC4A-47F415C177C6}" type="datetimeFigureOut">
               <a:rPr lang="en-US" dirty="0"/>
-              <a:t>3/13/16</a:t>
+              <a:t>3/14/16</a:t>
             </a:fld>
             <a:endParaRPr lang="en-US" dirty="0"/>
           </a:p>
@@ -2644,7 +2644,7 @@
           <a:p>
             <a:fld id="{3C633830-2244-49AE-BC4A-47F415C177C6}" type="datetimeFigureOut">
               <a:rPr lang="en-US" dirty="0"/>
-              <a:t>3/13/16</a:t>
+              <a:t>3/14/16</a:t>
             </a:fld>
             <a:endParaRPr lang="en-US" dirty="0"/>
           </a:p>
@@ -2734,7 +2734,7 @@
           <a:p>
             <a:fld id="{3C633830-2244-49AE-BC4A-47F415C177C6}" type="datetimeFigureOut">
               <a:rPr lang="en-US" dirty="0"/>
-              <a:t>3/13/16</a:t>
+              <a:t>3/14/16</a:t>
             </a:fld>
             <a:endParaRPr lang="en-US" dirty="0"/>
           </a:p>
@@ -3029,7 +3029,7 @@
           <a:p>
             <a:fld id="{3C633830-2244-49AE-BC4A-47F415C177C6}" type="datetimeFigureOut">
               <a:rPr lang="en-US" dirty="0"/>
-              <a:t>3/13/16</a:t>
+              <a:t>3/14/16</a:t>
             </a:fld>
             <a:endParaRPr lang="en-US" dirty="0"/>
           </a:p>
@@ -3289,7 +3289,7 @@
           <a:p>
             <a:fld id="{3C633830-2244-49AE-BC4A-47F415C177C6}" type="datetimeFigureOut">
               <a:rPr lang="en-US" dirty="0"/>
-              <a:t>3/13/16</a:t>
+              <a:t>3/14/16</a:t>
             </a:fld>
             <a:endParaRPr lang="en-US" dirty="0"/>
           </a:p>
@@ -3703,7 +3703,7 @@
             <a:fld id="{3C633830-2244-49AE-BC4A-47F415C177C6}" type="datetimeFigureOut">
               <a:rPr lang="en-US" dirty="0"/>
               <a:pPr/>
-              <a:t>3/13/16</a:t>
+              <a:t>3/14/16</a:t>
             </a:fld>
             <a:endParaRPr lang="en-US" dirty="0"/>
           </a:p>
@@ -4362,6 +4362,13 @@
   <p:clrMapOvr>
     <a:masterClrMapping/>
   </p:clrMapOvr>
+  <p:timing>
+    <p:tnLst>
+      <p:par>
+        <p:cTn id="1" dur="indefinite" restart="never" nodeType="tmRoot"/>
+      </p:par>
+    </p:tnLst>
+  </p:timing>
 </p:sld>
 </file>
 
@@ -4452,6 +4459,13 @@
   <p:clrMapOvr>
     <a:masterClrMapping/>
   </p:clrMapOvr>
+  <p:timing>
+    <p:tnLst>
+      <p:par>
+        <p:cTn id="1" dur="indefinite" restart="never" nodeType="tmRoot"/>
+      </p:par>
+    </p:tnLst>
+  </p:timing>
 </p:sld>
 </file>
 
@@ -4514,10 +4528,103 @@
           <a:bodyPr/>
           <a:lstStyle/>
           <a:p>
-            <a:endParaRPr lang="de-DE"/>
-          </a:p>
-        </p:txBody>
-      </p:sp>
+            <a:r>
+              <a:rPr lang="de-DE" dirty="0" err="1" smtClean="0"/>
+              <a:t>Define</a:t>
+            </a:r>
+            <a:r>
+              <a:rPr lang="de-DE" dirty="0" smtClean="0"/>
+              <a:t> </a:t>
+            </a:r>
+          </a:p>
+          <a:p>
+            <a:endParaRPr lang="de-DE" dirty="0"/>
+          </a:p>
+          <a:p>
+            <a:endParaRPr lang="de-DE" dirty="0" smtClean="0"/>
+          </a:p>
+          <a:p>
+            <a:endParaRPr lang="de-DE" dirty="0"/>
+          </a:p>
+          <a:p>
+            <a:endParaRPr lang="de-DE" dirty="0" smtClean="0"/>
+          </a:p>
+          <a:p>
+            <a:endParaRPr lang="de-DE" dirty="0" smtClean="0"/>
+          </a:p>
+          <a:p>
+            <a:r>
+              <a:rPr lang="de-DE" dirty="0" err="1" smtClean="0"/>
+              <a:t>Enum</a:t>
+            </a:r>
+            <a:r>
+              <a:rPr lang="de-DE" dirty="0" smtClean="0"/>
+              <a:t> </a:t>
+            </a:r>
+            <a:endParaRPr lang="de-DE" dirty="0"/>
+          </a:p>
+        </p:txBody>
+      </p:sp>
+      <p:pic>
+        <p:nvPicPr>
+          <p:cNvPr id="5" name="Bild 4"/>
+          <p:cNvPicPr>
+            <a:picLocks noChangeAspect="1"/>
+          </p:cNvPicPr>
+          <p:nvPr/>
+        </p:nvPicPr>
+        <p:blipFill>
+          <a:blip r:embed="rId2">
+            <a:extLst>
+              <a:ext uri="{28A0092B-C50C-407E-A947-70E740481C1C}">
+                <a14:useLocalDpi xmlns:a14="http://schemas.microsoft.com/office/drawing/2010/main" val="0"/>
+              </a:ext>
+            </a:extLst>
+          </a:blip>
+          <a:stretch>
+            <a:fillRect/>
+          </a:stretch>
+        </p:blipFill>
+        <p:spPr>
+          <a:xfrm>
+            <a:off x="5303519" y="953562"/>
+            <a:ext cx="3291477" cy="2187826"/>
+          </a:xfrm>
+          <a:prstGeom prst="rect">
+            <a:avLst/>
+          </a:prstGeom>
+        </p:spPr>
+      </p:pic>
+      <p:pic>
+        <p:nvPicPr>
+          <p:cNvPr id="6" name="Bild 5"/>
+          <p:cNvPicPr>
+            <a:picLocks noChangeAspect="1"/>
+          </p:cNvPicPr>
+          <p:nvPr/>
+        </p:nvPicPr>
+        <p:blipFill>
+          <a:blip r:embed="rId3">
+            <a:extLst>
+              <a:ext uri="{28A0092B-C50C-407E-A947-70E740481C1C}">
+                <a14:useLocalDpi xmlns:a14="http://schemas.microsoft.com/office/drawing/2010/main" val="0"/>
+              </a:ext>
+            </a:extLst>
+          </a:blip>
+          <a:stretch>
+            <a:fillRect/>
+          </a:stretch>
+        </p:blipFill>
+        <p:spPr>
+          <a:xfrm>
+            <a:off x="5512525" y="3822214"/>
+            <a:ext cx="2664823" cy="2402008"/>
+          </a:xfrm>
+          <a:prstGeom prst="rect">
+            <a:avLst/>
+          </a:prstGeom>
+        </p:spPr>
+      </p:pic>
     </p:spTree>
     <p:extLst>
       <p:ext uri="{BB962C8B-B14F-4D97-AF65-F5344CB8AC3E}">
@@ -4528,6 +4635,13 @@
   <p:clrMapOvr>
     <a:masterClrMapping/>
   </p:clrMapOvr>
+  <p:timing>
+    <p:tnLst>
+      <p:par>
+        <p:cTn id="1" dur="indefinite" restart="never" nodeType="tmRoot"/>
+      </p:par>
+    </p:tnLst>
+  </p:timing>
 </p:sld>
 </file>
 
@@ -4573,7 +4687,7 @@
       </p:sp>
       <p:pic>
         <p:nvPicPr>
-          <p:cNvPr id="4" name="Inhaltsplatzhalter 3"/>
+          <p:cNvPr id="5" name="Inhaltsplatzhalter 4"/>
           <p:cNvPicPr>
             <a:picLocks noGrp="1" noChangeAspect="1"/>
           </p:cNvPicPr>
@@ -4595,8 +4709,8 @@
         </p:blipFill>
         <p:spPr>
           <a:xfrm>
-            <a:off x="6451600" y="1427956"/>
-            <a:ext cx="3708400" cy="3937000"/>
+            <a:off x="5103223" y="925304"/>
+            <a:ext cx="6248400" cy="3566349"/>
           </a:xfrm>
         </p:spPr>
       </p:pic>
@@ -4610,6 +4724,13 @@
   <p:clrMapOvr>
     <a:masterClrMapping/>
   </p:clrMapOvr>
+  <p:timing>
+    <p:tnLst>
+      <p:par>
+        <p:cTn id="1" dur="indefinite" restart="never" nodeType="tmRoot"/>
+      </p:par>
+    </p:tnLst>
+  </p:timing>
 </p:sld>
 </file>
 
@@ -4716,6 +4837,103 @@
               <a:rPr lang="de-DE" dirty="0" smtClean="0"/>
               <a:t>? </a:t>
             </a:r>
+            <a:endParaRPr lang="de-DE" dirty="0" smtClean="0"/>
+          </a:p>
+          <a:p>
+            <a:r>
+              <a:rPr lang="de-DE" dirty="0" err="1" smtClean="0"/>
+              <a:t>Why</a:t>
+            </a:r>
+            <a:r>
+              <a:rPr lang="de-DE" dirty="0" smtClean="0"/>
+              <a:t> </a:t>
+            </a:r>
+            <a:r>
+              <a:rPr lang="de-DE" dirty="0" err="1"/>
+              <a:t>we</a:t>
+            </a:r>
+            <a:r>
+              <a:rPr lang="de-DE" dirty="0"/>
+              <a:t> </a:t>
+            </a:r>
+            <a:r>
+              <a:rPr lang="de-DE" dirty="0" err="1"/>
+              <a:t>have</a:t>
+            </a:r>
+            <a:r>
+              <a:rPr lang="de-DE" dirty="0"/>
+              <a:t> </a:t>
+            </a:r>
+            <a:r>
+              <a:rPr lang="de-DE" dirty="0" err="1"/>
+              <a:t>events</a:t>
+            </a:r>
+            <a:r>
+              <a:rPr lang="de-DE" dirty="0"/>
+              <a:t> </a:t>
+            </a:r>
+            <a:r>
+              <a:rPr lang="de-DE" dirty="0" err="1"/>
+              <a:t>and</a:t>
+            </a:r>
+            <a:r>
+              <a:rPr lang="de-DE" dirty="0"/>
+              <a:t> </a:t>
+            </a:r>
+            <a:r>
+              <a:rPr lang="de-DE" dirty="0" err="1"/>
+              <a:t>processing</a:t>
+            </a:r>
+            <a:r>
+              <a:rPr lang="de-DE" dirty="0"/>
+              <a:t> </a:t>
+            </a:r>
+            <a:r>
+              <a:rPr lang="de-DE" dirty="0" smtClean="0"/>
+              <a:t>separate?</a:t>
+            </a:r>
+          </a:p>
+          <a:p>
+            <a:r>
+              <a:rPr lang="de-DE" dirty="0" err="1" smtClean="0"/>
+              <a:t>Which</a:t>
+            </a:r>
+            <a:r>
+              <a:rPr lang="de-DE" dirty="0" smtClean="0"/>
+              <a:t> </a:t>
+            </a:r>
+            <a:r>
+              <a:rPr lang="de-DE" dirty="0" err="1" smtClean="0"/>
+              <a:t>memory</a:t>
+            </a:r>
+            <a:r>
+              <a:rPr lang="de-DE" dirty="0" smtClean="0"/>
+              <a:t> </a:t>
+            </a:r>
+            <a:r>
+              <a:rPr lang="de-DE" dirty="0" err="1" smtClean="0"/>
+              <a:t>types</a:t>
+            </a:r>
+            <a:r>
+              <a:rPr lang="de-DE" dirty="0" smtClean="0"/>
+              <a:t> </a:t>
+            </a:r>
+            <a:r>
+              <a:rPr lang="de-DE" dirty="0" err="1" smtClean="0"/>
+              <a:t>we</a:t>
+            </a:r>
+            <a:r>
+              <a:rPr lang="de-DE" dirty="0" smtClean="0"/>
+              <a:t> </a:t>
+            </a:r>
+            <a:r>
+              <a:rPr lang="de-DE" dirty="0" err="1" smtClean="0"/>
+              <a:t>have</a:t>
+            </a:r>
+            <a:r>
+              <a:rPr lang="de-DE" dirty="0" smtClean="0"/>
+              <a:t>?</a:t>
+            </a:r>
             <a:endParaRPr lang="de-DE" dirty="0"/>
           </a:p>
         </p:txBody>
@@ -4730,6 +4948,13 @@
   <p:clrMapOvr>
     <a:masterClrMapping/>
   </p:clrMapOvr>
+  <p:timing>
+    <p:tnLst>
+      <p:par>
+        <p:cTn id="1" dur="indefinite" restart="never" nodeType="tmRoot"/>
+      </p:par>
+    </p:tnLst>
+  </p:timing>
 </p:sld>
 </file>
 
@@ -5665,6 +5890,13 @@
   <p:clrMapOvr>
     <a:masterClrMapping/>
   </p:clrMapOvr>
+  <p:timing>
+    <p:tnLst>
+      <p:par>
+        <p:cTn id="1" dur="indefinite" restart="never" nodeType="tmRoot"/>
+      </p:par>
+    </p:tnLst>
+  </p:timing>
 </p:sld>
 </file>
 

--- a/PräsentationIntro.pptx
+++ b/PräsentationIntro.pptx
@@ -4679,7 +4679,15 @@
           <a:p>
             <a:r>
               <a:rPr lang="de-DE" dirty="0" smtClean="0"/>
-              <a:t>Event handle</a:t>
+              <a:t>Event </a:t>
+            </a:r>
+            <a:r>
+              <a:rPr lang="de-DE" dirty="0" err="1" smtClean="0"/>
+              <a:t>handling</a:t>
+            </a:r>
+            <a:r>
+              <a:rPr lang="de-DE" dirty="0" smtClean="0"/>
+              <a:t> </a:t>
             </a:r>
             <a:endParaRPr lang="de-DE" dirty="0"/>
           </a:p>

--- a/PräsentationIntro.pptx
+++ b/PräsentationIntro.pptx
@@ -4,15 +4,18 @@
   <p:sldMasterIdLst>
     <p:sldMasterId id="2147483648" r:id="rId1"/>
   </p:sldMasterIdLst>
+  <p:notesMasterIdLst>
+    <p:notesMasterId r:id="rId16"/>
+  </p:notesMasterIdLst>
   <p:sldIdLst>
     <p:sldId id="256" r:id="rId2"/>
-    <p:sldId id="257" r:id="rId3"/>
-    <p:sldId id="264" r:id="rId4"/>
-    <p:sldId id="265" r:id="rId5"/>
-    <p:sldId id="266" r:id="rId6"/>
-    <p:sldId id="267" r:id="rId7"/>
-    <p:sldId id="268" r:id="rId8"/>
-    <p:sldId id="269" r:id="rId9"/>
+    <p:sldId id="264" r:id="rId3"/>
+    <p:sldId id="265" r:id="rId4"/>
+    <p:sldId id="266" r:id="rId5"/>
+    <p:sldId id="267" r:id="rId6"/>
+    <p:sldId id="268" r:id="rId7"/>
+    <p:sldId id="269" r:id="rId8"/>
+    <p:sldId id="270" r:id="rId9"/>
     <p:sldId id="258" r:id="rId10"/>
     <p:sldId id="263" r:id="rId11"/>
     <p:sldId id="260" r:id="rId12"/>
@@ -134,6 +137,1996 @@
     </p:ext>
   </p:extLst>
 </p:presentation>
+</file>
+
+<file path=ppt/notesMasters/notesMaster1.xml><?xml version="1.0" encoding="utf-8"?>
+<p:notesMaster xmlns:a="http://schemas.openxmlformats.org/drawingml/2006/main" xmlns:r="http://schemas.openxmlformats.org/officeDocument/2006/relationships" xmlns:p="http://schemas.openxmlformats.org/presentationml/2006/main">
+  <p:cSld>
+    <p:bg>
+      <p:bgRef idx="1001">
+        <a:schemeClr val="bg1"/>
+      </p:bgRef>
+    </p:bg>
+    <p:spTree>
+      <p:nvGrpSpPr>
+        <p:cNvPr id="1" name=""/>
+        <p:cNvGrpSpPr/>
+        <p:nvPr/>
+      </p:nvGrpSpPr>
+      <p:grpSpPr>
+        <a:xfrm>
+          <a:off x="0" y="0"/>
+          <a:ext cx="0" cy="0"/>
+          <a:chOff x="0" y="0"/>
+          <a:chExt cx="0" cy="0"/>
+        </a:xfrm>
+      </p:grpSpPr>
+      <p:sp>
+        <p:nvSpPr>
+          <p:cNvPr id="2" name="Kopfzeilenplatzhalter 1"/>
+          <p:cNvSpPr>
+            <a:spLocks noGrp="1"/>
+          </p:cNvSpPr>
+          <p:nvPr>
+            <p:ph type="hdr" sz="quarter"/>
+          </p:nvPr>
+        </p:nvSpPr>
+        <p:spPr>
+          <a:xfrm>
+            <a:off x="0" y="0"/>
+            <a:ext cx="2971800" cy="458788"/>
+          </a:xfrm>
+          <a:prstGeom prst="rect">
+            <a:avLst/>
+          </a:prstGeom>
+        </p:spPr>
+        <p:txBody>
+          <a:bodyPr vert="horz" lIns="91440" tIns="45720" rIns="91440" bIns="45720" rtlCol="0"/>
+          <a:lstStyle>
+            <a:lvl1pPr algn="l">
+              <a:defRPr sz="1200"/>
+            </a:lvl1pPr>
+          </a:lstStyle>
+          <a:p>
+            <a:endParaRPr lang="de-DE"/>
+          </a:p>
+        </p:txBody>
+      </p:sp>
+      <p:sp>
+        <p:nvSpPr>
+          <p:cNvPr id="3" name="Datumsplatzhalter 2"/>
+          <p:cNvSpPr>
+            <a:spLocks noGrp="1"/>
+          </p:cNvSpPr>
+          <p:nvPr>
+            <p:ph type="dt" idx="1"/>
+          </p:nvPr>
+        </p:nvSpPr>
+        <p:spPr>
+          <a:xfrm>
+            <a:off x="3884613" y="0"/>
+            <a:ext cx="2971800" cy="458788"/>
+          </a:xfrm>
+          <a:prstGeom prst="rect">
+            <a:avLst/>
+          </a:prstGeom>
+        </p:spPr>
+        <p:txBody>
+          <a:bodyPr vert="horz" lIns="91440" tIns="45720" rIns="91440" bIns="45720" rtlCol="0"/>
+          <a:lstStyle>
+            <a:lvl1pPr algn="r">
+              <a:defRPr sz="1200"/>
+            </a:lvl1pPr>
+          </a:lstStyle>
+          <a:p>
+            <a:fld id="{B91AADCF-3B70-A845-A0FA-CA56FD2F1E40}" type="datetimeFigureOut">
+              <a:rPr lang="de-DE" smtClean="0"/>
+              <a:t>14.03.16</a:t>
+            </a:fld>
+            <a:endParaRPr lang="de-DE"/>
+          </a:p>
+        </p:txBody>
+      </p:sp>
+      <p:sp>
+        <p:nvSpPr>
+          <p:cNvPr id="4" name="Folienbildplatzhalter 3"/>
+          <p:cNvSpPr>
+            <a:spLocks noGrp="1" noRot="1" noChangeAspect="1"/>
+          </p:cNvSpPr>
+          <p:nvPr>
+            <p:ph type="sldImg" idx="2"/>
+          </p:nvPr>
+        </p:nvSpPr>
+        <p:spPr>
+          <a:xfrm>
+            <a:off x="685800" y="1143000"/>
+            <a:ext cx="5486400" cy="3086100"/>
+          </a:xfrm>
+          <a:prstGeom prst="rect">
+            <a:avLst/>
+          </a:prstGeom>
+          <a:noFill/>
+          <a:ln w="12700">
+            <a:solidFill>
+              <a:prstClr val="black"/>
+            </a:solidFill>
+          </a:ln>
+        </p:spPr>
+        <p:txBody>
+          <a:bodyPr vert="horz" lIns="91440" tIns="45720" rIns="91440" bIns="45720" rtlCol="0" anchor="ctr"/>
+          <a:lstStyle/>
+          <a:p>
+            <a:endParaRPr lang="de-DE"/>
+          </a:p>
+        </p:txBody>
+      </p:sp>
+      <p:sp>
+        <p:nvSpPr>
+          <p:cNvPr id="5" name="Notizenplatzhalter 4"/>
+          <p:cNvSpPr>
+            <a:spLocks noGrp="1"/>
+          </p:cNvSpPr>
+          <p:nvPr>
+            <p:ph type="body" sz="quarter" idx="3"/>
+          </p:nvPr>
+        </p:nvSpPr>
+        <p:spPr>
+          <a:xfrm>
+            <a:off x="685800" y="4400550"/>
+            <a:ext cx="5486400" cy="3600450"/>
+          </a:xfrm>
+          <a:prstGeom prst="rect">
+            <a:avLst/>
+          </a:prstGeom>
+        </p:spPr>
+        <p:txBody>
+          <a:bodyPr vert="horz" lIns="91440" tIns="45720" rIns="91440" bIns="45720" rtlCol="0"/>
+          <a:lstStyle/>
+          <a:p>
+            <a:pPr lvl="0"/>
+            <a:r>
+              <a:rPr lang="de-CH" smtClean="0"/>
+              <a:t>Mastertextformat bearbeiten</a:t>
+            </a:r>
+          </a:p>
+          <a:p>
+            <a:pPr lvl="1"/>
+            <a:r>
+              <a:rPr lang="de-CH" smtClean="0"/>
+              <a:t>Zweite Ebene</a:t>
+            </a:r>
+          </a:p>
+          <a:p>
+            <a:pPr lvl="2"/>
+            <a:r>
+              <a:rPr lang="de-CH" smtClean="0"/>
+              <a:t>Dritte Ebene</a:t>
+            </a:r>
+          </a:p>
+          <a:p>
+            <a:pPr lvl="3"/>
+            <a:r>
+              <a:rPr lang="de-CH" smtClean="0"/>
+              <a:t>Vierte Ebene</a:t>
+            </a:r>
+          </a:p>
+          <a:p>
+            <a:pPr lvl="4"/>
+            <a:r>
+              <a:rPr lang="de-CH" smtClean="0"/>
+              <a:t>Fünfte Ebene</a:t>
+            </a:r>
+            <a:endParaRPr lang="de-DE"/>
+          </a:p>
+        </p:txBody>
+      </p:sp>
+      <p:sp>
+        <p:nvSpPr>
+          <p:cNvPr id="6" name="Fußzeilenplatzhalter 5"/>
+          <p:cNvSpPr>
+            <a:spLocks noGrp="1"/>
+          </p:cNvSpPr>
+          <p:nvPr>
+            <p:ph type="ftr" sz="quarter" idx="4"/>
+          </p:nvPr>
+        </p:nvSpPr>
+        <p:spPr>
+          <a:xfrm>
+            <a:off x="0" y="8685213"/>
+            <a:ext cx="2971800" cy="458787"/>
+          </a:xfrm>
+          <a:prstGeom prst="rect">
+            <a:avLst/>
+          </a:prstGeom>
+        </p:spPr>
+        <p:txBody>
+          <a:bodyPr vert="horz" lIns="91440" tIns="45720" rIns="91440" bIns="45720" rtlCol="0" anchor="b"/>
+          <a:lstStyle>
+            <a:lvl1pPr algn="l">
+              <a:defRPr sz="1200"/>
+            </a:lvl1pPr>
+          </a:lstStyle>
+          <a:p>
+            <a:endParaRPr lang="de-DE"/>
+          </a:p>
+        </p:txBody>
+      </p:sp>
+      <p:sp>
+        <p:nvSpPr>
+          <p:cNvPr id="7" name="Foliennummernplatzhalter 6"/>
+          <p:cNvSpPr>
+            <a:spLocks noGrp="1"/>
+          </p:cNvSpPr>
+          <p:nvPr>
+            <p:ph type="sldNum" sz="quarter" idx="5"/>
+          </p:nvPr>
+        </p:nvSpPr>
+        <p:spPr>
+          <a:xfrm>
+            <a:off x="3884613" y="8685213"/>
+            <a:ext cx="2971800" cy="458787"/>
+          </a:xfrm>
+          <a:prstGeom prst="rect">
+            <a:avLst/>
+          </a:prstGeom>
+        </p:spPr>
+        <p:txBody>
+          <a:bodyPr vert="horz" lIns="91440" tIns="45720" rIns="91440" bIns="45720" rtlCol="0" anchor="b"/>
+          <a:lstStyle>
+            <a:lvl1pPr algn="r">
+              <a:defRPr sz="1200"/>
+            </a:lvl1pPr>
+          </a:lstStyle>
+          <a:p>
+            <a:fld id="{F12D23C9-21EA-7E40-928A-BFC72F0EBD9C}" type="slidenum">
+              <a:rPr lang="de-DE" smtClean="0"/>
+              <a:t>‹Nr.›</a:t>
+            </a:fld>
+            <a:endParaRPr lang="de-DE"/>
+          </a:p>
+        </p:txBody>
+      </p:sp>
+    </p:spTree>
+    <p:extLst>
+      <p:ext uri="{BB962C8B-B14F-4D97-AF65-F5344CB8AC3E}">
+        <p14:creationId xmlns:p14="http://schemas.microsoft.com/office/powerpoint/2010/main" val="1789135022"/>
+      </p:ext>
+    </p:extLst>
+  </p:cSld>
+  <p:clrMap bg1="lt1" tx1="dk1" bg2="lt2" tx2="dk2" accent1="accent1" accent2="accent2" accent3="accent3" accent4="accent4" accent5="accent5" accent6="accent6" hlink="hlink" folHlink="folHlink"/>
+  <p:notesStyle>
+    <a:lvl1pPr marL="0" algn="l" defTabSz="914400" rtl="0" eaLnBrk="1" latinLnBrk="0" hangingPunct="1">
+      <a:defRPr sz="1200" kern="1200">
+        <a:solidFill>
+          <a:schemeClr val="tx1"/>
+        </a:solidFill>
+        <a:latin typeface="+mn-lt"/>
+        <a:ea typeface="+mn-ea"/>
+        <a:cs typeface="+mn-cs"/>
+      </a:defRPr>
+    </a:lvl1pPr>
+    <a:lvl2pPr marL="457200" algn="l" defTabSz="914400" rtl="0" eaLnBrk="1" latinLnBrk="0" hangingPunct="1">
+      <a:defRPr sz="1200" kern="1200">
+        <a:solidFill>
+          <a:schemeClr val="tx1"/>
+        </a:solidFill>
+        <a:latin typeface="+mn-lt"/>
+        <a:ea typeface="+mn-ea"/>
+        <a:cs typeface="+mn-cs"/>
+      </a:defRPr>
+    </a:lvl2pPr>
+    <a:lvl3pPr marL="914400" algn="l" defTabSz="914400" rtl="0" eaLnBrk="1" latinLnBrk="0" hangingPunct="1">
+      <a:defRPr sz="1200" kern="1200">
+        <a:solidFill>
+          <a:schemeClr val="tx1"/>
+        </a:solidFill>
+        <a:latin typeface="+mn-lt"/>
+        <a:ea typeface="+mn-ea"/>
+        <a:cs typeface="+mn-cs"/>
+      </a:defRPr>
+    </a:lvl3pPr>
+    <a:lvl4pPr marL="1371600" algn="l" defTabSz="914400" rtl="0" eaLnBrk="1" latinLnBrk="0" hangingPunct="1">
+      <a:defRPr sz="1200" kern="1200">
+        <a:solidFill>
+          <a:schemeClr val="tx1"/>
+        </a:solidFill>
+        <a:latin typeface="+mn-lt"/>
+        <a:ea typeface="+mn-ea"/>
+        <a:cs typeface="+mn-cs"/>
+      </a:defRPr>
+    </a:lvl4pPr>
+    <a:lvl5pPr marL="1828800" algn="l" defTabSz="914400" rtl="0" eaLnBrk="1" latinLnBrk="0" hangingPunct="1">
+      <a:defRPr sz="1200" kern="1200">
+        <a:solidFill>
+          <a:schemeClr val="tx1"/>
+        </a:solidFill>
+        <a:latin typeface="+mn-lt"/>
+        <a:ea typeface="+mn-ea"/>
+        <a:cs typeface="+mn-cs"/>
+      </a:defRPr>
+    </a:lvl5pPr>
+    <a:lvl6pPr marL="2286000" algn="l" defTabSz="914400" rtl="0" eaLnBrk="1" latinLnBrk="0" hangingPunct="1">
+      <a:defRPr sz="1200" kern="1200">
+        <a:solidFill>
+          <a:schemeClr val="tx1"/>
+        </a:solidFill>
+        <a:latin typeface="+mn-lt"/>
+        <a:ea typeface="+mn-ea"/>
+        <a:cs typeface="+mn-cs"/>
+      </a:defRPr>
+    </a:lvl6pPr>
+    <a:lvl7pPr marL="2743200" algn="l" defTabSz="914400" rtl="0" eaLnBrk="1" latinLnBrk="0" hangingPunct="1">
+      <a:defRPr sz="1200" kern="1200">
+        <a:solidFill>
+          <a:schemeClr val="tx1"/>
+        </a:solidFill>
+        <a:latin typeface="+mn-lt"/>
+        <a:ea typeface="+mn-ea"/>
+        <a:cs typeface="+mn-cs"/>
+      </a:defRPr>
+    </a:lvl7pPr>
+    <a:lvl8pPr marL="3200400" algn="l" defTabSz="914400" rtl="0" eaLnBrk="1" latinLnBrk="0" hangingPunct="1">
+      <a:defRPr sz="1200" kern="1200">
+        <a:solidFill>
+          <a:schemeClr val="tx1"/>
+        </a:solidFill>
+        <a:latin typeface="+mn-lt"/>
+        <a:ea typeface="+mn-ea"/>
+        <a:cs typeface="+mn-cs"/>
+      </a:defRPr>
+    </a:lvl8pPr>
+    <a:lvl9pPr marL="3657600" algn="l" defTabSz="914400" rtl="0" eaLnBrk="1" latinLnBrk="0" hangingPunct="1">
+      <a:defRPr sz="1200" kern="1200">
+        <a:solidFill>
+          <a:schemeClr val="tx1"/>
+        </a:solidFill>
+        <a:latin typeface="+mn-lt"/>
+        <a:ea typeface="+mn-ea"/>
+        <a:cs typeface="+mn-cs"/>
+      </a:defRPr>
+    </a:lvl9pPr>
+  </p:notesStyle>
+</p:notesMaster>
+</file>
+
+<file path=ppt/notesSlides/notesSlide1.xml><?xml version="1.0" encoding="utf-8"?>
+<p:notes xmlns:a="http://schemas.openxmlformats.org/drawingml/2006/main" xmlns:r="http://schemas.openxmlformats.org/officeDocument/2006/relationships" xmlns:p="http://schemas.openxmlformats.org/presentationml/2006/main">
+  <p:cSld>
+    <p:spTree>
+      <p:nvGrpSpPr>
+        <p:cNvPr id="1" name=""/>
+        <p:cNvGrpSpPr/>
+        <p:nvPr/>
+      </p:nvGrpSpPr>
+      <p:grpSpPr>
+        <a:xfrm>
+          <a:off x="0" y="0"/>
+          <a:ext cx="0" cy="0"/>
+          <a:chOff x="0" y="0"/>
+          <a:chExt cx="0" cy="0"/>
+        </a:xfrm>
+      </p:grpSpPr>
+      <p:sp>
+        <p:nvSpPr>
+          <p:cNvPr id="2" name="Folienbildplatzhalter 1"/>
+          <p:cNvSpPr>
+            <a:spLocks noGrp="1" noRot="1" noChangeAspect="1"/>
+          </p:cNvSpPr>
+          <p:nvPr>
+            <p:ph type="sldImg"/>
+          </p:nvPr>
+        </p:nvSpPr>
+        <p:spPr/>
+      </p:sp>
+      <p:sp>
+        <p:nvSpPr>
+          <p:cNvPr id="3" name="Notizenplatzhalter 2"/>
+          <p:cNvSpPr>
+            <a:spLocks noGrp="1"/>
+          </p:cNvSpPr>
+          <p:nvPr>
+            <p:ph type="body" idx="1"/>
+          </p:nvPr>
+        </p:nvSpPr>
+        <p:spPr/>
+        <p:txBody>
+          <a:bodyPr/>
+          <a:lstStyle/>
+          <a:p>
+            <a:r>
+              <a:rPr lang="de-CH" dirty="0" err="1" smtClean="0"/>
+              <a:t>There</a:t>
+            </a:r>
+            <a:r>
+              <a:rPr lang="de-CH" dirty="0" smtClean="0"/>
+              <a:t> </a:t>
+            </a:r>
+            <a:r>
+              <a:rPr lang="de-CH" dirty="0" err="1" smtClean="0"/>
+              <a:t>are</a:t>
+            </a:r>
+            <a:r>
+              <a:rPr lang="de-CH" baseline="0" dirty="0" smtClean="0"/>
+              <a:t> </a:t>
+            </a:r>
+            <a:r>
+              <a:rPr lang="de-CH" baseline="0" dirty="0" err="1" smtClean="0"/>
+              <a:t>several</a:t>
+            </a:r>
+            <a:r>
+              <a:rPr lang="de-CH" baseline="0" dirty="0" smtClean="0"/>
+              <a:t> </a:t>
+            </a:r>
+            <a:r>
+              <a:rPr lang="de-CH" baseline="0" dirty="0" err="1" smtClean="0"/>
+              <a:t>differences</a:t>
+            </a:r>
+            <a:r>
+              <a:rPr lang="de-CH" baseline="0" dirty="0" smtClean="0"/>
+              <a:t> </a:t>
+            </a:r>
+            <a:r>
+              <a:rPr lang="de-CH" baseline="0" dirty="0" err="1" smtClean="0"/>
+              <a:t>between</a:t>
+            </a:r>
+            <a:r>
+              <a:rPr lang="de-CH" baseline="0" dirty="0" smtClean="0"/>
+              <a:t> </a:t>
+            </a:r>
+            <a:r>
+              <a:rPr lang="de-CH" baseline="0" dirty="0" err="1" smtClean="0"/>
+              <a:t>the</a:t>
+            </a:r>
+            <a:r>
+              <a:rPr lang="de-CH" baseline="0" dirty="0" smtClean="0"/>
+              <a:t> </a:t>
+            </a:r>
+            <a:r>
+              <a:rPr lang="de-CH" baseline="0" dirty="0" err="1" smtClean="0"/>
+              <a:t>two</a:t>
+            </a:r>
+            <a:r>
+              <a:rPr lang="de-CH" baseline="0" dirty="0" smtClean="0"/>
+              <a:t> </a:t>
+            </a:r>
+            <a:r>
+              <a:rPr lang="de-CH" baseline="0" dirty="0" err="1" smtClean="0"/>
+              <a:t>processors</a:t>
+            </a:r>
+            <a:r>
+              <a:rPr lang="de-CH" baseline="0" dirty="0" smtClean="0"/>
+              <a:t> </a:t>
+            </a:r>
+            <a:r>
+              <a:rPr lang="de-CH" baseline="0" dirty="0" err="1" smtClean="0"/>
+              <a:t>we</a:t>
+            </a:r>
+            <a:r>
+              <a:rPr lang="de-CH" baseline="0" dirty="0" smtClean="0"/>
+              <a:t> </a:t>
+            </a:r>
+            <a:r>
+              <a:rPr lang="de-CH" baseline="0" dirty="0" err="1" smtClean="0"/>
+              <a:t>are</a:t>
+            </a:r>
+            <a:r>
+              <a:rPr lang="de-CH" baseline="0" dirty="0" smtClean="0"/>
+              <a:t> </a:t>
+            </a:r>
+            <a:r>
+              <a:rPr lang="de-CH" baseline="0" dirty="0" err="1" smtClean="0"/>
+              <a:t>using</a:t>
+            </a:r>
+            <a:r>
+              <a:rPr lang="de-CH" baseline="0" dirty="0" smtClean="0"/>
+              <a:t>. </a:t>
+            </a:r>
+            <a:r>
+              <a:rPr lang="de-CH" baseline="0" dirty="0" err="1" smtClean="0"/>
+              <a:t>Important</a:t>
+            </a:r>
+            <a:r>
+              <a:rPr lang="de-CH" baseline="0" dirty="0" smtClean="0"/>
+              <a:t> </a:t>
+            </a:r>
+            <a:r>
+              <a:rPr lang="de-CH" baseline="0" dirty="0" err="1" smtClean="0"/>
+              <a:t>for</a:t>
+            </a:r>
+            <a:r>
+              <a:rPr lang="de-CH" baseline="0" dirty="0" smtClean="0"/>
+              <a:t> </a:t>
+            </a:r>
+            <a:r>
+              <a:rPr lang="de-CH" baseline="0" dirty="0" err="1" smtClean="0"/>
+              <a:t>us</a:t>
+            </a:r>
+            <a:r>
+              <a:rPr lang="de-CH" baseline="0" dirty="0" smtClean="0"/>
+              <a:t> </a:t>
+            </a:r>
+            <a:r>
+              <a:rPr lang="de-CH" baseline="0" dirty="0" err="1" smtClean="0"/>
+              <a:t>is</a:t>
+            </a:r>
+            <a:r>
+              <a:rPr lang="de-CH" baseline="0" dirty="0" smtClean="0"/>
+              <a:t> </a:t>
+            </a:r>
+            <a:r>
+              <a:rPr lang="de-CH" baseline="0" dirty="0" err="1" smtClean="0"/>
+              <a:t>the</a:t>
+            </a:r>
+            <a:r>
+              <a:rPr lang="de-CH" baseline="0" dirty="0" smtClean="0"/>
+              <a:t> </a:t>
+            </a:r>
+            <a:r>
+              <a:rPr lang="de-CH" baseline="0" dirty="0" err="1" smtClean="0"/>
+              <a:t>hardware</a:t>
+            </a:r>
+            <a:r>
+              <a:rPr lang="de-CH" baseline="0" dirty="0" smtClean="0"/>
+              <a:t> </a:t>
+            </a:r>
+            <a:r>
+              <a:rPr lang="de-CH" baseline="0" dirty="0" err="1" smtClean="0"/>
+              <a:t>multiply</a:t>
+            </a:r>
+            <a:r>
+              <a:rPr lang="de-CH" baseline="0" dirty="0" smtClean="0"/>
+              <a:t>, </a:t>
+            </a:r>
+            <a:r>
+              <a:rPr lang="de-CH" baseline="0" dirty="0" err="1" smtClean="0"/>
+              <a:t>which</a:t>
+            </a:r>
+            <a:r>
+              <a:rPr lang="de-CH" baseline="0" dirty="0" smtClean="0"/>
+              <a:t> </a:t>
+            </a:r>
+            <a:r>
+              <a:rPr lang="de-CH" baseline="0" dirty="0" err="1" smtClean="0"/>
+              <a:t>needs</a:t>
+            </a:r>
+            <a:r>
+              <a:rPr lang="de-CH" baseline="0" dirty="0" smtClean="0"/>
+              <a:t> </a:t>
+            </a:r>
+            <a:r>
+              <a:rPr lang="de-CH" baseline="0" dirty="0" err="1" smtClean="0"/>
+              <a:t>more</a:t>
+            </a:r>
+            <a:r>
+              <a:rPr lang="de-CH" baseline="0" dirty="0" smtClean="0"/>
+              <a:t> </a:t>
+            </a:r>
+            <a:r>
+              <a:rPr lang="de-CH" baseline="0" dirty="0" err="1" smtClean="0"/>
+              <a:t>cycles</a:t>
+            </a:r>
+            <a:r>
+              <a:rPr lang="de-CH" baseline="0" dirty="0" smtClean="0"/>
+              <a:t> on </a:t>
+            </a:r>
+            <a:r>
+              <a:rPr lang="de-CH" baseline="0" dirty="0" err="1" smtClean="0"/>
+              <a:t>the</a:t>
+            </a:r>
+            <a:r>
+              <a:rPr lang="de-CH" baseline="0" dirty="0" smtClean="0"/>
+              <a:t> M0+ </a:t>
+            </a:r>
+            <a:r>
+              <a:rPr lang="de-CH" baseline="0" dirty="0" err="1" smtClean="0"/>
+              <a:t>than</a:t>
+            </a:r>
+            <a:r>
+              <a:rPr lang="de-CH" baseline="0" dirty="0" smtClean="0"/>
+              <a:t> on </a:t>
+            </a:r>
+            <a:r>
+              <a:rPr lang="de-CH" baseline="0" dirty="0" err="1" smtClean="0"/>
+              <a:t>the</a:t>
+            </a:r>
+            <a:r>
+              <a:rPr lang="de-CH" baseline="0" dirty="0" smtClean="0"/>
+              <a:t>  M4. </a:t>
+            </a:r>
+            <a:r>
+              <a:rPr lang="de-CH" baseline="0" dirty="0" err="1" smtClean="0"/>
+              <a:t>Then</a:t>
+            </a:r>
+            <a:r>
+              <a:rPr lang="de-CH" baseline="0" dirty="0" smtClean="0"/>
+              <a:t> </a:t>
+            </a:r>
+            <a:r>
+              <a:rPr lang="de-CH" baseline="0" dirty="0" err="1" smtClean="0"/>
+              <a:t>the</a:t>
+            </a:r>
+            <a:r>
+              <a:rPr lang="de-CH" baseline="0" dirty="0" smtClean="0"/>
+              <a:t> M0 </a:t>
+            </a:r>
+            <a:r>
+              <a:rPr lang="de-CH" baseline="0" dirty="0" err="1" smtClean="0"/>
+              <a:t>doesnt</a:t>
+            </a:r>
+            <a:r>
+              <a:rPr lang="de-CH" baseline="0" dirty="0" smtClean="0"/>
+              <a:t> </a:t>
+            </a:r>
+            <a:r>
+              <a:rPr lang="de-CH" baseline="0" dirty="0" err="1" smtClean="0"/>
+              <a:t>have</a:t>
+            </a:r>
+            <a:r>
+              <a:rPr lang="de-CH" baseline="0" dirty="0" smtClean="0"/>
+              <a:t> a </a:t>
+            </a:r>
+            <a:r>
+              <a:rPr lang="de-CH" baseline="0" dirty="0" err="1" smtClean="0"/>
+              <a:t>hardware</a:t>
+            </a:r>
+            <a:r>
+              <a:rPr lang="de-CH" baseline="0" dirty="0" smtClean="0"/>
+              <a:t> </a:t>
+            </a:r>
+            <a:r>
+              <a:rPr lang="de-CH" baseline="0" dirty="0" err="1" smtClean="0"/>
+              <a:t>divider</a:t>
+            </a:r>
+            <a:r>
+              <a:rPr lang="de-CH" baseline="0" dirty="0" smtClean="0"/>
+              <a:t>, </a:t>
+            </a:r>
+            <a:r>
+              <a:rPr lang="de-CH" baseline="0" dirty="0" err="1" smtClean="0"/>
+              <a:t>which</a:t>
+            </a:r>
+            <a:r>
+              <a:rPr lang="de-CH" baseline="0" dirty="0" smtClean="0"/>
+              <a:t> </a:t>
+            </a:r>
+            <a:r>
+              <a:rPr lang="de-CH" baseline="0" dirty="0" err="1" smtClean="0"/>
+              <a:t>makes</a:t>
+            </a:r>
+            <a:r>
+              <a:rPr lang="de-CH" baseline="0" dirty="0" smtClean="0"/>
+              <a:t> </a:t>
+            </a:r>
+            <a:r>
+              <a:rPr lang="de-CH" baseline="0" dirty="0" err="1" smtClean="0"/>
+              <a:t>the</a:t>
+            </a:r>
+            <a:r>
+              <a:rPr lang="de-CH" baseline="0" dirty="0" smtClean="0"/>
+              <a:t> </a:t>
+            </a:r>
+            <a:r>
+              <a:rPr lang="de-CH" baseline="0" dirty="0" err="1" smtClean="0"/>
+              <a:t>processor</a:t>
+            </a:r>
+            <a:r>
+              <a:rPr lang="de-CH" baseline="0" dirty="0" smtClean="0"/>
+              <a:t> </a:t>
+            </a:r>
+            <a:r>
+              <a:rPr lang="de-CH" baseline="0" dirty="0" err="1" smtClean="0"/>
+              <a:t>cheaper</a:t>
+            </a:r>
+            <a:r>
+              <a:rPr lang="de-CH" baseline="0" dirty="0" smtClean="0"/>
+              <a:t> </a:t>
+            </a:r>
+            <a:r>
+              <a:rPr lang="de-CH" baseline="0" dirty="0" err="1" smtClean="0"/>
+              <a:t>than</a:t>
+            </a:r>
+            <a:r>
+              <a:rPr lang="de-CH" baseline="0" dirty="0" smtClean="0"/>
+              <a:t> </a:t>
+            </a:r>
+            <a:r>
+              <a:rPr lang="de-CH" baseline="0" dirty="0" err="1" smtClean="0"/>
+              <a:t>the</a:t>
+            </a:r>
+            <a:r>
+              <a:rPr lang="de-CH" baseline="0" dirty="0" smtClean="0"/>
+              <a:t> M4</a:t>
+            </a:r>
+          </a:p>
+          <a:p>
+            <a:endParaRPr lang="de-CH" baseline="0" dirty="0" smtClean="0"/>
+          </a:p>
+          <a:p>
+            <a:r>
+              <a:rPr lang="de-CH" baseline="0" dirty="0" smtClean="0"/>
+              <a:t>As </a:t>
+            </a:r>
+            <a:r>
+              <a:rPr lang="de-CH" baseline="0" dirty="0" err="1" smtClean="0"/>
+              <a:t>you</a:t>
+            </a:r>
+            <a:r>
+              <a:rPr lang="de-CH" baseline="0" dirty="0" smtClean="0"/>
+              <a:t> </a:t>
+            </a:r>
+            <a:r>
+              <a:rPr lang="de-CH" baseline="0" dirty="0" err="1" smtClean="0"/>
+              <a:t>can</a:t>
+            </a:r>
+            <a:r>
+              <a:rPr lang="de-CH" baseline="0" dirty="0" smtClean="0"/>
+              <a:t> </a:t>
+            </a:r>
+            <a:r>
+              <a:rPr lang="de-CH" baseline="0" dirty="0" err="1" smtClean="0"/>
+              <a:t>see</a:t>
+            </a:r>
+            <a:r>
+              <a:rPr lang="de-CH" baseline="0" dirty="0" smtClean="0"/>
+              <a:t> </a:t>
+            </a:r>
+            <a:r>
+              <a:rPr lang="de-CH" baseline="0" dirty="0" err="1" smtClean="0"/>
+              <a:t>the</a:t>
+            </a:r>
+            <a:r>
+              <a:rPr lang="de-CH" baseline="0" dirty="0" smtClean="0"/>
+              <a:t> M0+ </a:t>
+            </a:r>
+            <a:r>
+              <a:rPr lang="de-CH" baseline="0" dirty="0" err="1" smtClean="0"/>
+              <a:t>is</a:t>
+            </a:r>
+            <a:r>
+              <a:rPr lang="de-CH" baseline="0" dirty="0" smtClean="0"/>
+              <a:t> not </a:t>
+            </a:r>
+            <a:r>
+              <a:rPr lang="de-CH" baseline="0" dirty="0" err="1" smtClean="0"/>
+              <a:t>supporting</a:t>
+            </a:r>
+            <a:r>
+              <a:rPr lang="de-CH" baseline="0" dirty="0" smtClean="0"/>
+              <a:t> </a:t>
+            </a:r>
+            <a:r>
+              <a:rPr lang="de-CH" baseline="0" dirty="0" err="1" smtClean="0"/>
+              <a:t>hardware</a:t>
+            </a:r>
+            <a:r>
+              <a:rPr lang="de-CH" baseline="0" dirty="0" smtClean="0"/>
+              <a:t> </a:t>
+            </a:r>
+            <a:r>
+              <a:rPr lang="de-CH" baseline="0" dirty="0" err="1" smtClean="0"/>
+              <a:t>divied</a:t>
+            </a:r>
+            <a:r>
+              <a:rPr lang="de-CH" baseline="0" dirty="0" smtClean="0"/>
+              <a:t> </a:t>
+            </a:r>
+            <a:r>
+              <a:rPr lang="de-CH" baseline="0" dirty="0" err="1" smtClean="0"/>
+              <a:t>and</a:t>
+            </a:r>
+            <a:r>
+              <a:rPr lang="de-CH" baseline="0" dirty="0" smtClean="0"/>
+              <a:t> </a:t>
+            </a:r>
+            <a:r>
+              <a:rPr lang="de-CH" baseline="0" dirty="0" err="1" smtClean="0"/>
+              <a:t>floating</a:t>
+            </a:r>
+            <a:r>
+              <a:rPr lang="de-CH" baseline="0" dirty="0" smtClean="0"/>
+              <a:t>-point </a:t>
+            </a:r>
+            <a:r>
+              <a:rPr lang="de-CH" baseline="0" dirty="0" err="1" smtClean="0"/>
+              <a:t>arithmetic</a:t>
+            </a:r>
+            <a:r>
+              <a:rPr lang="de-CH" baseline="0" dirty="0" smtClean="0"/>
+              <a:t>. So </a:t>
+            </a:r>
+            <a:r>
+              <a:rPr lang="de-CH" baseline="0" dirty="0" err="1" smtClean="0"/>
+              <a:t>we</a:t>
+            </a:r>
+            <a:r>
+              <a:rPr lang="de-CH" baseline="0" dirty="0" smtClean="0"/>
+              <a:t> </a:t>
+            </a:r>
+            <a:r>
+              <a:rPr lang="de-CH" baseline="0" dirty="0" err="1" smtClean="0"/>
+              <a:t>need</a:t>
+            </a:r>
+            <a:r>
+              <a:rPr lang="de-CH" baseline="0" dirty="0" smtClean="0"/>
+              <a:t> </a:t>
+            </a:r>
+            <a:r>
+              <a:rPr lang="de-CH" baseline="0" dirty="0" err="1" smtClean="0"/>
+              <a:t>to</a:t>
+            </a:r>
+            <a:r>
+              <a:rPr lang="de-CH" baseline="0" dirty="0" smtClean="0"/>
+              <a:t> </a:t>
+            </a:r>
+            <a:r>
+              <a:rPr lang="de-CH" baseline="0" dirty="0" err="1" smtClean="0"/>
+              <a:t>pay</a:t>
+            </a:r>
+            <a:r>
+              <a:rPr lang="de-CH" baseline="0" dirty="0" smtClean="0"/>
+              <a:t> </a:t>
+            </a:r>
+            <a:r>
+              <a:rPr lang="de-CH" baseline="0" dirty="0" err="1" smtClean="0"/>
+              <a:t>attention</a:t>
+            </a:r>
+            <a:r>
+              <a:rPr lang="de-CH" baseline="0" dirty="0" smtClean="0"/>
+              <a:t> </a:t>
+            </a:r>
+            <a:r>
+              <a:rPr lang="de-CH" baseline="0" dirty="0" err="1" smtClean="0"/>
+              <a:t>if</a:t>
+            </a:r>
+            <a:r>
+              <a:rPr lang="de-CH" baseline="0" dirty="0" smtClean="0"/>
+              <a:t> </a:t>
+            </a:r>
+            <a:r>
+              <a:rPr lang="de-CH" baseline="0" dirty="0" err="1" smtClean="0"/>
+              <a:t>we</a:t>
+            </a:r>
+            <a:r>
+              <a:rPr lang="de-CH" baseline="0" dirty="0" smtClean="0"/>
+              <a:t> </a:t>
+            </a:r>
+            <a:r>
+              <a:rPr lang="de-CH" baseline="0" dirty="0" err="1" smtClean="0"/>
+              <a:t>are</a:t>
+            </a:r>
+            <a:r>
+              <a:rPr lang="de-CH" baseline="0" dirty="0" smtClean="0"/>
+              <a:t> </a:t>
+            </a:r>
+            <a:r>
+              <a:rPr lang="de-CH" baseline="0" dirty="0" err="1" smtClean="0"/>
+              <a:t>writing</a:t>
+            </a:r>
+            <a:r>
+              <a:rPr lang="de-CH" baseline="0" dirty="0" smtClean="0"/>
+              <a:t> </a:t>
+            </a:r>
+            <a:r>
+              <a:rPr lang="de-CH" baseline="0" dirty="0" err="1" smtClean="0"/>
+              <a:t>software</a:t>
+            </a:r>
+            <a:r>
+              <a:rPr lang="de-CH" baseline="0" dirty="0" smtClean="0"/>
+              <a:t> on </a:t>
+            </a:r>
+            <a:r>
+              <a:rPr lang="de-CH" baseline="0" dirty="0" err="1" smtClean="0"/>
+              <a:t>those</a:t>
+            </a:r>
+            <a:r>
+              <a:rPr lang="de-CH" baseline="0" dirty="0" smtClean="0"/>
+              <a:t> </a:t>
+            </a:r>
+            <a:r>
+              <a:rPr lang="de-CH" baseline="0" dirty="0" err="1" smtClean="0"/>
+              <a:t>uControllers</a:t>
+            </a:r>
+            <a:r>
+              <a:rPr lang="de-CH" baseline="0" dirty="0" smtClean="0"/>
+              <a:t>. An </a:t>
+            </a:r>
+            <a:r>
+              <a:rPr lang="de-CH" baseline="0" dirty="0" err="1" smtClean="0"/>
+              <a:t>other</a:t>
+            </a:r>
+            <a:r>
+              <a:rPr lang="de-CH" baseline="0" dirty="0" smtClean="0"/>
+              <a:t> </a:t>
+            </a:r>
+            <a:r>
+              <a:rPr lang="de-CH" baseline="0" dirty="0" err="1" smtClean="0"/>
+              <a:t>thing</a:t>
+            </a:r>
+            <a:r>
+              <a:rPr lang="de-CH" baseline="0" dirty="0" smtClean="0"/>
+              <a:t> </a:t>
+            </a:r>
+            <a:r>
+              <a:rPr lang="de-CH" baseline="0" dirty="0" err="1" smtClean="0"/>
+              <a:t>is</a:t>
+            </a:r>
+            <a:r>
+              <a:rPr lang="de-CH" baseline="0" dirty="0" smtClean="0"/>
+              <a:t>, </a:t>
+            </a:r>
+            <a:r>
+              <a:rPr lang="de-CH" baseline="0" dirty="0" err="1" smtClean="0"/>
+              <a:t>that</a:t>
+            </a:r>
+            <a:r>
+              <a:rPr lang="de-CH" baseline="0" dirty="0" smtClean="0"/>
+              <a:t> </a:t>
+            </a:r>
+            <a:r>
+              <a:rPr lang="de-CH" baseline="0" dirty="0" err="1" smtClean="0"/>
+              <a:t>the</a:t>
+            </a:r>
+            <a:r>
+              <a:rPr lang="de-CH" baseline="0" dirty="0" smtClean="0"/>
+              <a:t> M0+ </a:t>
+            </a:r>
+            <a:r>
+              <a:rPr lang="de-CH" baseline="0" dirty="0" err="1" smtClean="0"/>
+              <a:t>needs</a:t>
+            </a:r>
+            <a:r>
+              <a:rPr lang="de-CH" baseline="0" dirty="0" smtClean="0"/>
+              <a:t> </a:t>
+            </a:r>
+            <a:r>
+              <a:rPr lang="de-CH" baseline="0" dirty="0" err="1" smtClean="0"/>
+              <a:t>more</a:t>
+            </a:r>
+            <a:r>
+              <a:rPr lang="de-CH" baseline="0" dirty="0" smtClean="0"/>
+              <a:t> </a:t>
+            </a:r>
+            <a:r>
+              <a:rPr lang="de-CH" baseline="0" dirty="0" err="1" smtClean="0"/>
+              <a:t>cycles</a:t>
+            </a:r>
+            <a:r>
+              <a:rPr lang="de-CH" baseline="0" dirty="0" smtClean="0"/>
+              <a:t> </a:t>
+            </a:r>
+            <a:r>
+              <a:rPr lang="de-CH" baseline="0" dirty="0" err="1" smtClean="0"/>
+              <a:t>for</a:t>
+            </a:r>
+            <a:r>
+              <a:rPr lang="de-CH" baseline="0" dirty="0" smtClean="0"/>
+              <a:t> a </a:t>
+            </a:r>
+            <a:r>
+              <a:rPr lang="de-CH" baseline="0" dirty="0" err="1" smtClean="0"/>
+              <a:t>multiplication</a:t>
+            </a:r>
+            <a:r>
+              <a:rPr lang="de-CH" baseline="0" dirty="0" smtClean="0"/>
+              <a:t>. So </a:t>
+            </a:r>
+            <a:r>
+              <a:rPr lang="de-CH" baseline="0" dirty="0" err="1" smtClean="0"/>
+              <a:t>it</a:t>
+            </a:r>
+            <a:r>
+              <a:rPr lang="de-CH" baseline="0" dirty="0" smtClean="0"/>
+              <a:t> </a:t>
+            </a:r>
+            <a:r>
+              <a:rPr lang="de-CH" baseline="0" dirty="0" err="1" smtClean="0"/>
+              <a:t>takes</a:t>
+            </a:r>
+            <a:r>
+              <a:rPr lang="de-CH" baseline="0" dirty="0" smtClean="0"/>
+              <a:t> </a:t>
+            </a:r>
+            <a:r>
+              <a:rPr lang="de-CH" baseline="0" dirty="0" err="1" smtClean="0"/>
+              <a:t>more</a:t>
+            </a:r>
+            <a:r>
+              <a:rPr lang="de-CH" baseline="0" dirty="0" smtClean="0"/>
+              <a:t> time </a:t>
+            </a:r>
+            <a:r>
+              <a:rPr lang="de-CH" baseline="0" dirty="0" err="1" smtClean="0"/>
+              <a:t>for</a:t>
+            </a:r>
+            <a:r>
+              <a:rPr lang="de-CH" baseline="0" dirty="0" smtClean="0"/>
+              <a:t> a </a:t>
+            </a:r>
+            <a:r>
+              <a:rPr lang="de-CH" baseline="0" dirty="0" err="1" smtClean="0"/>
+              <a:t>multiplication</a:t>
+            </a:r>
+            <a:r>
+              <a:rPr lang="de-CH" baseline="0" dirty="0" smtClean="0"/>
+              <a:t>.</a:t>
+            </a:r>
+          </a:p>
+          <a:p>
+            <a:r>
+              <a:rPr lang="de-CH" baseline="0" dirty="0" smtClean="0"/>
+              <a:t>So </a:t>
+            </a:r>
+            <a:r>
+              <a:rPr lang="de-CH" baseline="0" dirty="0" err="1" smtClean="0"/>
+              <a:t>why</a:t>
+            </a:r>
+            <a:r>
+              <a:rPr lang="de-CH" baseline="0" dirty="0" smtClean="0"/>
+              <a:t> </a:t>
+            </a:r>
+            <a:r>
+              <a:rPr lang="de-CH" baseline="0" dirty="0" err="1" smtClean="0"/>
+              <a:t>sould</a:t>
+            </a:r>
+            <a:r>
+              <a:rPr lang="de-CH" baseline="0" dirty="0" smtClean="0"/>
+              <a:t> </a:t>
+            </a:r>
+            <a:r>
+              <a:rPr lang="de-CH" baseline="0" dirty="0" err="1" smtClean="0"/>
+              <a:t>we</a:t>
+            </a:r>
+            <a:r>
+              <a:rPr lang="de-CH" baseline="0" dirty="0" smtClean="0"/>
+              <a:t> </a:t>
+            </a:r>
+            <a:r>
+              <a:rPr lang="de-CH" baseline="0" dirty="0" err="1" smtClean="0"/>
+              <a:t>use</a:t>
+            </a:r>
+            <a:r>
+              <a:rPr lang="de-CH" baseline="0" dirty="0" smtClean="0"/>
+              <a:t> an M0+ </a:t>
+            </a:r>
+            <a:r>
+              <a:rPr lang="de-CH" baseline="0" dirty="0" err="1" smtClean="0"/>
+              <a:t>instead</a:t>
+            </a:r>
+            <a:r>
+              <a:rPr lang="de-CH" baseline="0" dirty="0" smtClean="0"/>
+              <a:t> </a:t>
+            </a:r>
+            <a:r>
+              <a:rPr lang="de-CH" baseline="0" dirty="0" err="1" smtClean="0"/>
+              <a:t>of</a:t>
+            </a:r>
+            <a:r>
+              <a:rPr lang="de-CH" baseline="0" dirty="0" smtClean="0"/>
+              <a:t> an M4? </a:t>
+            </a:r>
+          </a:p>
+          <a:p>
+            <a:r>
+              <a:rPr lang="de-CH" baseline="0" dirty="0" err="1" smtClean="0"/>
+              <a:t>blablabla</a:t>
+            </a:r>
+            <a:endParaRPr lang="de-CH" baseline="0" dirty="0" smtClean="0"/>
+          </a:p>
+          <a:p>
+            <a:endParaRPr lang="de-CH" dirty="0"/>
+          </a:p>
+        </p:txBody>
+      </p:sp>
+      <p:sp>
+        <p:nvSpPr>
+          <p:cNvPr id="4" name="Foliennummernplatzhalter 3"/>
+          <p:cNvSpPr>
+            <a:spLocks noGrp="1"/>
+          </p:cNvSpPr>
+          <p:nvPr>
+            <p:ph type="sldNum" sz="quarter" idx="10"/>
+          </p:nvPr>
+        </p:nvSpPr>
+        <p:spPr/>
+        <p:txBody>
+          <a:bodyPr/>
+          <a:lstStyle/>
+          <a:p>
+            <a:fld id="{06061460-6DF5-4DB0-8608-E117533E69A1}" type="slidenum">
+              <a:rPr lang="de-CH" smtClean="0"/>
+              <a:t>3</a:t>
+            </a:fld>
+            <a:endParaRPr lang="de-CH"/>
+          </a:p>
+        </p:txBody>
+      </p:sp>
+    </p:spTree>
+    <p:extLst>
+      <p:ext uri="{BB962C8B-B14F-4D97-AF65-F5344CB8AC3E}">
+        <p14:creationId xmlns:p14="http://schemas.microsoft.com/office/powerpoint/2010/main" val="1037997117"/>
+      </p:ext>
+    </p:extLst>
+  </p:cSld>
+  <p:clrMapOvr>
+    <a:masterClrMapping/>
+  </p:clrMapOvr>
+</p:notes>
+</file>
+
+<file path=ppt/notesSlides/notesSlide2.xml><?xml version="1.0" encoding="utf-8"?>
+<p:notes xmlns:a="http://schemas.openxmlformats.org/drawingml/2006/main" xmlns:r="http://schemas.openxmlformats.org/officeDocument/2006/relationships" xmlns:p="http://schemas.openxmlformats.org/presentationml/2006/main">
+  <p:cSld>
+    <p:spTree>
+      <p:nvGrpSpPr>
+        <p:cNvPr id="1" name=""/>
+        <p:cNvGrpSpPr/>
+        <p:nvPr/>
+      </p:nvGrpSpPr>
+      <p:grpSpPr>
+        <a:xfrm>
+          <a:off x="0" y="0"/>
+          <a:ext cx="0" cy="0"/>
+          <a:chOff x="0" y="0"/>
+          <a:chExt cx="0" cy="0"/>
+        </a:xfrm>
+      </p:grpSpPr>
+      <p:sp>
+        <p:nvSpPr>
+          <p:cNvPr id="2" name="Folienbildplatzhalter 1"/>
+          <p:cNvSpPr>
+            <a:spLocks noGrp="1" noRot="1" noChangeAspect="1"/>
+          </p:cNvSpPr>
+          <p:nvPr>
+            <p:ph type="sldImg"/>
+          </p:nvPr>
+        </p:nvSpPr>
+        <p:spPr/>
+      </p:sp>
+      <p:sp>
+        <p:nvSpPr>
+          <p:cNvPr id="3" name="Notizenplatzhalter 2"/>
+          <p:cNvSpPr>
+            <a:spLocks noGrp="1"/>
+          </p:cNvSpPr>
+          <p:nvPr>
+            <p:ph type="body" idx="1"/>
+          </p:nvPr>
+        </p:nvSpPr>
+        <p:spPr/>
+        <p:txBody>
+          <a:bodyPr/>
+          <a:lstStyle/>
+          <a:p>
+            <a:r>
+              <a:rPr lang="de-CH" dirty="0" smtClean="0"/>
+              <a:t>An ARM</a:t>
+            </a:r>
+            <a:r>
+              <a:rPr lang="de-CH" baseline="0" dirty="0" smtClean="0"/>
+              <a:t> CPU </a:t>
+            </a:r>
+            <a:r>
+              <a:rPr lang="de-CH" baseline="0" dirty="0" err="1" smtClean="0"/>
+              <a:t>has</a:t>
+            </a:r>
+            <a:r>
+              <a:rPr lang="de-CH" baseline="0" dirty="0" smtClean="0"/>
+              <a:t> </a:t>
+            </a:r>
+            <a:r>
+              <a:rPr lang="de-CH" baseline="0" dirty="0" err="1" smtClean="0"/>
+              <a:t>several</a:t>
+            </a:r>
+            <a:r>
+              <a:rPr lang="de-CH" baseline="0" dirty="0" smtClean="0"/>
+              <a:t> </a:t>
+            </a:r>
+            <a:r>
+              <a:rPr lang="de-CH" baseline="0" dirty="0" err="1" smtClean="0"/>
+              <a:t>registers</a:t>
+            </a:r>
+            <a:r>
+              <a:rPr lang="de-CH" baseline="0" dirty="0" smtClean="0"/>
+              <a:t>. </a:t>
+            </a:r>
+            <a:r>
+              <a:rPr lang="de-CH" baseline="0" dirty="0" err="1" smtClean="0"/>
+              <a:t>We</a:t>
+            </a:r>
+            <a:r>
+              <a:rPr lang="de-CH" baseline="0" dirty="0" smtClean="0"/>
+              <a:t> </a:t>
+            </a:r>
+            <a:r>
+              <a:rPr lang="de-CH" baseline="0" dirty="0" err="1" smtClean="0"/>
+              <a:t>can</a:t>
+            </a:r>
+            <a:r>
+              <a:rPr lang="de-CH" baseline="0" dirty="0" smtClean="0"/>
+              <a:t> check </a:t>
+            </a:r>
+            <a:r>
+              <a:rPr lang="de-CH" baseline="0" dirty="0" err="1" smtClean="0"/>
+              <a:t>and</a:t>
+            </a:r>
+            <a:r>
+              <a:rPr lang="de-CH" baseline="0" dirty="0" smtClean="0"/>
+              <a:t> </a:t>
+            </a:r>
+            <a:r>
+              <a:rPr lang="de-CH" baseline="0" dirty="0" err="1" smtClean="0"/>
+              <a:t>change</a:t>
+            </a:r>
+            <a:r>
+              <a:rPr lang="de-CH" baseline="0" dirty="0" smtClean="0"/>
+              <a:t> </a:t>
+            </a:r>
+            <a:r>
+              <a:rPr lang="de-CH" baseline="0" dirty="0" err="1" smtClean="0"/>
+              <a:t>the</a:t>
+            </a:r>
+            <a:r>
+              <a:rPr lang="de-CH" baseline="0" dirty="0" smtClean="0"/>
+              <a:t> </a:t>
+            </a:r>
+            <a:r>
+              <a:rPr lang="de-CH" baseline="0" dirty="0" err="1" smtClean="0"/>
+              <a:t>values</a:t>
+            </a:r>
+            <a:r>
+              <a:rPr lang="de-CH" baseline="0" dirty="0" smtClean="0"/>
+              <a:t> in </a:t>
+            </a:r>
+            <a:r>
+              <a:rPr lang="de-CH" baseline="0" dirty="0" err="1" smtClean="0"/>
+              <a:t>those</a:t>
+            </a:r>
+            <a:r>
+              <a:rPr lang="de-CH" baseline="0" dirty="0" smtClean="0"/>
+              <a:t>  </a:t>
+            </a:r>
+            <a:r>
+              <a:rPr lang="de-CH" baseline="0" dirty="0" err="1" smtClean="0"/>
+              <a:t>registers</a:t>
+            </a:r>
+            <a:r>
+              <a:rPr lang="de-CH" baseline="0" dirty="0" smtClean="0"/>
+              <a:t> </a:t>
+            </a:r>
+            <a:r>
+              <a:rPr lang="de-CH" baseline="0" dirty="0" err="1" smtClean="0"/>
+              <a:t>while</a:t>
+            </a:r>
+            <a:r>
+              <a:rPr lang="de-CH" baseline="0" dirty="0" smtClean="0"/>
+              <a:t> </a:t>
+            </a:r>
+            <a:r>
+              <a:rPr lang="de-CH" baseline="0" dirty="0" err="1" smtClean="0"/>
+              <a:t>we</a:t>
+            </a:r>
+            <a:r>
+              <a:rPr lang="de-CH" baseline="0" dirty="0" smtClean="0"/>
+              <a:t> </a:t>
+            </a:r>
+            <a:r>
+              <a:rPr lang="de-CH" baseline="0" dirty="0" err="1" smtClean="0"/>
+              <a:t>are</a:t>
+            </a:r>
+            <a:r>
+              <a:rPr lang="de-CH" baseline="0" dirty="0" smtClean="0"/>
+              <a:t> </a:t>
+            </a:r>
+            <a:r>
+              <a:rPr lang="de-CH" baseline="0" dirty="0" err="1" smtClean="0"/>
+              <a:t>debugging</a:t>
+            </a:r>
+            <a:r>
+              <a:rPr lang="de-CH" baseline="0" dirty="0" smtClean="0"/>
+              <a:t>. </a:t>
+            </a:r>
+            <a:r>
+              <a:rPr lang="de-CH" baseline="0" dirty="0" err="1" smtClean="0"/>
+              <a:t>Which</a:t>
+            </a:r>
+            <a:r>
+              <a:rPr lang="de-CH" baseline="0" dirty="0" smtClean="0"/>
+              <a:t> </a:t>
+            </a:r>
+            <a:r>
+              <a:rPr lang="de-CH" baseline="0" dirty="0" err="1" smtClean="0"/>
+              <a:t>can</a:t>
+            </a:r>
+            <a:r>
+              <a:rPr lang="de-CH" baseline="0" dirty="0" smtClean="0"/>
+              <a:t> </a:t>
+            </a:r>
+            <a:r>
+              <a:rPr lang="de-CH" baseline="0" dirty="0" err="1" smtClean="0"/>
+              <a:t>make</a:t>
+            </a:r>
+            <a:r>
+              <a:rPr lang="de-CH" baseline="0" dirty="0" smtClean="0"/>
+              <a:t> </a:t>
+            </a:r>
+            <a:r>
+              <a:rPr lang="de-CH" baseline="0" dirty="0" err="1" smtClean="0"/>
+              <a:t>it</a:t>
+            </a:r>
+            <a:r>
+              <a:rPr lang="de-CH" baseline="0" dirty="0" smtClean="0"/>
+              <a:t> </a:t>
+            </a:r>
+            <a:r>
+              <a:rPr lang="de-CH" baseline="0" dirty="0" err="1" smtClean="0"/>
+              <a:t>easier</a:t>
+            </a:r>
+            <a:r>
+              <a:rPr lang="de-CH" baseline="0" dirty="0" smtClean="0"/>
+              <a:t> </a:t>
+            </a:r>
+            <a:r>
+              <a:rPr lang="de-CH" baseline="0" dirty="0" err="1" smtClean="0"/>
+              <a:t>to</a:t>
+            </a:r>
+            <a:r>
+              <a:rPr lang="de-CH" baseline="0" dirty="0" smtClean="0"/>
+              <a:t> find </a:t>
+            </a:r>
+            <a:r>
+              <a:rPr lang="de-CH" baseline="0" dirty="0" err="1" smtClean="0"/>
+              <a:t>bugs</a:t>
+            </a:r>
+            <a:r>
+              <a:rPr lang="de-CH" baseline="0" dirty="0" smtClean="0"/>
+              <a:t> </a:t>
+            </a:r>
+            <a:r>
+              <a:rPr lang="de-CH" baseline="0" dirty="0" err="1" smtClean="0"/>
+              <a:t>and</a:t>
+            </a:r>
+            <a:r>
+              <a:rPr lang="de-CH" baseline="0" dirty="0" smtClean="0"/>
+              <a:t> </a:t>
+            </a:r>
+            <a:r>
+              <a:rPr lang="de-CH" baseline="0" dirty="0" err="1" smtClean="0"/>
+              <a:t>helps</a:t>
+            </a:r>
+            <a:r>
+              <a:rPr lang="de-CH" baseline="0" dirty="0" smtClean="0"/>
+              <a:t> </a:t>
+            </a:r>
+            <a:r>
+              <a:rPr lang="de-CH" baseline="0" dirty="0" err="1" smtClean="0"/>
+              <a:t>us</a:t>
+            </a:r>
+            <a:r>
+              <a:rPr lang="de-CH" baseline="0" dirty="0" smtClean="0"/>
+              <a:t> </a:t>
+            </a:r>
+            <a:r>
+              <a:rPr lang="de-CH" baseline="0" dirty="0" err="1" smtClean="0"/>
+              <a:t>to</a:t>
+            </a:r>
+            <a:r>
+              <a:rPr lang="de-CH" baseline="0" dirty="0" smtClean="0"/>
+              <a:t> unterstand, </a:t>
+            </a:r>
+            <a:r>
+              <a:rPr lang="de-CH" baseline="0" dirty="0" err="1" smtClean="0"/>
+              <a:t>what</a:t>
+            </a:r>
+            <a:r>
+              <a:rPr lang="de-CH" baseline="0" dirty="0" smtClean="0"/>
+              <a:t> </a:t>
+            </a:r>
+            <a:r>
+              <a:rPr lang="de-CH" baseline="0" dirty="0" err="1" smtClean="0"/>
+              <a:t>the</a:t>
+            </a:r>
+            <a:r>
+              <a:rPr lang="de-CH" baseline="0" dirty="0" smtClean="0"/>
+              <a:t> </a:t>
+            </a:r>
+            <a:r>
+              <a:rPr lang="de-CH" baseline="0" dirty="0" err="1" smtClean="0"/>
+              <a:t>microcontroller</a:t>
+            </a:r>
+            <a:r>
+              <a:rPr lang="de-CH" baseline="0" dirty="0" smtClean="0"/>
+              <a:t> </a:t>
+            </a:r>
+            <a:r>
+              <a:rPr lang="de-CH" baseline="0" dirty="0" err="1" smtClean="0"/>
+              <a:t>does</a:t>
+            </a:r>
+            <a:r>
+              <a:rPr lang="de-CH" baseline="0" dirty="0" smtClean="0"/>
+              <a:t> in </a:t>
+            </a:r>
+            <a:r>
+              <a:rPr lang="de-CH" baseline="0" dirty="0" err="1" smtClean="0"/>
+              <a:t>the</a:t>
+            </a:r>
+            <a:r>
+              <a:rPr lang="de-CH" baseline="0" dirty="0" smtClean="0"/>
+              <a:t> </a:t>
+            </a:r>
+            <a:r>
+              <a:rPr lang="de-CH" baseline="0" dirty="0" err="1" smtClean="0"/>
+              <a:t>background</a:t>
+            </a:r>
+            <a:r>
+              <a:rPr lang="de-CH" baseline="0" dirty="0" smtClean="0"/>
+              <a:t>.</a:t>
+            </a:r>
+          </a:p>
+          <a:p>
+            <a:r>
+              <a:rPr lang="de-CH" baseline="0" dirty="0" smtClean="0"/>
+              <a:t>The </a:t>
+            </a:r>
+            <a:r>
+              <a:rPr lang="de-CH" baseline="0" dirty="0" err="1" smtClean="0"/>
+              <a:t>general</a:t>
+            </a:r>
+            <a:r>
+              <a:rPr lang="de-CH" baseline="0" dirty="0" smtClean="0"/>
+              <a:t> </a:t>
+            </a:r>
+            <a:r>
+              <a:rPr lang="de-CH" baseline="0" dirty="0" err="1" smtClean="0"/>
+              <a:t>purpose</a:t>
+            </a:r>
+            <a:r>
+              <a:rPr lang="de-CH" baseline="0" dirty="0" smtClean="0"/>
+              <a:t> </a:t>
+            </a:r>
+            <a:r>
+              <a:rPr lang="de-CH" baseline="0" dirty="0" err="1" smtClean="0"/>
+              <a:t>registers</a:t>
+            </a:r>
+            <a:r>
+              <a:rPr lang="de-CH" baseline="0" dirty="0" smtClean="0"/>
+              <a:t> R0 </a:t>
+            </a:r>
+            <a:r>
+              <a:rPr lang="de-CH" baseline="0" dirty="0" err="1" smtClean="0"/>
+              <a:t>to</a:t>
+            </a:r>
+            <a:r>
+              <a:rPr lang="de-CH" baseline="0" dirty="0" smtClean="0"/>
+              <a:t> R12 </a:t>
+            </a:r>
+            <a:r>
+              <a:rPr lang="de-CH" baseline="0" dirty="0" err="1" smtClean="0"/>
+              <a:t>are</a:t>
+            </a:r>
+            <a:r>
+              <a:rPr lang="de-CH" baseline="0" dirty="0" smtClean="0"/>
+              <a:t> </a:t>
+            </a:r>
+            <a:r>
+              <a:rPr lang="de-CH" baseline="0" dirty="0" err="1" smtClean="0"/>
+              <a:t>working</a:t>
+            </a:r>
+            <a:r>
+              <a:rPr lang="de-CH" baseline="0" dirty="0" smtClean="0"/>
+              <a:t> </a:t>
+            </a:r>
+            <a:r>
+              <a:rPr lang="de-CH" baseline="0" dirty="0" err="1" smtClean="0"/>
+              <a:t>registers</a:t>
+            </a:r>
+            <a:r>
+              <a:rPr lang="de-CH" baseline="0" dirty="0" smtClean="0"/>
+              <a:t>, </a:t>
+            </a:r>
+            <a:r>
+              <a:rPr lang="de-CH" baseline="0" dirty="0" err="1" smtClean="0"/>
+              <a:t>which</a:t>
+            </a:r>
+            <a:r>
+              <a:rPr lang="de-CH" baseline="0" dirty="0" smtClean="0"/>
+              <a:t> </a:t>
+            </a:r>
+            <a:r>
+              <a:rPr lang="de-CH" baseline="0" dirty="0" err="1" smtClean="0"/>
+              <a:t>are</a:t>
+            </a:r>
+            <a:r>
+              <a:rPr lang="de-CH" baseline="0" dirty="0" smtClean="0"/>
+              <a:t> </a:t>
+            </a:r>
+            <a:r>
+              <a:rPr lang="de-CH" baseline="0" dirty="0" err="1" smtClean="0"/>
+              <a:t>used</a:t>
+            </a:r>
+            <a:r>
+              <a:rPr lang="de-CH" baseline="0" dirty="0" smtClean="0"/>
+              <a:t> </a:t>
+            </a:r>
+            <a:r>
+              <a:rPr lang="de-CH" baseline="0" dirty="0" err="1" smtClean="0"/>
+              <a:t>to</a:t>
+            </a:r>
+            <a:r>
+              <a:rPr lang="de-CH" baseline="0" dirty="0" smtClean="0"/>
+              <a:t> </a:t>
+            </a:r>
+            <a:r>
+              <a:rPr lang="de-CH" baseline="0" dirty="0" err="1" smtClean="0"/>
+              <a:t>store</a:t>
+            </a:r>
+            <a:r>
+              <a:rPr lang="de-CH" baseline="0" dirty="0" smtClean="0"/>
+              <a:t> variables </a:t>
+            </a:r>
+            <a:r>
+              <a:rPr lang="de-CH" baseline="0" dirty="0" err="1" smtClean="0"/>
+              <a:t>during</a:t>
+            </a:r>
+            <a:r>
+              <a:rPr lang="de-CH" baseline="0" dirty="0" smtClean="0"/>
+              <a:t>  </a:t>
+            </a:r>
+            <a:r>
+              <a:rPr lang="de-CH" baseline="0" dirty="0" err="1" smtClean="0"/>
+              <a:t>operations</a:t>
+            </a:r>
+            <a:r>
+              <a:rPr lang="de-CH" baseline="0" dirty="0" smtClean="0"/>
+              <a:t>. </a:t>
+            </a:r>
+          </a:p>
+          <a:p>
+            <a:pPr marL="0" marR="0" indent="0" algn="l" defTabSz="914400" rtl="0" eaLnBrk="1" fontAlgn="auto" latinLnBrk="0" hangingPunct="1">
+              <a:lnSpc>
+                <a:spcPct val="100000"/>
+              </a:lnSpc>
+              <a:spcBef>
+                <a:spcPts val="0"/>
+              </a:spcBef>
+              <a:spcAft>
+                <a:spcPts val="0"/>
+              </a:spcAft>
+              <a:buClrTx/>
+              <a:buSzTx/>
+              <a:buFontTx/>
+              <a:buNone/>
+              <a:tabLst/>
+              <a:defRPr/>
+            </a:pPr>
+            <a:r>
+              <a:rPr lang="de-CH" baseline="0" dirty="0" err="1" smtClean="0"/>
+              <a:t>For</a:t>
+            </a:r>
+            <a:r>
+              <a:rPr lang="de-CH" baseline="0" dirty="0" smtClean="0"/>
+              <a:t> </a:t>
+            </a:r>
+            <a:r>
+              <a:rPr lang="de-CH" baseline="0" dirty="0" err="1" smtClean="0"/>
+              <a:t>example</a:t>
+            </a:r>
+            <a:r>
+              <a:rPr lang="de-CH" baseline="0" dirty="0" smtClean="0"/>
+              <a:t> </a:t>
+            </a:r>
+            <a:r>
+              <a:rPr lang="de-CH" baseline="0" dirty="0" err="1" smtClean="0"/>
+              <a:t>to</a:t>
+            </a:r>
+            <a:r>
+              <a:rPr lang="de-CH" baseline="0" dirty="0" smtClean="0"/>
+              <a:t> save </a:t>
+            </a:r>
+            <a:r>
+              <a:rPr lang="de-CH" baseline="0" dirty="0" err="1" smtClean="0"/>
+              <a:t>the</a:t>
+            </a:r>
+            <a:r>
+              <a:rPr lang="de-CH" baseline="0" dirty="0" smtClean="0"/>
+              <a:t> </a:t>
+            </a:r>
+            <a:r>
+              <a:rPr lang="de-CH" baseline="0" dirty="0" err="1" smtClean="0"/>
+              <a:t>program</a:t>
+            </a:r>
+            <a:r>
+              <a:rPr lang="de-CH" baseline="0" dirty="0" smtClean="0"/>
+              <a:t> </a:t>
+            </a:r>
+            <a:r>
+              <a:rPr lang="de-CH" baseline="0" dirty="0" err="1" smtClean="0"/>
+              <a:t>context</a:t>
+            </a:r>
+            <a:r>
+              <a:rPr lang="de-CH" baseline="0" dirty="0" smtClean="0"/>
+              <a:t> </a:t>
+            </a:r>
+            <a:r>
+              <a:rPr lang="de-CH" baseline="0" dirty="0" err="1" smtClean="0"/>
+              <a:t>before</a:t>
+            </a:r>
+            <a:r>
+              <a:rPr lang="de-CH" baseline="0" dirty="0" smtClean="0"/>
+              <a:t> </a:t>
+            </a:r>
+            <a:r>
+              <a:rPr lang="de-CH" baseline="0" dirty="0" err="1" smtClean="0"/>
+              <a:t>jumping</a:t>
+            </a:r>
+            <a:r>
+              <a:rPr lang="de-CH" baseline="0" dirty="0" smtClean="0"/>
+              <a:t> </a:t>
+            </a:r>
+            <a:r>
+              <a:rPr lang="de-CH" baseline="0" dirty="0" err="1" smtClean="0"/>
+              <a:t>into</a:t>
+            </a:r>
+            <a:r>
+              <a:rPr lang="de-CH" baseline="0" dirty="0" smtClean="0"/>
+              <a:t> an </a:t>
+            </a:r>
+            <a:r>
+              <a:rPr lang="de-CH" baseline="0" dirty="0" err="1" smtClean="0"/>
+              <a:t>interrupt</a:t>
+            </a:r>
+            <a:r>
+              <a:rPr lang="de-CH" baseline="0" dirty="0" smtClean="0"/>
+              <a:t> </a:t>
+            </a:r>
+            <a:r>
+              <a:rPr lang="de-CH" baseline="0" dirty="0" err="1" smtClean="0"/>
+              <a:t>function</a:t>
+            </a:r>
+            <a:r>
+              <a:rPr lang="de-CH" baseline="0" dirty="0" smtClean="0"/>
+              <a:t> </a:t>
+            </a:r>
+            <a:r>
+              <a:rPr lang="de-CH" baseline="0" dirty="0" err="1" smtClean="0"/>
+              <a:t>or</a:t>
+            </a:r>
+            <a:r>
+              <a:rPr lang="de-CH" baseline="0" dirty="0" smtClean="0"/>
+              <a:t> </a:t>
+            </a:r>
+            <a:r>
+              <a:rPr lang="de-CH" baseline="0" dirty="0" err="1" smtClean="0"/>
+              <a:t>something</a:t>
+            </a:r>
+            <a:r>
+              <a:rPr lang="de-CH" baseline="0" dirty="0" smtClean="0"/>
+              <a:t> like </a:t>
+            </a:r>
+            <a:r>
+              <a:rPr lang="de-CH" baseline="0" dirty="0" err="1" smtClean="0"/>
+              <a:t>that</a:t>
+            </a:r>
+            <a:r>
+              <a:rPr lang="de-CH" baseline="0" dirty="0" smtClean="0"/>
+              <a:t>.</a:t>
+            </a:r>
+          </a:p>
+          <a:p>
+            <a:endParaRPr lang="de-CH" baseline="0" dirty="0" smtClean="0"/>
+          </a:p>
+          <a:p>
+            <a:r>
+              <a:rPr lang="de-CH" baseline="0" dirty="0" smtClean="0"/>
+              <a:t>Stack Pointer </a:t>
+            </a:r>
+            <a:r>
+              <a:rPr lang="de-CH" baseline="0" dirty="0" err="1" smtClean="0"/>
+              <a:t>and</a:t>
+            </a:r>
+            <a:r>
+              <a:rPr lang="de-CH" baseline="0" dirty="0" smtClean="0"/>
+              <a:t> </a:t>
+            </a:r>
+            <a:r>
+              <a:rPr lang="de-CH" baseline="0" dirty="0" err="1" smtClean="0"/>
+              <a:t>program</a:t>
+            </a:r>
+            <a:r>
+              <a:rPr lang="de-CH" baseline="0" dirty="0" smtClean="0"/>
+              <a:t> </a:t>
+            </a:r>
+            <a:r>
+              <a:rPr lang="de-CH" baseline="0" dirty="0" err="1" smtClean="0"/>
+              <a:t>counter</a:t>
+            </a:r>
+            <a:endParaRPr lang="de-CH" baseline="0" dirty="0" smtClean="0"/>
+          </a:p>
+          <a:p>
+            <a:endParaRPr lang="de-CH" baseline="0" dirty="0" smtClean="0"/>
+          </a:p>
+          <a:p>
+            <a:r>
+              <a:rPr lang="de-CH" baseline="0" dirty="0" smtClean="0"/>
+              <a:t>Link Register: </a:t>
+            </a:r>
+            <a:r>
+              <a:rPr lang="de-CH" baseline="0" dirty="0" err="1" smtClean="0"/>
+              <a:t>which</a:t>
+            </a:r>
+            <a:r>
+              <a:rPr lang="de-CH" baseline="0" dirty="0" smtClean="0"/>
+              <a:t> </a:t>
+            </a:r>
+            <a:r>
+              <a:rPr lang="de-CH" baseline="0" dirty="0" err="1" smtClean="0"/>
+              <a:t>stores</a:t>
+            </a:r>
+            <a:r>
+              <a:rPr lang="de-CH" baseline="0" dirty="0" smtClean="0"/>
+              <a:t> </a:t>
+            </a:r>
+            <a:r>
+              <a:rPr lang="de-CH" baseline="0" dirty="0" err="1" smtClean="0"/>
+              <a:t>the</a:t>
+            </a:r>
+            <a:r>
+              <a:rPr lang="de-CH" baseline="0" dirty="0" smtClean="0"/>
+              <a:t> </a:t>
+            </a:r>
+            <a:r>
+              <a:rPr lang="de-CH" baseline="0" dirty="0" err="1" smtClean="0"/>
+              <a:t>return-addres</a:t>
+            </a:r>
+            <a:r>
+              <a:rPr lang="de-CH" baseline="0" dirty="0" smtClean="0"/>
+              <a:t> </a:t>
+            </a:r>
+            <a:r>
+              <a:rPr lang="de-CH" baseline="0" dirty="0" err="1" smtClean="0"/>
+              <a:t>to</a:t>
+            </a:r>
+            <a:r>
+              <a:rPr lang="de-CH" baseline="0" dirty="0" smtClean="0"/>
+              <a:t> jump back </a:t>
+            </a:r>
+            <a:r>
+              <a:rPr lang="de-CH" baseline="0" dirty="0" err="1" smtClean="0"/>
+              <a:t>to</a:t>
+            </a:r>
+            <a:r>
+              <a:rPr lang="de-CH" baseline="0" dirty="0" smtClean="0"/>
+              <a:t> </a:t>
+            </a:r>
+            <a:r>
+              <a:rPr lang="de-CH" baseline="0" dirty="0" err="1" smtClean="0"/>
+              <a:t>the</a:t>
+            </a:r>
+            <a:r>
+              <a:rPr lang="de-CH" baseline="0" dirty="0" smtClean="0"/>
+              <a:t> </a:t>
+            </a:r>
+            <a:r>
+              <a:rPr lang="de-CH" baseline="0" dirty="0" err="1" smtClean="0"/>
+              <a:t>code</a:t>
+            </a:r>
+            <a:r>
+              <a:rPr lang="de-CH" baseline="0" dirty="0" smtClean="0"/>
+              <a:t> after a </a:t>
+            </a:r>
+            <a:r>
+              <a:rPr lang="de-CH" baseline="0" dirty="0" err="1" smtClean="0"/>
+              <a:t>interrupt</a:t>
+            </a:r>
+            <a:endParaRPr lang="de-CH" baseline="0" dirty="0" smtClean="0"/>
+          </a:p>
+          <a:p>
+            <a:r>
+              <a:rPr lang="de-CH" baseline="0" dirty="0" err="1" smtClean="0"/>
+              <a:t>Processor</a:t>
+            </a:r>
+            <a:r>
+              <a:rPr lang="de-CH" baseline="0" dirty="0" smtClean="0"/>
+              <a:t> Status Register</a:t>
+            </a:r>
+          </a:p>
+          <a:p>
+            <a:endParaRPr lang="de-CH" baseline="0" dirty="0" smtClean="0"/>
+          </a:p>
+          <a:p>
+            <a:r>
+              <a:rPr lang="de-CH" baseline="0" dirty="0" smtClean="0"/>
+              <a:t>PRIMASK</a:t>
+            </a:r>
+            <a:endParaRPr lang="de-CH" dirty="0"/>
+          </a:p>
+        </p:txBody>
+      </p:sp>
+      <p:sp>
+        <p:nvSpPr>
+          <p:cNvPr id="4" name="Foliennummernplatzhalter 3"/>
+          <p:cNvSpPr>
+            <a:spLocks noGrp="1"/>
+          </p:cNvSpPr>
+          <p:nvPr>
+            <p:ph type="sldNum" sz="quarter" idx="10"/>
+          </p:nvPr>
+        </p:nvSpPr>
+        <p:spPr/>
+        <p:txBody>
+          <a:bodyPr/>
+          <a:lstStyle/>
+          <a:p>
+            <a:fld id="{06061460-6DF5-4DB0-8608-E117533E69A1}" type="slidenum">
+              <a:rPr lang="de-CH" smtClean="0"/>
+              <a:t>4</a:t>
+            </a:fld>
+            <a:endParaRPr lang="de-CH"/>
+          </a:p>
+        </p:txBody>
+      </p:sp>
+    </p:spTree>
+    <p:extLst>
+      <p:ext uri="{BB962C8B-B14F-4D97-AF65-F5344CB8AC3E}">
+        <p14:creationId xmlns:p14="http://schemas.microsoft.com/office/powerpoint/2010/main" val="1866514065"/>
+      </p:ext>
+    </p:extLst>
+  </p:cSld>
+  <p:clrMapOvr>
+    <a:masterClrMapping/>
+  </p:clrMapOvr>
+</p:notes>
+</file>
+
+<file path=ppt/notesSlides/notesSlide3.xml><?xml version="1.0" encoding="utf-8"?>
+<p:notes xmlns:a="http://schemas.openxmlformats.org/drawingml/2006/main" xmlns:r="http://schemas.openxmlformats.org/officeDocument/2006/relationships" xmlns:p="http://schemas.openxmlformats.org/presentationml/2006/main">
+  <p:cSld>
+    <p:spTree>
+      <p:nvGrpSpPr>
+        <p:cNvPr id="1" name=""/>
+        <p:cNvGrpSpPr/>
+        <p:nvPr/>
+      </p:nvGrpSpPr>
+      <p:grpSpPr>
+        <a:xfrm>
+          <a:off x="0" y="0"/>
+          <a:ext cx="0" cy="0"/>
+          <a:chOff x="0" y="0"/>
+          <a:chExt cx="0" cy="0"/>
+        </a:xfrm>
+      </p:grpSpPr>
+      <p:sp>
+        <p:nvSpPr>
+          <p:cNvPr id="2" name="Folienbildplatzhalter 1"/>
+          <p:cNvSpPr>
+            <a:spLocks noGrp="1" noRot="1" noChangeAspect="1"/>
+          </p:cNvSpPr>
+          <p:nvPr>
+            <p:ph type="sldImg"/>
+          </p:nvPr>
+        </p:nvSpPr>
+        <p:spPr/>
+      </p:sp>
+      <p:sp>
+        <p:nvSpPr>
+          <p:cNvPr id="3" name="Notizenplatzhalter 2"/>
+          <p:cNvSpPr>
+            <a:spLocks noGrp="1"/>
+          </p:cNvSpPr>
+          <p:nvPr>
+            <p:ph type="body" idx="1"/>
+          </p:nvPr>
+        </p:nvSpPr>
+        <p:spPr/>
+        <p:txBody>
+          <a:bodyPr/>
+          <a:lstStyle/>
+          <a:p>
+            <a:r>
+              <a:rPr lang="de-CH" dirty="0" smtClean="0"/>
+              <a:t>The PRIMASK</a:t>
+            </a:r>
+            <a:r>
+              <a:rPr lang="de-CH" baseline="0" dirty="0" smtClean="0"/>
+              <a:t> </a:t>
+            </a:r>
+            <a:r>
+              <a:rPr lang="de-CH" baseline="0" dirty="0" err="1" smtClean="0"/>
+              <a:t>bit</a:t>
+            </a:r>
+            <a:r>
+              <a:rPr lang="de-CH" baseline="0" dirty="0" smtClean="0"/>
+              <a:t> </a:t>
+            </a:r>
+            <a:r>
+              <a:rPr lang="de-CH" baseline="0" dirty="0" err="1" smtClean="0"/>
+              <a:t>is</a:t>
+            </a:r>
+            <a:r>
+              <a:rPr lang="de-CH" baseline="0" dirty="0" smtClean="0"/>
+              <a:t> </a:t>
+            </a:r>
+            <a:r>
+              <a:rPr lang="de-CH" baseline="0" dirty="0" err="1" smtClean="0"/>
+              <a:t>used</a:t>
+            </a:r>
+            <a:r>
+              <a:rPr lang="de-CH" baseline="0" dirty="0" smtClean="0"/>
+              <a:t> </a:t>
+            </a:r>
+            <a:r>
+              <a:rPr lang="de-CH" baseline="0" dirty="0" err="1" smtClean="0"/>
+              <a:t>to</a:t>
+            </a:r>
+            <a:r>
+              <a:rPr lang="de-CH" baseline="0" dirty="0" smtClean="0"/>
+              <a:t> </a:t>
+            </a:r>
+            <a:r>
+              <a:rPr lang="de-CH" baseline="0" dirty="0" err="1" smtClean="0"/>
+              <a:t>enable</a:t>
+            </a:r>
+            <a:r>
+              <a:rPr lang="de-CH" baseline="0" dirty="0" smtClean="0"/>
+              <a:t> </a:t>
+            </a:r>
+            <a:r>
+              <a:rPr lang="de-CH" baseline="0" dirty="0" err="1" smtClean="0"/>
+              <a:t>or</a:t>
+            </a:r>
+            <a:r>
+              <a:rPr lang="de-CH" baseline="0" dirty="0" smtClean="0"/>
+              <a:t> </a:t>
+            </a:r>
+            <a:r>
+              <a:rPr lang="de-CH" baseline="0" dirty="0" err="1" smtClean="0"/>
+              <a:t>disable</a:t>
+            </a:r>
+            <a:r>
+              <a:rPr lang="de-CH" baseline="0" dirty="0" smtClean="0"/>
+              <a:t> </a:t>
+            </a:r>
+            <a:r>
+              <a:rPr lang="de-CH" baseline="0" dirty="0" err="1" smtClean="0"/>
+              <a:t>interrupts</a:t>
+            </a:r>
+            <a:endParaRPr lang="de-CH" dirty="0"/>
+          </a:p>
+        </p:txBody>
+      </p:sp>
+      <p:sp>
+        <p:nvSpPr>
+          <p:cNvPr id="4" name="Foliennummernplatzhalter 3"/>
+          <p:cNvSpPr>
+            <a:spLocks noGrp="1"/>
+          </p:cNvSpPr>
+          <p:nvPr>
+            <p:ph type="sldNum" sz="quarter" idx="10"/>
+          </p:nvPr>
+        </p:nvSpPr>
+        <p:spPr/>
+        <p:txBody>
+          <a:bodyPr/>
+          <a:lstStyle/>
+          <a:p>
+            <a:fld id="{06061460-6DF5-4DB0-8608-E117533E69A1}" type="slidenum">
+              <a:rPr lang="de-CH" smtClean="0"/>
+              <a:t>5</a:t>
+            </a:fld>
+            <a:endParaRPr lang="de-CH"/>
+          </a:p>
+        </p:txBody>
+      </p:sp>
+    </p:spTree>
+    <p:extLst>
+      <p:ext uri="{BB962C8B-B14F-4D97-AF65-F5344CB8AC3E}">
+        <p14:creationId xmlns:p14="http://schemas.microsoft.com/office/powerpoint/2010/main" val="1392020428"/>
+      </p:ext>
+    </p:extLst>
+  </p:cSld>
+  <p:clrMapOvr>
+    <a:masterClrMapping/>
+  </p:clrMapOvr>
+</p:notes>
 </file>
 
 <file path=ppt/slideLayouts/slideLayout1.xml><?xml version="1.0" encoding="utf-8"?>
@@ -4268,6 +6261,13 @@
   <p:clrMapOvr>
     <a:masterClrMapping/>
   </p:clrMapOvr>
+  <p:timing>
+    <p:tnLst>
+      <p:par>
+        <p:cTn id="1" dur="indefinite" restart="never" nodeType="tmRoot"/>
+      </p:par>
+    </p:tnLst>
+  </p:timing>
 </p:sld>
 </file>
 
@@ -4794,12 +6794,292 @@
         </p:nvSpPr>
         <p:spPr/>
         <p:txBody>
-          <a:bodyPr/>
+          <a:bodyPr>
+            <a:normAutofit/>
+          </a:bodyPr>
           <a:lstStyle/>
           <a:p>
             <a:r>
+              <a:rPr lang="de-CH" dirty="0" err="1"/>
+              <a:t>What</a:t>
+            </a:r>
+            <a:r>
+              <a:rPr lang="de-CH" dirty="0"/>
+              <a:t> </a:t>
+            </a:r>
+            <a:r>
+              <a:rPr lang="de-CH" dirty="0" err="1"/>
+              <a:t>does</a:t>
+            </a:r>
+            <a:r>
+              <a:rPr lang="de-CH" dirty="0"/>
+              <a:t> ARM </a:t>
+            </a:r>
+            <a:r>
+              <a:rPr lang="de-CH" dirty="0" err="1"/>
+              <a:t>mean</a:t>
+            </a:r>
+            <a:r>
+              <a:rPr lang="de-CH" dirty="0" smtClean="0"/>
+              <a:t>?</a:t>
+            </a:r>
+          </a:p>
+          <a:p>
+            <a:r>
+              <a:rPr lang="de-CH" dirty="0" err="1"/>
+              <a:t>What</a:t>
+            </a:r>
+            <a:r>
+              <a:rPr lang="de-CH" dirty="0"/>
+              <a:t> </a:t>
+            </a:r>
+            <a:r>
+              <a:rPr lang="de-CH" dirty="0" err="1"/>
+              <a:t>does</a:t>
+            </a:r>
+            <a:r>
+              <a:rPr lang="de-CH" dirty="0"/>
+              <a:t> RISC </a:t>
+            </a:r>
+            <a:r>
+              <a:rPr lang="de-CH" dirty="0" err="1"/>
+              <a:t>mean</a:t>
+            </a:r>
+            <a:r>
+              <a:rPr lang="de-CH" dirty="0" smtClean="0"/>
+              <a:t>?</a:t>
+            </a:r>
+          </a:p>
+          <a:p>
+            <a:r>
+              <a:rPr lang="de-CH" dirty="0" err="1"/>
+              <a:t>Disadvantages</a:t>
+            </a:r>
+            <a:r>
+              <a:rPr lang="de-CH" dirty="0"/>
+              <a:t> </a:t>
+            </a:r>
+            <a:r>
+              <a:rPr lang="de-CH" dirty="0" err="1"/>
+              <a:t>of</a:t>
+            </a:r>
+            <a:r>
+              <a:rPr lang="de-CH" dirty="0"/>
+              <a:t> </a:t>
+            </a:r>
+            <a:r>
+              <a:rPr lang="de-CH" dirty="0" err="1"/>
+              <a:t>hardware</a:t>
+            </a:r>
+            <a:r>
+              <a:rPr lang="de-CH" dirty="0"/>
+              <a:t> </a:t>
+            </a:r>
+            <a:r>
+              <a:rPr lang="de-CH" dirty="0" err="1"/>
+              <a:t>division</a:t>
+            </a:r>
+            <a:r>
+              <a:rPr lang="de-CH" dirty="0" smtClean="0"/>
+              <a:t>?</a:t>
+            </a:r>
+          </a:p>
+          <a:p>
+            <a:r>
+              <a:rPr lang="de-CH" dirty="0" err="1" smtClean="0"/>
+              <a:t>How</a:t>
+            </a:r>
+            <a:r>
+              <a:rPr lang="de-CH" dirty="0" smtClean="0"/>
+              <a:t> </a:t>
+            </a:r>
+            <a:r>
+              <a:rPr lang="de-CH" dirty="0" err="1" smtClean="0"/>
+              <a:t>long</a:t>
+            </a:r>
+            <a:r>
+              <a:rPr lang="de-CH" dirty="0" smtClean="0"/>
+              <a:t> </a:t>
+            </a:r>
+            <a:r>
+              <a:rPr lang="de-CH" dirty="0" err="1" smtClean="0"/>
+              <a:t>are</a:t>
+            </a:r>
+            <a:r>
+              <a:rPr lang="de-CH" dirty="0" smtClean="0"/>
+              <a:t> </a:t>
+            </a:r>
+            <a:r>
+              <a:rPr lang="de-CH" dirty="0" err="1" smtClean="0"/>
+              <a:t>the</a:t>
+            </a:r>
+            <a:r>
+              <a:rPr lang="de-CH" dirty="0" smtClean="0"/>
+              <a:t> Memory </a:t>
+            </a:r>
+            <a:r>
+              <a:rPr lang="de-CH" dirty="0" err="1" smtClean="0"/>
+              <a:t>Addresses</a:t>
+            </a:r>
+            <a:r>
+              <a:rPr lang="de-CH" dirty="0" smtClean="0"/>
+              <a:t>?</a:t>
+            </a:r>
+          </a:p>
+          <a:p>
+            <a:r>
+              <a:rPr lang="de-CH" dirty="0" err="1"/>
+              <a:t>What</a:t>
+            </a:r>
+            <a:r>
+              <a:rPr lang="de-CH" dirty="0"/>
+              <a:t> </a:t>
+            </a:r>
+            <a:r>
+              <a:rPr lang="de-CH" dirty="0" err="1"/>
+              <a:t>is</a:t>
+            </a:r>
+            <a:r>
+              <a:rPr lang="de-CH" dirty="0"/>
+              <a:t> </a:t>
+            </a:r>
+            <a:r>
+              <a:rPr lang="de-CH" dirty="0" err="1"/>
+              <a:t>the</a:t>
+            </a:r>
+            <a:r>
+              <a:rPr lang="de-CH" dirty="0"/>
+              <a:t> PRIMASK-Bit </a:t>
+            </a:r>
+            <a:r>
+              <a:rPr lang="de-CH" dirty="0" err="1"/>
+              <a:t>for</a:t>
+            </a:r>
+            <a:r>
+              <a:rPr lang="de-CH" dirty="0" smtClean="0"/>
+              <a:t>?</a:t>
+            </a:r>
+          </a:p>
+          <a:p>
+            <a:endParaRPr lang="de-CH" dirty="0" smtClean="0"/>
+          </a:p>
+          <a:p>
+            <a:r>
+              <a:rPr lang="de-DE" dirty="0" err="1"/>
+              <a:t>What</a:t>
+            </a:r>
+            <a:r>
+              <a:rPr lang="de-DE" dirty="0"/>
+              <a:t> </a:t>
+            </a:r>
+            <a:r>
+              <a:rPr lang="de-DE" dirty="0" err="1"/>
+              <a:t>types</a:t>
+            </a:r>
+            <a:r>
+              <a:rPr lang="de-DE" dirty="0"/>
+              <a:t> </a:t>
+            </a:r>
+            <a:r>
+              <a:rPr lang="de-DE" dirty="0" err="1"/>
+              <a:t>of</a:t>
+            </a:r>
+            <a:r>
+              <a:rPr lang="de-DE" dirty="0"/>
+              <a:t> </a:t>
+            </a:r>
+            <a:r>
+              <a:rPr lang="de-DE" dirty="0" err="1"/>
+              <a:t>events</a:t>
+            </a:r>
+            <a:r>
+              <a:rPr lang="de-DE" dirty="0"/>
+              <a:t> </a:t>
+            </a:r>
+            <a:r>
+              <a:rPr lang="de-DE" dirty="0" err="1"/>
+              <a:t>we</a:t>
+            </a:r>
+            <a:r>
+              <a:rPr lang="de-DE" dirty="0"/>
+              <a:t> </a:t>
+            </a:r>
+            <a:r>
+              <a:rPr lang="de-DE" dirty="0" err="1"/>
+              <a:t>have</a:t>
+            </a:r>
+            <a:r>
+              <a:rPr lang="de-DE" dirty="0"/>
+              <a:t>? </a:t>
+            </a:r>
+            <a:endParaRPr lang="de-CH" dirty="0"/>
+          </a:p>
+          <a:p>
+            <a:r>
               <a:rPr lang="de-DE" dirty="0" err="1" smtClean="0"/>
-              <a:t>What</a:t>
+              <a:t>Why</a:t>
+            </a:r>
+            <a:r>
+              <a:rPr lang="de-DE" dirty="0" smtClean="0"/>
+              <a:t> </a:t>
+            </a:r>
+            <a:r>
+              <a:rPr lang="de-DE" dirty="0" err="1"/>
+              <a:t>we</a:t>
+            </a:r>
+            <a:r>
+              <a:rPr lang="de-DE" dirty="0"/>
+              <a:t> </a:t>
+            </a:r>
+            <a:r>
+              <a:rPr lang="de-DE" dirty="0" err="1"/>
+              <a:t>have</a:t>
+            </a:r>
+            <a:r>
+              <a:rPr lang="de-DE" dirty="0"/>
+              <a:t> </a:t>
+            </a:r>
+            <a:r>
+              <a:rPr lang="de-DE" dirty="0" err="1"/>
+              <a:t>events</a:t>
+            </a:r>
+            <a:r>
+              <a:rPr lang="de-DE" dirty="0"/>
+              <a:t> </a:t>
+            </a:r>
+            <a:r>
+              <a:rPr lang="de-DE" dirty="0" err="1"/>
+              <a:t>and</a:t>
+            </a:r>
+            <a:r>
+              <a:rPr lang="de-DE" dirty="0"/>
+              <a:t> </a:t>
+            </a:r>
+            <a:r>
+              <a:rPr lang="de-DE" dirty="0" err="1"/>
+              <a:t>processing</a:t>
+            </a:r>
+            <a:r>
+              <a:rPr lang="de-DE" dirty="0"/>
+              <a:t> </a:t>
+            </a:r>
+            <a:r>
+              <a:rPr lang="de-DE" dirty="0" smtClean="0"/>
+              <a:t>separate?</a:t>
+            </a:r>
+          </a:p>
+          <a:p>
+            <a:r>
+              <a:rPr lang="de-DE" dirty="0" err="1" smtClean="0"/>
+              <a:t>Which</a:t>
+            </a:r>
+            <a:r>
+              <a:rPr lang="de-DE" dirty="0" smtClean="0"/>
+              <a:t> </a:t>
+            </a:r>
+            <a:r>
+              <a:rPr lang="de-DE" dirty="0" err="1" smtClean="0"/>
+              <a:t>memory</a:t>
             </a:r>
             <a:r>
               <a:rPr lang="de-DE" dirty="0" smtClean="0"/>
@@ -4815,22 +7095,6 @@
             </a:r>
             <a:r>
               <a:rPr lang="de-DE" dirty="0" err="1" smtClean="0"/>
-              <a:t>of</a:t>
-            </a:r>
-            <a:r>
-              <a:rPr lang="de-DE" dirty="0" smtClean="0"/>
-              <a:t> </a:t>
-            </a:r>
-            <a:r>
-              <a:rPr lang="de-DE" dirty="0" err="1" smtClean="0"/>
-              <a:t>events</a:t>
-            </a:r>
-            <a:r>
-              <a:rPr lang="de-DE" dirty="0" smtClean="0"/>
-              <a:t> </a:t>
-            </a:r>
-            <a:r>
-              <a:rPr lang="de-DE" dirty="0" err="1" smtClean="0"/>
               <a:t>we</a:t>
             </a:r>
             <a:r>
@@ -4843,105 +7107,13 @@
             </a:r>
             <a:r>
               <a:rPr lang="de-DE" dirty="0" smtClean="0"/>
-              <a:t>? </a:t>
-            </a:r>
-            <a:endParaRPr lang="de-DE" dirty="0" smtClean="0"/>
-          </a:p>
-          <a:p>
-            <a:r>
-              <a:rPr lang="de-DE" dirty="0" err="1" smtClean="0"/>
-              <a:t>Why</a:t>
-            </a:r>
-            <a:r>
-              <a:rPr lang="de-DE" dirty="0" smtClean="0"/>
-              <a:t> </a:t>
-            </a:r>
-            <a:r>
-              <a:rPr lang="de-DE" dirty="0" err="1"/>
-              <a:t>we</a:t>
-            </a:r>
-            <a:r>
-              <a:rPr lang="de-DE" dirty="0"/>
-              <a:t> </a:t>
-            </a:r>
-            <a:r>
-              <a:rPr lang="de-DE" dirty="0" err="1"/>
-              <a:t>have</a:t>
-            </a:r>
-            <a:r>
-              <a:rPr lang="de-DE" dirty="0"/>
-              <a:t> </a:t>
-            </a:r>
-            <a:r>
-              <a:rPr lang="de-DE" dirty="0" err="1"/>
-              <a:t>events</a:t>
-            </a:r>
-            <a:r>
-              <a:rPr lang="de-DE" dirty="0"/>
-              <a:t> </a:t>
-            </a:r>
-            <a:r>
-              <a:rPr lang="de-DE" dirty="0" err="1"/>
-              <a:t>and</a:t>
-            </a:r>
-            <a:r>
-              <a:rPr lang="de-DE" dirty="0"/>
-              <a:t> </a:t>
-            </a:r>
-            <a:r>
-              <a:rPr lang="de-DE" dirty="0" err="1"/>
-              <a:t>processing</a:t>
-            </a:r>
-            <a:r>
-              <a:rPr lang="de-DE" dirty="0"/>
-              <a:t> </a:t>
-            </a:r>
-            <a:r>
-              <a:rPr lang="de-DE" dirty="0" smtClean="0"/>
-              <a:t>separate?</a:t>
-            </a:r>
-          </a:p>
-          <a:p>
-            <a:r>
-              <a:rPr lang="de-DE" dirty="0" err="1" smtClean="0"/>
-              <a:t>Which</a:t>
-            </a:r>
-            <a:r>
-              <a:rPr lang="de-DE" dirty="0" smtClean="0"/>
-              <a:t> </a:t>
-            </a:r>
-            <a:r>
-              <a:rPr lang="de-DE" dirty="0" err="1" smtClean="0"/>
-              <a:t>memory</a:t>
-            </a:r>
-            <a:r>
-              <a:rPr lang="de-DE" dirty="0" smtClean="0"/>
-              <a:t> </a:t>
-            </a:r>
-            <a:r>
-              <a:rPr lang="de-DE" dirty="0" err="1" smtClean="0"/>
-              <a:t>types</a:t>
-            </a:r>
-            <a:r>
-              <a:rPr lang="de-DE" dirty="0" smtClean="0"/>
-              <a:t> </a:t>
-            </a:r>
-            <a:r>
-              <a:rPr lang="de-DE" dirty="0" err="1" smtClean="0"/>
-              <a:t>we</a:t>
-            </a:r>
-            <a:r>
-              <a:rPr lang="de-DE" dirty="0" smtClean="0"/>
-              <a:t> </a:t>
-            </a:r>
-            <a:r>
-              <a:rPr lang="de-DE" dirty="0" err="1" smtClean="0"/>
-              <a:t>have</a:t>
-            </a:r>
-            <a:r>
-              <a:rPr lang="de-DE" dirty="0" smtClean="0"/>
               <a:t>?</a:t>
             </a:r>
+          </a:p>
+          <a:p>
+            <a:endParaRPr lang="de-DE" dirty="0"/>
+          </a:p>
+          <a:p>
             <a:endParaRPr lang="de-DE" dirty="0"/>
           </a:p>
         </p:txBody>
@@ -5048,8 +7220,8 @@
         </p:nvSpPr>
         <p:spPr>
           <a:xfrm>
-            <a:off x="762000" y="2628900"/>
-            <a:ext cx="3535680" cy="1477328"/>
+            <a:off x="762000" y="1626699"/>
+            <a:ext cx="4023360" cy="3477875"/>
           </a:xfrm>
           <a:prstGeom prst="rect">
             <a:avLst/>
@@ -5063,52 +7235,94 @@
           <a:lstStyle/>
           <a:p>
             <a:r>
-              <a:rPr lang="de-CH" dirty="0" smtClean="0"/>
+              <a:rPr lang="de-CH" sz="2000" dirty="0" smtClean="0"/>
               <a:t>ARM: </a:t>
             </a:r>
           </a:p>
           <a:p>
             <a:r>
-              <a:rPr lang="de-CH" dirty="0" err="1" smtClean="0"/>
+              <a:rPr lang="de-CH" sz="2000" dirty="0" err="1" smtClean="0"/>
               <a:t>Advanced</a:t>
             </a:r>
             <a:r>
-              <a:rPr lang="de-CH" dirty="0" smtClean="0"/>
+              <a:rPr lang="de-CH" sz="2000" dirty="0" smtClean="0"/>
               <a:t> RISC </a:t>
             </a:r>
             <a:r>
-              <a:rPr lang="de-CH" dirty="0" err="1" smtClean="0"/>
+              <a:rPr lang="de-CH" sz="2000" dirty="0" err="1" smtClean="0"/>
               <a:t>Machine</a:t>
             </a:r>
-            <a:endParaRPr lang="de-CH" dirty="0" smtClean="0"/>
-          </a:p>
-          <a:p>
-            <a:endParaRPr lang="de-CH" dirty="0"/>
-          </a:p>
-          <a:p>
-            <a:r>
-              <a:rPr lang="de-CH" dirty="0" smtClean="0"/>
+            <a:endParaRPr lang="de-CH" sz="2000" dirty="0" smtClean="0"/>
+          </a:p>
+          <a:p>
+            <a:endParaRPr lang="de-CH" sz="2000" dirty="0"/>
+          </a:p>
+          <a:p>
+            <a:r>
+              <a:rPr lang="de-CH" sz="2000" dirty="0" smtClean="0"/>
               <a:t>RISC:</a:t>
             </a:r>
           </a:p>
           <a:p>
             <a:r>
-              <a:rPr lang="de-CH" dirty="0" err="1" smtClean="0"/>
+              <a:rPr lang="de-CH" sz="2000" dirty="0" err="1" smtClean="0"/>
               <a:t>Reduced</a:t>
             </a:r>
             <a:r>
-              <a:rPr lang="de-CH" dirty="0" smtClean="0"/>
-              <a:t> </a:t>
-            </a:r>
-            <a:r>
-              <a:rPr lang="de-CH" dirty="0" err="1" smtClean="0"/>
+              <a:rPr lang="de-CH" sz="2000" dirty="0" smtClean="0"/>
+              <a:t> </a:t>
+            </a:r>
+            <a:r>
+              <a:rPr lang="de-CH" sz="2000" dirty="0" err="1" smtClean="0"/>
               <a:t>Instruction</a:t>
             </a:r>
             <a:r>
-              <a:rPr lang="de-CH" dirty="0" smtClean="0"/>
+              <a:rPr lang="de-CH" sz="2000" dirty="0" smtClean="0"/>
               <a:t> Set Computer</a:t>
             </a:r>
-            <a:endParaRPr lang="de-CH" dirty="0"/>
+          </a:p>
+          <a:p>
+            <a:endParaRPr lang="de-CH" sz="2000" dirty="0"/>
+          </a:p>
+          <a:p>
+            <a:endParaRPr lang="de-CH" sz="2000" dirty="0" smtClean="0"/>
+          </a:p>
+          <a:p>
+            <a:endParaRPr lang="de-CH" sz="2000" dirty="0"/>
+          </a:p>
+          <a:p>
+            <a:endParaRPr lang="de-CH" sz="2000" dirty="0" smtClean="0"/>
+          </a:p>
+          <a:p>
+            <a:r>
+              <a:rPr lang="de-CH" sz="2000" dirty="0" smtClean="0"/>
+              <a:t>FRDM	=&gt;	Cortex-M</a:t>
+            </a:r>
+            <a:r>
+              <a:rPr lang="de-CH" sz="2000" dirty="0" smtClean="0">
+                <a:latin typeface="+mj-lt"/>
+              </a:rPr>
+              <a:t>0</a:t>
+            </a:r>
+            <a:r>
+              <a:rPr lang="de-CH" sz="2000" dirty="0" smtClean="0"/>
+              <a:t>+</a:t>
+            </a:r>
+          </a:p>
+          <a:p>
+            <a:r>
+              <a:rPr lang="de-CH" sz="2000" dirty="0" err="1" smtClean="0"/>
+              <a:t>Robo</a:t>
+            </a:r>
+            <a:r>
+              <a:rPr lang="de-CH" sz="2000" dirty="0"/>
+              <a:t>	</a:t>
+            </a:r>
+            <a:r>
+              <a:rPr lang="de-CH" sz="2000" dirty="0" smtClean="0"/>
+              <a:t>=&gt;	Cortex-M4</a:t>
+            </a:r>
+            <a:endParaRPr lang="de-CH" sz="2000" dirty="0"/>
           </a:p>
         </p:txBody>
       </p:sp>
@@ -5161,13 +7375,20 @@
     </p:spTree>
     <p:extLst>
       <p:ext uri="{BB962C8B-B14F-4D97-AF65-F5344CB8AC3E}">
-        <p14:creationId xmlns:p14="http://schemas.microsoft.com/office/powerpoint/2010/main" val="1010666075"/>
+        <p14:creationId xmlns:p14="http://schemas.microsoft.com/office/powerpoint/2010/main" val="250158543"/>
       </p:ext>
     </p:extLst>
   </p:cSld>
   <p:clrMapOvr>
     <a:masterClrMapping/>
   </p:clrMapOvr>
+  <p:timing>
+    <p:tnLst>
+      <p:par>
+        <p:cTn id="1" dur="indefinite" restart="never" nodeType="tmRoot"/>
+      </p:par>
+    </p:tnLst>
+  </p:timing>
 </p:sld>
 </file>
 
@@ -5227,7 +7448,7 @@
           </p:nvPr>
         </p:nvPicPr>
         <p:blipFill>
-          <a:blip r:embed="rId2">
+          <a:blip r:embed="rId3">
             <a:extLst>
               <a:ext uri="{28A0092B-C50C-407E-A947-70E740481C1C}">
                 <a14:useLocalDpi xmlns:a14="http://schemas.microsoft.com/office/drawing/2010/main" val="0"/>
@@ -5245,16 +7466,164 @@
           </a:xfrm>
         </p:spPr>
       </p:pic>
+      <p:sp>
+        <p:nvSpPr>
+          <p:cNvPr id="5" name="Textfeld 4"/>
+          <p:cNvSpPr txBox="1"/>
+          <p:nvPr/>
+        </p:nvSpPr>
+        <p:spPr>
+          <a:xfrm>
+            <a:off x="1069145" y="1669309"/>
+            <a:ext cx="3756073" cy="3170099"/>
+          </a:xfrm>
+          <a:prstGeom prst="rect">
+            <a:avLst/>
+          </a:prstGeom>
+          <a:noFill/>
+        </p:spPr>
+        <p:txBody>
+          <a:bodyPr wrap="square" rtlCol="0">
+            <a:spAutoFit/>
+          </a:bodyPr>
+          <a:lstStyle/>
+          <a:p>
+            <a:pPr marL="285750" indent="-285750">
+              <a:buFont typeface="Arial" panose="020B0604020202020204" pitchFamily="34" charset="0"/>
+              <a:buChar char="•"/>
+            </a:pPr>
+            <a:r>
+              <a:rPr lang="de-CH" sz="2000" dirty="0" smtClean="0"/>
+              <a:t>Hardware </a:t>
+            </a:r>
+            <a:r>
+              <a:rPr lang="de-CH" sz="2000" dirty="0" err="1" smtClean="0"/>
+              <a:t>multiply</a:t>
+            </a:r>
+            <a:endParaRPr lang="de-CH" sz="2000" dirty="0" smtClean="0"/>
+          </a:p>
+          <a:p>
+            <a:pPr marL="742950" lvl="1" indent="-285750">
+              <a:buFontTx/>
+              <a:buChar char="-"/>
+            </a:pPr>
+            <a:r>
+              <a:rPr lang="de-CH" sz="2000" dirty="0" err="1" smtClean="0"/>
+              <a:t>cycles</a:t>
+            </a:r>
+            <a:endParaRPr lang="de-CH" sz="2000" dirty="0"/>
+          </a:p>
+          <a:p>
+            <a:endParaRPr lang="de-CH" sz="2000" dirty="0" smtClean="0"/>
+          </a:p>
+          <a:p>
+            <a:pPr marL="285750" indent="-285750">
+              <a:buFont typeface="Arial" panose="020B0604020202020204" pitchFamily="34" charset="0"/>
+              <a:buChar char="•"/>
+            </a:pPr>
+            <a:r>
+              <a:rPr lang="de-CH" sz="2000" dirty="0" smtClean="0"/>
+              <a:t>Hardware </a:t>
+            </a:r>
+            <a:r>
+              <a:rPr lang="de-CH" sz="2000" dirty="0" err="1" smtClean="0"/>
+              <a:t>divide</a:t>
+            </a:r>
+            <a:endParaRPr lang="de-CH" sz="2000" dirty="0" smtClean="0"/>
+          </a:p>
+          <a:p>
+            <a:pPr marL="742950" lvl="1" indent="-285750">
+              <a:buFontTx/>
+              <a:buChar char="-"/>
+            </a:pPr>
+            <a:r>
+              <a:rPr lang="de-CH" sz="2000" dirty="0" err="1"/>
+              <a:t>p</a:t>
+            </a:r>
+            <a:r>
+              <a:rPr lang="de-CH" sz="2000" dirty="0" err="1" smtClean="0"/>
+              <a:t>rice</a:t>
+            </a:r>
+            <a:endParaRPr lang="de-CH" sz="2000" dirty="0"/>
+          </a:p>
+          <a:p>
+            <a:pPr marL="742950" lvl="1" indent="-285750">
+              <a:buFontTx/>
+              <a:buChar char="-"/>
+            </a:pPr>
+            <a:r>
+              <a:rPr lang="de-CH" sz="2000" dirty="0" smtClean="0"/>
+              <a:t>30% </a:t>
+            </a:r>
+            <a:r>
+              <a:rPr lang="de-CH" sz="2000" dirty="0" err="1" smtClean="0"/>
+              <a:t>less</a:t>
+            </a:r>
+            <a:r>
+              <a:rPr lang="de-CH" sz="2000" dirty="0" smtClean="0"/>
+              <a:t> </a:t>
+            </a:r>
+            <a:r>
+              <a:rPr lang="de-CH" sz="2000" dirty="0" err="1" smtClean="0"/>
+              <a:t>silicon</a:t>
+            </a:r>
+            <a:endParaRPr lang="de-CH" sz="2000" dirty="0" smtClean="0"/>
+          </a:p>
+          <a:p>
+            <a:pPr lvl="1"/>
+            <a:endParaRPr lang="de-CH" sz="2000" dirty="0" smtClean="0"/>
+          </a:p>
+          <a:p>
+            <a:pPr marL="285750" indent="-285750">
+              <a:buFont typeface="Arial" panose="020B0604020202020204" pitchFamily="34" charset="0"/>
+              <a:buChar char="•"/>
+            </a:pPr>
+            <a:r>
+              <a:rPr lang="de-CH" sz="2000" dirty="0" smtClean="0"/>
+              <a:t>Floating-point</a:t>
+            </a:r>
+          </a:p>
+          <a:p>
+            <a:endParaRPr lang="de-CH" sz="2000" dirty="0" smtClean="0"/>
+          </a:p>
+          <a:p>
+            <a:pPr marL="285750" indent="-285750">
+              <a:buFont typeface="Arial" panose="020B0604020202020204" pitchFamily="34" charset="0"/>
+              <a:buChar char="•"/>
+            </a:pPr>
+            <a:r>
+              <a:rPr lang="de-CH" sz="2000" dirty="0" err="1" smtClean="0"/>
+              <a:t>Clock</a:t>
+            </a:r>
+            <a:r>
+              <a:rPr lang="de-CH" sz="2000" dirty="0" smtClean="0"/>
+              <a:t> </a:t>
+            </a:r>
+            <a:r>
+              <a:rPr lang="de-CH" sz="2000" dirty="0" err="1" smtClean="0"/>
+              <a:t>frequency</a:t>
+            </a:r>
+            <a:endParaRPr lang="de-CH" sz="2000" dirty="0"/>
+          </a:p>
+        </p:txBody>
+      </p:sp>
     </p:spTree>
     <p:extLst>
       <p:ext uri="{BB962C8B-B14F-4D97-AF65-F5344CB8AC3E}">
-        <p14:creationId xmlns:p14="http://schemas.microsoft.com/office/powerpoint/2010/main" val="2359660127"/>
+        <p14:creationId xmlns:p14="http://schemas.microsoft.com/office/powerpoint/2010/main" val="926289460"/>
       </p:ext>
     </p:extLst>
   </p:cSld>
   <p:clrMapOvr>
     <a:masterClrMapping/>
   </p:clrMapOvr>
+  <p:timing>
+    <p:tnLst>
+      <p:par>
+        <p:cTn id="1" dur="indefinite" restart="never" nodeType="tmRoot"/>
+      </p:par>
+    </p:tnLst>
+  </p:timing>
 </p:sld>
 </file>
 
@@ -5287,8 +7656,8 @@
         </p:nvSpPr>
         <p:spPr>
           <a:xfrm>
-            <a:off x="1390650" y="559678"/>
-            <a:ext cx="4232910" cy="823352"/>
+            <a:off x="1824990" y="559678"/>
+            <a:ext cx="4575810" cy="869072"/>
           </a:xfrm>
         </p:spPr>
         <p:txBody>
@@ -5297,11 +7666,7 @@
           <a:p>
             <a:r>
               <a:rPr lang="de-CH" dirty="0" smtClean="0"/>
-              <a:t>Memory </a:t>
-            </a:r>
-            <a:r>
-              <a:rPr lang="de-CH" dirty="0" err="1" smtClean="0"/>
-              <a:t>Map</a:t>
+              <a:t>CPU Registers</a:t>
             </a:r>
             <a:endParaRPr lang="de-CH" dirty="0"/>
           </a:p>
@@ -5318,7 +7683,7 @@
           </p:nvPr>
         </p:nvPicPr>
         <p:blipFill>
-          <a:blip r:embed="rId2">
+          <a:blip r:embed="rId3">
             <a:extLst>
               <a:ext uri="{28A0092B-C50C-407E-A947-70E740481C1C}">
                 <a14:useLocalDpi xmlns:a14="http://schemas.microsoft.com/office/drawing/2010/main" val="0"/>
@@ -5331,21 +7696,121 @@
         </p:blipFill>
         <p:spPr>
           <a:xfrm>
-            <a:off x="6062662" y="729456"/>
-            <a:ext cx="4486275" cy="5334000"/>
+            <a:off x="6889435" y="568325"/>
+            <a:ext cx="2832730" cy="5656263"/>
           </a:xfrm>
         </p:spPr>
       </p:pic>
+      <p:sp>
+        <p:nvSpPr>
+          <p:cNvPr id="3" name="Textfeld 2"/>
+          <p:cNvSpPr txBox="1"/>
+          <p:nvPr/>
+        </p:nvSpPr>
+        <p:spPr>
+          <a:xfrm>
+            <a:off x="1181686" y="2335237"/>
+            <a:ext cx="4881489" cy="1908215"/>
+          </a:xfrm>
+          <a:prstGeom prst="rect">
+            <a:avLst/>
+          </a:prstGeom>
+          <a:noFill/>
+        </p:spPr>
+        <p:txBody>
+          <a:bodyPr wrap="square" rtlCol="0">
+            <a:spAutoFit/>
+          </a:bodyPr>
+          <a:lstStyle/>
+          <a:p>
+            <a:pPr marL="285750" indent="-285750">
+              <a:buFont typeface="Arial" panose="020B0604020202020204" pitchFamily="34" charset="0"/>
+              <a:buChar char="•"/>
+            </a:pPr>
+            <a:r>
+              <a:rPr lang="de-CH" sz="2000" dirty="0" smtClean="0"/>
+              <a:t>General </a:t>
+            </a:r>
+            <a:r>
+              <a:rPr lang="de-CH" sz="2000" dirty="0" err="1" smtClean="0"/>
+              <a:t>Purpose</a:t>
+            </a:r>
+            <a:r>
+              <a:rPr lang="de-CH" sz="2000" dirty="0" smtClean="0"/>
+              <a:t> Register (GPR)</a:t>
+            </a:r>
+          </a:p>
+          <a:p>
+            <a:pPr marL="285750" indent="-285750">
+              <a:buFont typeface="Arial" panose="020B0604020202020204" pitchFamily="34" charset="0"/>
+              <a:buChar char="•"/>
+            </a:pPr>
+            <a:r>
+              <a:rPr lang="de-CH" sz="2000" dirty="0" smtClean="0"/>
+              <a:t>Stack Pointer</a:t>
+            </a:r>
+          </a:p>
+          <a:p>
+            <a:pPr marL="285750" indent="-285750">
+              <a:buFont typeface="Arial" panose="020B0604020202020204" pitchFamily="34" charset="0"/>
+              <a:buChar char="•"/>
+            </a:pPr>
+            <a:r>
+              <a:rPr lang="de-CH" sz="2000" dirty="0" smtClean="0"/>
+              <a:t>Link Register</a:t>
+            </a:r>
+          </a:p>
+          <a:p>
+            <a:pPr marL="285750" indent="-285750">
+              <a:buFont typeface="Arial" panose="020B0604020202020204" pitchFamily="34" charset="0"/>
+              <a:buChar char="•"/>
+            </a:pPr>
+            <a:r>
+              <a:rPr lang="de-CH" sz="2000" dirty="0" err="1" smtClean="0"/>
+              <a:t>Program</a:t>
+            </a:r>
+            <a:r>
+              <a:rPr lang="de-CH" sz="2000" dirty="0" smtClean="0"/>
+              <a:t> Counter</a:t>
+            </a:r>
+          </a:p>
+          <a:p>
+            <a:pPr marL="285750" indent="-285750">
+              <a:buFont typeface="Arial" panose="020B0604020202020204" pitchFamily="34" charset="0"/>
+              <a:buChar char="•"/>
+            </a:pPr>
+            <a:r>
+              <a:rPr lang="de-CH" sz="2000" dirty="0" err="1" smtClean="0"/>
+              <a:t>Processor</a:t>
+            </a:r>
+            <a:r>
+              <a:rPr lang="de-CH" sz="2000" dirty="0" smtClean="0"/>
+              <a:t> Status Register</a:t>
+            </a:r>
+          </a:p>
+          <a:p>
+            <a:pPr lvl="1"/>
+            <a:endParaRPr lang="de-CH" dirty="0"/>
+          </a:p>
+        </p:txBody>
+      </p:sp>
     </p:spTree>
     <p:extLst>
       <p:ext uri="{BB962C8B-B14F-4D97-AF65-F5344CB8AC3E}">
-        <p14:creationId xmlns:p14="http://schemas.microsoft.com/office/powerpoint/2010/main" val="1195939511"/>
+        <p14:creationId xmlns:p14="http://schemas.microsoft.com/office/powerpoint/2010/main" val="1607880838"/>
       </p:ext>
     </p:extLst>
   </p:cSld>
   <p:clrMapOvr>
     <a:masterClrMapping/>
   </p:clrMapOvr>
+  <p:timing>
+    <p:tnLst>
+      <p:par>
+        <p:cTn id="1" dur="indefinite" restart="never" nodeType="tmRoot"/>
+      </p:par>
+    </p:tnLst>
+  </p:timing>
 </p:sld>
 </file>
 
@@ -5378,8 +7843,8 @@
         </p:nvSpPr>
         <p:spPr>
           <a:xfrm>
-            <a:off x="1824990" y="559678"/>
-            <a:ext cx="4575810" cy="869072"/>
+            <a:off x="1630680" y="559678"/>
+            <a:ext cx="3833906" cy="800492"/>
           </a:xfrm>
         </p:spPr>
         <p:txBody>
@@ -5388,7 +7853,7 @@
           <a:p>
             <a:r>
               <a:rPr lang="de-CH" dirty="0" smtClean="0"/>
-              <a:t>CPU Registers</a:t>
+              <a:t>PRIMASK</a:t>
             </a:r>
             <a:endParaRPr lang="de-CH" dirty="0"/>
           </a:p>
@@ -5405,7 +7870,7 @@
           </p:nvPr>
         </p:nvPicPr>
         <p:blipFill>
-          <a:blip r:embed="rId2">
+          <a:blip r:embed="rId3">
             <a:extLst>
               <a:ext uri="{28A0092B-C50C-407E-A947-70E740481C1C}">
                 <a14:useLocalDpi xmlns:a14="http://schemas.microsoft.com/office/drawing/2010/main" val="0"/>
@@ -5418,21 +7883,28 @@
         </p:blipFill>
         <p:spPr>
           <a:xfrm>
-            <a:off x="6889435" y="568325"/>
-            <a:ext cx="2832730" cy="5656263"/>
+            <a:off x="5181600" y="2267602"/>
+            <a:ext cx="6248400" cy="2257709"/>
           </a:xfrm>
         </p:spPr>
       </p:pic>
     </p:spTree>
     <p:extLst>
       <p:ext uri="{BB962C8B-B14F-4D97-AF65-F5344CB8AC3E}">
-        <p14:creationId xmlns:p14="http://schemas.microsoft.com/office/powerpoint/2010/main" val="2908935278"/>
+        <p14:creationId xmlns:p14="http://schemas.microsoft.com/office/powerpoint/2010/main" val="60775079"/>
       </p:ext>
     </p:extLst>
   </p:cSld>
   <p:clrMapOvr>
     <a:masterClrMapping/>
   </p:clrMapOvr>
+  <p:timing>
+    <p:tnLst>
+      <p:par>
+        <p:cTn id="1" dur="indefinite" restart="never" nodeType="tmRoot"/>
+      </p:par>
+    </p:tnLst>
+  </p:timing>
 </p:sld>
 </file>
 
@@ -5465,6 +7937,169 @@
         </p:nvSpPr>
         <p:spPr>
           <a:xfrm>
+            <a:off x="762000" y="559678"/>
+            <a:ext cx="5852160" cy="842402"/>
+          </a:xfrm>
+        </p:spPr>
+        <p:txBody>
+          <a:bodyPr>
+            <a:normAutofit/>
+          </a:bodyPr>
+          <a:lstStyle/>
+          <a:p>
+            <a:r>
+              <a:rPr lang="de-CH" dirty="0" err="1" smtClean="0"/>
+              <a:t>Priority</a:t>
+            </a:r>
+            <a:r>
+              <a:rPr lang="de-CH" dirty="0" smtClean="0"/>
+              <a:t> Register</a:t>
+            </a:r>
+            <a:endParaRPr lang="de-CH" dirty="0"/>
+          </a:p>
+        </p:txBody>
+      </p:sp>
+      <p:pic>
+        <p:nvPicPr>
+          <p:cNvPr id="4" name="Inhaltsplatzhalter 3"/>
+          <p:cNvPicPr>
+            <a:picLocks noGrp="1" noChangeAspect="1"/>
+          </p:cNvPicPr>
+          <p:nvPr>
+            <p:ph idx="1"/>
+          </p:nvPr>
+        </p:nvPicPr>
+        <p:blipFill>
+          <a:blip r:embed="rId2">
+            <a:extLst>
+              <a:ext uri="{28A0092B-C50C-407E-A947-70E740481C1C}">
+                <a14:useLocalDpi xmlns:a14="http://schemas.microsoft.com/office/drawing/2010/main" val="0"/>
+              </a:ext>
+            </a:extLst>
+          </a:blip>
+          <a:stretch>
+            <a:fillRect/>
+          </a:stretch>
+        </p:blipFill>
+        <p:spPr>
+          <a:xfrm>
+            <a:off x="5848350" y="1987709"/>
+            <a:ext cx="4914900" cy="1171575"/>
+          </a:xfrm>
+        </p:spPr>
+      </p:pic>
+      <p:sp>
+        <p:nvSpPr>
+          <p:cNvPr id="5" name="Textfeld 4"/>
+          <p:cNvSpPr txBox="1"/>
+          <p:nvPr/>
+        </p:nvSpPr>
+        <p:spPr>
+          <a:xfrm>
+            <a:off x="1325880" y="2255520"/>
+            <a:ext cx="3154680" cy="707886"/>
+          </a:xfrm>
+          <a:prstGeom prst="rect">
+            <a:avLst/>
+          </a:prstGeom>
+          <a:noFill/>
+        </p:spPr>
+        <p:txBody>
+          <a:bodyPr wrap="square" rtlCol="0">
+            <a:spAutoFit/>
+          </a:bodyPr>
+          <a:lstStyle/>
+          <a:p>
+            <a:pPr marL="285750" indent="-285750">
+              <a:buFontTx/>
+              <a:buChar char="-"/>
+            </a:pPr>
+            <a:r>
+              <a:rPr lang="de-CH" sz="2000" dirty="0" smtClean="0"/>
+              <a:t>M</a:t>
+            </a:r>
+            <a:r>
+              <a:rPr lang="de-CH" sz="2000" dirty="0" smtClean="0">
+                <a:latin typeface="+mj-lt"/>
+              </a:rPr>
+              <a:t>0</a:t>
+            </a:r>
+            <a:r>
+              <a:rPr lang="de-CH" sz="2000" dirty="0" smtClean="0"/>
+              <a:t>+  at least 4 </a:t>
+            </a:r>
+            <a:r>
+              <a:rPr lang="de-CH" sz="2000" dirty="0" err="1" smtClean="0"/>
+              <a:t>priorities</a:t>
+            </a:r>
+            <a:endParaRPr lang="de-CH" sz="2000" dirty="0" smtClean="0"/>
+          </a:p>
+          <a:p>
+            <a:pPr marL="285750" indent="-285750">
+              <a:buFontTx/>
+              <a:buChar char="-"/>
+            </a:pPr>
+            <a:r>
+              <a:rPr lang="de-CH" sz="2000" dirty="0" smtClean="0"/>
+              <a:t>M4 at least 8 </a:t>
+            </a:r>
+            <a:r>
+              <a:rPr lang="de-CH" sz="2000" dirty="0" err="1" smtClean="0"/>
+              <a:t>priorities</a:t>
+            </a:r>
+            <a:endParaRPr lang="de-CH" sz="2000" dirty="0"/>
+          </a:p>
+        </p:txBody>
+      </p:sp>
+    </p:spTree>
+    <p:extLst>
+      <p:ext uri="{BB962C8B-B14F-4D97-AF65-F5344CB8AC3E}">
+        <p14:creationId xmlns:p14="http://schemas.microsoft.com/office/powerpoint/2010/main" val="1000482978"/>
+      </p:ext>
+    </p:extLst>
+  </p:cSld>
+  <p:clrMapOvr>
+    <a:masterClrMapping/>
+  </p:clrMapOvr>
+  <p:timing>
+    <p:tnLst>
+      <p:par>
+        <p:cTn id="1" dur="indefinite" restart="never" nodeType="tmRoot"/>
+      </p:par>
+    </p:tnLst>
+  </p:timing>
+</p:sld>
+</file>
+
+<file path=ppt/slides/slide7.xml><?xml version="1.0" encoding="utf-8"?>
+<p:sld xmlns:a="http://schemas.openxmlformats.org/drawingml/2006/main" xmlns:r="http://schemas.openxmlformats.org/officeDocument/2006/relationships" xmlns:p="http://schemas.openxmlformats.org/presentationml/2006/main">
+  <p:cSld>
+    <p:spTree>
+      <p:nvGrpSpPr>
+        <p:cNvPr id="1" name=""/>
+        <p:cNvGrpSpPr/>
+        <p:nvPr/>
+      </p:nvGrpSpPr>
+      <p:grpSpPr>
+        <a:xfrm>
+          <a:off x="0" y="0"/>
+          <a:ext cx="0" cy="0"/>
+          <a:chOff x="0" y="0"/>
+          <a:chExt cx="0" cy="0"/>
+        </a:xfrm>
+      </p:grpSpPr>
+      <p:sp>
+        <p:nvSpPr>
+          <p:cNvPr id="2" name="Titel 1"/>
+          <p:cNvSpPr>
+            <a:spLocks noGrp="1"/>
+          </p:cNvSpPr>
+          <p:nvPr>
+            <p:ph type="title"/>
+          </p:nvPr>
+        </p:nvSpPr>
+        <p:spPr>
+          <a:xfrm>
             <a:off x="567690" y="559678"/>
             <a:ext cx="5650230" cy="4952492"/>
           </a:xfrm>
@@ -5518,103 +8153,169 @@
           </a:xfrm>
         </p:spPr>
       </p:pic>
+      <p:sp>
+        <p:nvSpPr>
+          <p:cNvPr id="3" name="Textfeld 2"/>
+          <p:cNvSpPr txBox="1"/>
+          <p:nvPr/>
+        </p:nvSpPr>
+        <p:spPr>
+          <a:xfrm>
+            <a:off x="914400" y="2026920"/>
+            <a:ext cx="3489960" cy="2862322"/>
+          </a:xfrm>
+          <a:prstGeom prst="rect">
+            <a:avLst/>
+          </a:prstGeom>
+          <a:noFill/>
+        </p:spPr>
+        <p:txBody>
+          <a:bodyPr wrap="square" rtlCol="0">
+            <a:spAutoFit/>
+          </a:bodyPr>
+          <a:lstStyle/>
+          <a:p>
+            <a:r>
+              <a:rPr lang="de-CH" sz="2000" dirty="0" smtClean="0"/>
+              <a:t>1-15: System </a:t>
+            </a:r>
+            <a:r>
+              <a:rPr lang="de-CH" sz="2000" dirty="0" err="1" smtClean="0"/>
+              <a:t>Exception</a:t>
+            </a:r>
+            <a:r>
+              <a:rPr lang="de-CH" sz="2000" dirty="0" smtClean="0"/>
+              <a:t> </a:t>
+            </a:r>
+            <a:r>
+              <a:rPr lang="de-CH" sz="2000" dirty="0" err="1" smtClean="0"/>
+              <a:t>Types</a:t>
+            </a:r>
+            <a:endParaRPr lang="de-CH" sz="2000" dirty="0" smtClean="0"/>
+          </a:p>
+          <a:p>
+            <a:endParaRPr lang="de-CH" sz="2000" dirty="0"/>
+          </a:p>
+          <a:p>
+            <a:r>
+              <a:rPr lang="de-CH" sz="2000" dirty="0" smtClean="0"/>
+              <a:t>&gt; 15: </a:t>
+            </a:r>
+            <a:r>
+              <a:rPr lang="de-CH" sz="2000" dirty="0" err="1" smtClean="0"/>
+              <a:t>External</a:t>
+            </a:r>
+            <a:r>
+              <a:rPr lang="de-CH" sz="2000" dirty="0" smtClean="0"/>
+              <a:t> </a:t>
+            </a:r>
+            <a:r>
+              <a:rPr lang="de-CH" sz="2000" dirty="0" err="1" smtClean="0"/>
+              <a:t>interrupts</a:t>
+            </a:r>
+            <a:endParaRPr lang="de-CH" sz="2000" dirty="0" smtClean="0"/>
+          </a:p>
+          <a:p>
+            <a:endParaRPr lang="de-CH" sz="2000" dirty="0" smtClean="0"/>
+          </a:p>
+          <a:p>
+            <a:endParaRPr lang="de-CH" sz="2000" dirty="0"/>
+          </a:p>
+          <a:p>
+            <a:r>
+              <a:rPr lang="de-CH" sz="2000" dirty="0" smtClean="0"/>
+              <a:t>The </a:t>
+            </a:r>
+            <a:r>
+              <a:rPr lang="de-CH" sz="2000" dirty="0" err="1" smtClean="0"/>
+              <a:t>lower</a:t>
+            </a:r>
+            <a:r>
+              <a:rPr lang="de-CH" sz="2000" dirty="0" smtClean="0"/>
+              <a:t> </a:t>
+            </a:r>
+            <a:r>
+              <a:rPr lang="de-CH" sz="2000" dirty="0" err="1" smtClean="0"/>
+              <a:t>the</a:t>
+            </a:r>
+            <a:r>
+              <a:rPr lang="de-CH" sz="2000" dirty="0" smtClean="0"/>
+              <a:t> </a:t>
+            </a:r>
+            <a:r>
+              <a:rPr lang="de-CH" sz="2000" dirty="0" err="1" smtClean="0"/>
+              <a:t>number</a:t>
+            </a:r>
+            <a:r>
+              <a:rPr lang="de-CH" sz="2000" dirty="0" smtClean="0"/>
+              <a:t>, </a:t>
+            </a:r>
+            <a:r>
+              <a:rPr lang="de-CH" sz="2000" dirty="0" err="1" smtClean="0"/>
+              <a:t>the</a:t>
+            </a:r>
+            <a:r>
+              <a:rPr lang="de-CH" sz="2000" dirty="0" smtClean="0"/>
+              <a:t> </a:t>
+            </a:r>
+            <a:r>
+              <a:rPr lang="de-CH" sz="2000" dirty="0" err="1" smtClean="0"/>
+              <a:t>higher</a:t>
+            </a:r>
+            <a:r>
+              <a:rPr lang="de-CH" sz="2000" dirty="0" smtClean="0"/>
+              <a:t> </a:t>
+            </a:r>
+            <a:r>
+              <a:rPr lang="de-CH" sz="2000" dirty="0" err="1" smtClean="0"/>
+              <a:t>the</a:t>
+            </a:r>
+            <a:r>
+              <a:rPr lang="de-CH" sz="2000" dirty="0" smtClean="0"/>
+              <a:t> </a:t>
+            </a:r>
+            <a:r>
+              <a:rPr lang="de-CH" sz="2000" dirty="0" err="1" smtClean="0"/>
+              <a:t>priority</a:t>
+            </a:r>
+            <a:r>
+              <a:rPr lang="de-CH" sz="2000" dirty="0" smtClean="0"/>
+              <a:t>!</a:t>
+            </a:r>
+          </a:p>
+          <a:p>
+            <a:endParaRPr lang="de-CH" sz="2000" dirty="0"/>
+          </a:p>
+          <a:p>
+            <a:r>
+              <a:rPr lang="de-CH" sz="2000" dirty="0" smtClean="0"/>
+              <a:t>1-3:  negative </a:t>
+            </a:r>
+            <a:r>
+              <a:rPr lang="de-CH" sz="2000" dirty="0" err="1" smtClean="0"/>
+              <a:t>priority</a:t>
+            </a:r>
+            <a:endParaRPr lang="de-CH" sz="2000" dirty="0" smtClean="0"/>
+          </a:p>
+        </p:txBody>
+      </p:sp>
     </p:spTree>
     <p:extLst>
       <p:ext uri="{BB962C8B-B14F-4D97-AF65-F5344CB8AC3E}">
-        <p14:creationId xmlns:p14="http://schemas.microsoft.com/office/powerpoint/2010/main" val="1547340075"/>
+        <p14:creationId xmlns:p14="http://schemas.microsoft.com/office/powerpoint/2010/main" val="320455236"/>
       </p:ext>
     </p:extLst>
   </p:cSld>
   <p:clrMapOvr>
     <a:masterClrMapping/>
   </p:clrMapOvr>
-</p:sld>
-</file>
-
-<file path=ppt/slides/slide7.xml><?xml version="1.0" encoding="utf-8"?>
-<p:sld xmlns:a="http://schemas.openxmlformats.org/drawingml/2006/main" xmlns:r="http://schemas.openxmlformats.org/officeDocument/2006/relationships" xmlns:p="http://schemas.openxmlformats.org/presentationml/2006/main">
-  <p:cSld>
-    <p:spTree>
-      <p:nvGrpSpPr>
-        <p:cNvPr id="1" name=""/>
-        <p:cNvGrpSpPr/>
-        <p:nvPr/>
-      </p:nvGrpSpPr>
-      <p:grpSpPr>
-        <a:xfrm>
-          <a:off x="0" y="0"/>
-          <a:ext cx="0" cy="0"/>
-          <a:chOff x="0" y="0"/>
-          <a:chExt cx="0" cy="0"/>
-        </a:xfrm>
-      </p:grpSpPr>
-      <p:sp>
-        <p:nvSpPr>
-          <p:cNvPr id="2" name="Titel 1"/>
-          <p:cNvSpPr>
-            <a:spLocks noGrp="1"/>
-          </p:cNvSpPr>
-          <p:nvPr>
-            <p:ph type="title"/>
-          </p:nvPr>
-        </p:nvSpPr>
-        <p:spPr>
-          <a:xfrm>
-            <a:off x="1630680" y="559678"/>
-            <a:ext cx="3833906" cy="800492"/>
-          </a:xfrm>
-        </p:spPr>
-        <p:txBody>
-          <a:bodyPr/>
-          <a:lstStyle/>
-          <a:p>
-            <a:r>
-              <a:rPr lang="de-CH" dirty="0" smtClean="0"/>
-              <a:t>PRIMASK</a:t>
-            </a:r>
-            <a:endParaRPr lang="de-CH" dirty="0"/>
-          </a:p>
-        </p:txBody>
-      </p:sp>
-      <p:pic>
-        <p:nvPicPr>
-          <p:cNvPr id="4" name="Inhaltsplatzhalter 3"/>
-          <p:cNvPicPr>
-            <a:picLocks noGrp="1" noChangeAspect="1"/>
-          </p:cNvPicPr>
-          <p:nvPr>
-            <p:ph idx="1"/>
-          </p:nvPr>
-        </p:nvPicPr>
-        <p:blipFill>
-          <a:blip r:embed="rId2">
-            <a:extLst>
-              <a:ext uri="{28A0092B-C50C-407E-A947-70E740481C1C}">
-                <a14:useLocalDpi xmlns:a14="http://schemas.microsoft.com/office/drawing/2010/main" val="0"/>
-              </a:ext>
-            </a:extLst>
-          </a:blip>
-          <a:stretch>
-            <a:fillRect/>
-          </a:stretch>
-        </p:blipFill>
-        <p:spPr>
-          <a:xfrm>
-            <a:off x="5181600" y="2267602"/>
-            <a:ext cx="6248400" cy="2257709"/>
-          </a:xfrm>
-        </p:spPr>
-      </p:pic>
-    </p:spTree>
-    <p:extLst>
-      <p:ext uri="{BB962C8B-B14F-4D97-AF65-F5344CB8AC3E}">
-        <p14:creationId xmlns:p14="http://schemas.microsoft.com/office/powerpoint/2010/main" val="561844098"/>
-      </p:ext>
-    </p:extLst>
-  </p:cSld>
-  <p:clrMapOvr>
-    <a:masterClrMapping/>
-  </p:clrMapOvr>
+  <p:timing>
+    <p:tnLst>
+      <p:par>
+        <p:cTn id="1" dur="indefinite" restart="never" nodeType="tmRoot"/>
+      </p:par>
+    </p:tnLst>
+  </p:timing>
 </p:sld>
 </file>
 
@@ -5647,21 +8348,19 @@
         </p:nvSpPr>
         <p:spPr>
           <a:xfrm>
-            <a:off x="1539240" y="559678"/>
-            <a:ext cx="5204460" cy="811922"/>
+            <a:off x="1767840" y="559678"/>
+            <a:ext cx="6217920" cy="811922"/>
           </a:xfrm>
         </p:spPr>
         <p:txBody>
-          <a:bodyPr/>
+          <a:bodyPr>
+            <a:normAutofit/>
+          </a:bodyPr>
           <a:lstStyle/>
           <a:p>
             <a:r>
               <a:rPr lang="de-CH" dirty="0" smtClean="0"/>
-              <a:t>Fault </a:t>
-            </a:r>
-            <a:r>
-              <a:rPr lang="de-CH" dirty="0" err="1" smtClean="0"/>
-              <a:t>Exception</a:t>
+              <a:t>Hard Fault Handler</a:t>
             </a:r>
             <a:endParaRPr lang="de-CH" dirty="0"/>
           </a:p>
@@ -5691,21 +8390,100 @@
         </p:blipFill>
         <p:spPr>
           <a:xfrm>
-            <a:off x="6136005" y="2011521"/>
-            <a:ext cx="3219450" cy="895350"/>
+            <a:off x="6136004" y="2011520"/>
+            <a:ext cx="4658499" cy="1295559"/>
           </a:xfrm>
         </p:spPr>
       </p:pic>
+      <p:sp>
+        <p:nvSpPr>
+          <p:cNvPr id="5" name="Textfeld 4"/>
+          <p:cNvSpPr txBox="1"/>
+          <p:nvPr/>
+        </p:nvSpPr>
+        <p:spPr>
+          <a:xfrm>
+            <a:off x="1158240" y="2148840"/>
+            <a:ext cx="4267200" cy="984885"/>
+          </a:xfrm>
+          <a:prstGeom prst="rect">
+            <a:avLst/>
+          </a:prstGeom>
+          <a:noFill/>
+        </p:spPr>
+        <p:txBody>
+          <a:bodyPr wrap="square" rtlCol="0">
+            <a:spAutoFit/>
+          </a:bodyPr>
+          <a:lstStyle/>
+          <a:p>
+            <a:pPr marL="285750" indent="-285750">
+              <a:buFont typeface="Arial" panose="020B0604020202020204" pitchFamily="34" charset="0"/>
+              <a:buChar char="•"/>
+            </a:pPr>
+            <a:r>
+              <a:rPr lang="de-CH" sz="2000" dirty="0" err="1"/>
+              <a:t>Processor</a:t>
+            </a:r>
+            <a:r>
+              <a:rPr lang="de-CH" sz="2000" dirty="0"/>
+              <a:t> Expert </a:t>
+            </a:r>
+            <a:r>
+              <a:rPr lang="de-CH" sz="2000" dirty="0" err="1"/>
+              <a:t>component</a:t>
+            </a:r>
+            <a:endParaRPr lang="de-CH" sz="2000" dirty="0"/>
+          </a:p>
+          <a:p>
+            <a:pPr marL="285750" indent="-285750">
+              <a:buFont typeface="Arial" panose="020B0604020202020204" pitchFamily="34" charset="0"/>
+              <a:buChar char="•"/>
+            </a:pPr>
+            <a:endParaRPr lang="de-CH" dirty="0" smtClean="0"/>
+          </a:p>
+          <a:p>
+            <a:pPr marL="285750" indent="-285750">
+              <a:buFont typeface="Arial" panose="020B0604020202020204" pitchFamily="34" charset="0"/>
+              <a:buChar char="•"/>
+            </a:pPr>
+            <a:r>
+              <a:rPr lang="de-CH" sz="2000" dirty="0" smtClean="0"/>
+              <a:t>Link </a:t>
+            </a:r>
+            <a:r>
+              <a:rPr lang="de-CH" sz="2000" dirty="0" err="1" smtClean="0"/>
+              <a:t>register</a:t>
+            </a:r>
+            <a:r>
+              <a:rPr lang="de-CH" sz="2000" dirty="0" smtClean="0"/>
+              <a:t>  &amp;  PC </a:t>
+            </a:r>
+            <a:r>
+              <a:rPr lang="de-CH" sz="2000" dirty="0" err="1" smtClean="0"/>
+              <a:t>register</a:t>
+            </a:r>
+            <a:endParaRPr lang="de-CH" sz="2000" dirty="0"/>
+          </a:p>
+        </p:txBody>
+      </p:sp>
     </p:spTree>
     <p:extLst>
       <p:ext uri="{BB962C8B-B14F-4D97-AF65-F5344CB8AC3E}">
-        <p14:creationId xmlns:p14="http://schemas.microsoft.com/office/powerpoint/2010/main" val="701251300"/>
+        <p14:creationId xmlns:p14="http://schemas.microsoft.com/office/powerpoint/2010/main" val="2164776"/>
       </p:ext>
     </p:extLst>
   </p:cSld>
   <p:clrMapOvr>
     <a:masterClrMapping/>
   </p:clrMapOvr>
+  <p:timing>
+    <p:tnLst>
+      <p:par>
+        <p:cTn id="1" dur="indefinite" restart="never" nodeType="tmRoot"/>
+      </p:par>
+    </p:tnLst>
+  </p:timing>
 </p:sld>
 </file>
 
@@ -6093,4 +8871,265 @@
     </a:ext>
   </a:extLst>
 </a:theme>
+</file>
+
+<file path=ppt/theme/theme2.xml><?xml version="1.0" encoding="utf-8"?>
+<a:theme xmlns:a="http://schemas.openxmlformats.org/drawingml/2006/main" name="Office-Design">
+  <a:themeElements>
+    <a:clrScheme name="Office">
+      <a:dk1>
+        <a:sysClr val="windowText" lastClr="000000"/>
+      </a:dk1>
+      <a:lt1>
+        <a:sysClr val="window" lastClr="FFFFFF"/>
+      </a:lt1>
+      <a:dk2>
+        <a:srgbClr val="44546A"/>
+      </a:dk2>
+      <a:lt2>
+        <a:srgbClr val="E7E6E6"/>
+      </a:lt2>
+      <a:accent1>
+        <a:srgbClr val="5B9BD5"/>
+      </a:accent1>
+      <a:accent2>
+        <a:srgbClr val="ED7D31"/>
+      </a:accent2>
+      <a:accent3>
+        <a:srgbClr val="A5A5A5"/>
+      </a:accent3>
+      <a:accent4>
+        <a:srgbClr val="FFC000"/>
+      </a:accent4>
+      <a:accent5>
+        <a:srgbClr val="4472C4"/>
+      </a:accent5>
+      <a:accent6>
+        <a:srgbClr val="70AD47"/>
+      </a:accent6>
+      <a:hlink>
+        <a:srgbClr val="0563C1"/>
+      </a:hlink>
+      <a:folHlink>
+        <a:srgbClr val="954F72"/>
+      </a:folHlink>
+    </a:clrScheme>
+    <a:fontScheme name="Office">
+      <a:majorFont>
+        <a:latin typeface="Calibri Light" panose="020F0302020204030204"/>
+        <a:ea typeface=""/>
+        <a:cs typeface=""/>
+        <a:font script="Jpan" typeface="Yu Gothic Light"/>
+        <a:font script="Hang" typeface="맑은 고딕"/>
+        <a:font script="Hans" typeface="DengXian Light"/>
+        <a:font script="Hant" typeface="新細明體"/>
+        <a:font script="Arab" typeface="Times New Roman"/>
+        <a:font script="Hebr" typeface="Times New Roman"/>
+        <a:font script="Thai" typeface="Angsana New"/>
+        <a:font script="Ethi" typeface="Nyala"/>
+        <a:font script="Beng" typeface="Vrinda"/>
+        <a:font script="Gujr" typeface="Shruti"/>
+        <a:font script="Khmr" typeface="MoolBoran"/>
+        <a:font script="Knda" typeface="Tunga"/>
+        <a:font script="Guru" typeface="Raavi"/>
+        <a:font script="Cans" typeface="Euphemia"/>
+        <a:font script="Cher" typeface="Plantagenet Cherokee"/>
+        <a:font script="Yiii" typeface="Microsoft Yi Baiti"/>
+        <a:font script="Tibt" typeface="Microsoft Himalaya"/>
+        <a:font script="Thaa" typeface="MV Boli"/>
+        <a:font script="Deva" typeface="Mangal"/>
+        <a:font script="Telu" typeface="Gautami"/>
+        <a:font script="Taml" typeface="Latha"/>
+        <a:font script="Syrc" typeface="Estrangelo Edessa"/>
+        <a:font script="Orya" typeface="Kalinga"/>
+        <a:font script="Mlym" typeface="Kartika"/>
+        <a:font script="Laoo" typeface="DokChampa"/>
+        <a:font script="Sinh" typeface="Iskoola Pota"/>
+        <a:font script="Mong" typeface="Mongolian Baiti"/>
+        <a:font script="Viet" typeface="Times New Roman"/>
+        <a:font script="Uigh" typeface="Microsoft Uighur"/>
+        <a:font script="Geor" typeface="Sylfaen"/>
+      </a:majorFont>
+      <a:minorFont>
+        <a:latin typeface="Calibri" panose="020F0502020204030204"/>
+        <a:ea typeface=""/>
+        <a:cs typeface=""/>
+        <a:font script="Jpan" typeface="Yu Gothic"/>
+        <a:font script="Hang" typeface="맑은 고딕"/>
+        <a:font script="Hans" typeface="DengXian"/>
+        <a:font script="Hant" typeface="新細明體"/>
+        <a:font script="Arab" typeface="Arial"/>
+        <a:font script="Hebr" typeface="Arial"/>
+        <a:font script="Thai" typeface="Cordia New"/>
+        <a:font script="Ethi" typeface="Nyala"/>
+        <a:font script="Beng" typeface="Vrinda"/>
+        <a:font script="Gujr" typeface="Shruti"/>
+        <a:font script="Khmr" typeface="DaunPenh"/>
+        <a:font script="Knda" typeface="Tunga"/>
+        <a:font script="Guru" typeface="Raavi"/>
+        <a:font script="Cans" typeface="Euphemia"/>
+        <a:font script="Cher" typeface="Plantagenet Cherokee"/>
+        <a:font script="Yiii" typeface="Microsoft Yi Baiti"/>
+        <a:font script="Tibt" typeface="Microsoft Himalaya"/>
+        <a:font script="Thaa" typeface="MV Boli"/>
+        <a:font script="Deva" typeface="Mangal"/>
+        <a:font script="Telu" typeface="Gautami"/>
+        <a:font script="Taml" typeface="Latha"/>
+        <a:font script="Syrc" typeface="Estrangelo Edessa"/>
+        <a:font script="Orya" typeface="Kalinga"/>
+        <a:font script="Mlym" typeface="Kartika"/>
+        <a:font script="Laoo" typeface="DokChampa"/>
+        <a:font script="Sinh" typeface="Iskoola Pota"/>
+        <a:font script="Mong" typeface="Mongolian Baiti"/>
+        <a:font script="Viet" typeface="Arial"/>
+        <a:font script="Uigh" typeface="Microsoft Uighur"/>
+        <a:font script="Geor" typeface="Sylfaen"/>
+      </a:minorFont>
+    </a:fontScheme>
+    <a:fmtScheme name="Office">
+      <a:fillStyleLst>
+        <a:solidFill>
+          <a:schemeClr val="phClr"/>
+        </a:solidFill>
+        <a:gradFill rotWithShape="1">
+          <a:gsLst>
+            <a:gs pos="0">
+              <a:schemeClr val="phClr">
+                <a:lumMod val="110000"/>
+                <a:satMod val="105000"/>
+                <a:tint val="67000"/>
+              </a:schemeClr>
+            </a:gs>
+            <a:gs pos="50000">
+              <a:schemeClr val="phClr">
+                <a:lumMod val="105000"/>
+                <a:satMod val="103000"/>
+                <a:tint val="73000"/>
+              </a:schemeClr>
+            </a:gs>
+            <a:gs pos="100000">
+              <a:schemeClr val="phClr">
+                <a:lumMod val="105000"/>
+                <a:satMod val="109000"/>
+                <a:tint val="81000"/>
+              </a:schemeClr>
+            </a:gs>
+          </a:gsLst>
+          <a:lin ang="5400000" scaled="0"/>
+        </a:gradFill>
+        <a:gradFill rotWithShape="1">
+          <a:gsLst>
+            <a:gs pos="0">
+              <a:schemeClr val="phClr">
+                <a:satMod val="103000"/>
+                <a:lumMod val="102000"/>
+                <a:tint val="94000"/>
+              </a:schemeClr>
+            </a:gs>
+            <a:gs pos="50000">
+              <a:schemeClr val="phClr">
+                <a:satMod val="110000"/>
+                <a:lumMod val="100000"/>
+                <a:shade val="100000"/>
+              </a:schemeClr>
+            </a:gs>
+            <a:gs pos="100000">
+              <a:schemeClr val="phClr">
+                <a:lumMod val="99000"/>
+                <a:satMod val="120000"/>
+                <a:shade val="78000"/>
+              </a:schemeClr>
+            </a:gs>
+          </a:gsLst>
+          <a:lin ang="5400000" scaled="0"/>
+        </a:gradFill>
+      </a:fillStyleLst>
+      <a:lnStyleLst>
+        <a:ln w="6350" cap="flat" cmpd="sng" algn="ctr">
+          <a:solidFill>
+            <a:schemeClr val="phClr"/>
+          </a:solidFill>
+          <a:prstDash val="solid"/>
+          <a:miter lim="800000"/>
+        </a:ln>
+        <a:ln w="12700" cap="flat" cmpd="sng" algn="ctr">
+          <a:solidFill>
+            <a:schemeClr val="phClr"/>
+          </a:solidFill>
+          <a:prstDash val="solid"/>
+          <a:miter lim="800000"/>
+        </a:ln>
+        <a:ln w="19050" cap="flat" cmpd="sng" algn="ctr">
+          <a:solidFill>
+            <a:schemeClr val="phClr"/>
+          </a:solidFill>
+          <a:prstDash val="solid"/>
+          <a:miter lim="800000"/>
+        </a:ln>
+      </a:lnStyleLst>
+      <a:effectStyleLst>
+        <a:effectStyle>
+          <a:effectLst/>
+        </a:effectStyle>
+        <a:effectStyle>
+          <a:effectLst/>
+        </a:effectStyle>
+        <a:effectStyle>
+          <a:effectLst>
+            <a:outerShdw blurRad="57150" dist="19050" dir="5400000" algn="ctr" rotWithShape="0">
+              <a:srgbClr val="000000">
+                <a:alpha val="63000"/>
+              </a:srgbClr>
+            </a:outerShdw>
+          </a:effectLst>
+        </a:effectStyle>
+      </a:effectStyleLst>
+      <a:bgFillStyleLst>
+        <a:solidFill>
+          <a:schemeClr val="phClr"/>
+        </a:solidFill>
+        <a:solidFill>
+          <a:schemeClr val="phClr">
+            <a:tint val="95000"/>
+            <a:satMod val="170000"/>
+          </a:schemeClr>
+        </a:solidFill>
+        <a:gradFill rotWithShape="1">
+          <a:gsLst>
+            <a:gs pos="0">
+              <a:schemeClr val="phClr">
+                <a:tint val="93000"/>
+                <a:satMod val="150000"/>
+                <a:shade val="98000"/>
+                <a:lumMod val="102000"/>
+              </a:schemeClr>
+            </a:gs>
+            <a:gs pos="50000">
+              <a:schemeClr val="phClr">
+                <a:tint val="98000"/>
+                <a:satMod val="130000"/>
+                <a:shade val="90000"/>
+                <a:lumMod val="103000"/>
+              </a:schemeClr>
+            </a:gs>
+            <a:gs pos="100000">
+              <a:schemeClr val="phClr">
+                <a:shade val="63000"/>
+                <a:satMod val="120000"/>
+              </a:schemeClr>
+            </a:gs>
+          </a:gsLst>
+          <a:lin ang="5400000" scaled="0"/>
+        </a:gradFill>
+      </a:bgFillStyleLst>
+    </a:fmtScheme>
+  </a:themeElements>
+  <a:objectDefaults/>
+  <a:extraClrSchemeLst/>
+  <a:extLst>
+    <a:ext uri="{05A4C25C-085E-4340-85A3-A5531E510DB2}">
+      <thm15:themeFamily xmlns:thm15="http://schemas.microsoft.com/office/thememl/2012/main" name="Office Theme" id="{62F939B6-93AF-4DB8-9C6B-D6C7DFDC589F}" vid="{4A3C46E8-61CC-4603-A589-7422A47A8E4A}"/>
+    </a:ext>
+  </a:extLst>
+</a:theme>
 </file>